--- a/airpic.pptx
+++ b/airpic.pptx
@@ -5,23 +5,31 @@
     <p:sldMasterId id="2147483648" r:id="rId1"/>
   </p:sldMasterIdLst>
   <p:sldIdLst>
-    <p:sldId id="272" r:id="rId2"/>
-    <p:sldId id="270" r:id="rId3"/>
-    <p:sldId id="271" r:id="rId4"/>
-    <p:sldId id="256" r:id="rId5"/>
-    <p:sldId id="262" r:id="rId6"/>
-    <p:sldId id="257" r:id="rId7"/>
-    <p:sldId id="258" r:id="rId8"/>
-    <p:sldId id="259" r:id="rId9"/>
-    <p:sldId id="260" r:id="rId10"/>
-    <p:sldId id="261" r:id="rId11"/>
-    <p:sldId id="263" r:id="rId12"/>
-    <p:sldId id="265" r:id="rId13"/>
-    <p:sldId id="266" r:id="rId14"/>
-    <p:sldId id="267" r:id="rId15"/>
-    <p:sldId id="268" r:id="rId16"/>
-    <p:sldId id="269" r:id="rId17"/>
-    <p:sldId id="264" r:id="rId18"/>
+    <p:sldId id="278" r:id="rId2"/>
+    <p:sldId id="274" r:id="rId3"/>
+    <p:sldId id="275" r:id="rId4"/>
+    <p:sldId id="276" r:id="rId5"/>
+    <p:sldId id="277" r:id="rId6"/>
+    <p:sldId id="272" r:id="rId7"/>
+    <p:sldId id="279" r:id="rId8"/>
+    <p:sldId id="273" r:id="rId9"/>
+    <p:sldId id="280" r:id="rId10"/>
+    <p:sldId id="270" r:id="rId11"/>
+    <p:sldId id="271" r:id="rId12"/>
+    <p:sldId id="256" r:id="rId13"/>
+    <p:sldId id="262" r:id="rId14"/>
+    <p:sldId id="257" r:id="rId15"/>
+    <p:sldId id="258" r:id="rId16"/>
+    <p:sldId id="259" r:id="rId17"/>
+    <p:sldId id="260" r:id="rId18"/>
+    <p:sldId id="261" r:id="rId19"/>
+    <p:sldId id="263" r:id="rId20"/>
+    <p:sldId id="265" r:id="rId21"/>
+    <p:sldId id="266" r:id="rId22"/>
+    <p:sldId id="267" r:id="rId23"/>
+    <p:sldId id="268" r:id="rId24"/>
+    <p:sldId id="269" r:id="rId25"/>
+    <p:sldId id="264" r:id="rId26"/>
   </p:sldIdLst>
   <p:sldSz cx="9144000" cy="6858000" type="screen4x3"/>
   <p:notesSz cx="6858000" cy="9144000"/>
@@ -304,7 +312,7 @@
           <a:p>
             <a:fld id="{69910590-D6D2-4333-94C3-CCD900008DA4}" type="datetimeFigureOut">
               <a:rPr lang="en-GB" smtClean="0"/>
-              <a:t>07/11/2015</a:t>
+              <a:t>15/11/2015</a:t>
             </a:fld>
             <a:endParaRPr lang="en-GB"/>
           </a:p>
@@ -474,7 +482,7 @@
           <a:p>
             <a:fld id="{69910590-D6D2-4333-94C3-CCD900008DA4}" type="datetimeFigureOut">
               <a:rPr lang="en-GB" smtClean="0"/>
-              <a:t>07/11/2015</a:t>
+              <a:t>15/11/2015</a:t>
             </a:fld>
             <a:endParaRPr lang="en-GB"/>
           </a:p>
@@ -654,7 +662,7 @@
           <a:p>
             <a:fld id="{69910590-D6D2-4333-94C3-CCD900008DA4}" type="datetimeFigureOut">
               <a:rPr lang="en-GB" smtClean="0"/>
-              <a:t>07/11/2015</a:t>
+              <a:t>15/11/2015</a:t>
             </a:fld>
             <a:endParaRPr lang="en-GB"/>
           </a:p>
@@ -824,7 +832,7 @@
           <a:p>
             <a:fld id="{69910590-D6D2-4333-94C3-CCD900008DA4}" type="datetimeFigureOut">
               <a:rPr lang="en-GB" smtClean="0"/>
-              <a:t>07/11/2015</a:t>
+              <a:t>15/11/2015</a:t>
             </a:fld>
             <a:endParaRPr lang="en-GB"/>
           </a:p>
@@ -1070,7 +1078,7 @@
           <a:p>
             <a:fld id="{69910590-D6D2-4333-94C3-CCD900008DA4}" type="datetimeFigureOut">
               <a:rPr lang="en-GB" smtClean="0"/>
-              <a:t>07/11/2015</a:t>
+              <a:t>15/11/2015</a:t>
             </a:fld>
             <a:endParaRPr lang="en-GB"/>
           </a:p>
@@ -1358,7 +1366,7 @@
           <a:p>
             <a:fld id="{69910590-D6D2-4333-94C3-CCD900008DA4}" type="datetimeFigureOut">
               <a:rPr lang="en-GB" smtClean="0"/>
-              <a:t>07/11/2015</a:t>
+              <a:t>15/11/2015</a:t>
             </a:fld>
             <a:endParaRPr lang="en-GB"/>
           </a:p>
@@ -1780,7 +1788,7 @@
           <a:p>
             <a:fld id="{69910590-D6D2-4333-94C3-CCD900008DA4}" type="datetimeFigureOut">
               <a:rPr lang="en-GB" smtClean="0"/>
-              <a:t>07/11/2015</a:t>
+              <a:t>15/11/2015</a:t>
             </a:fld>
             <a:endParaRPr lang="en-GB"/>
           </a:p>
@@ -1898,7 +1906,7 @@
           <a:p>
             <a:fld id="{69910590-D6D2-4333-94C3-CCD900008DA4}" type="datetimeFigureOut">
               <a:rPr lang="en-GB" smtClean="0"/>
-              <a:t>07/11/2015</a:t>
+              <a:t>15/11/2015</a:t>
             </a:fld>
             <a:endParaRPr lang="en-GB"/>
           </a:p>
@@ -1993,7 +2001,7 @@
           <a:p>
             <a:fld id="{69910590-D6D2-4333-94C3-CCD900008DA4}" type="datetimeFigureOut">
               <a:rPr lang="en-GB" smtClean="0"/>
-              <a:t>07/11/2015</a:t>
+              <a:t>15/11/2015</a:t>
             </a:fld>
             <a:endParaRPr lang="en-GB"/>
           </a:p>
@@ -2270,7 +2278,7 @@
           <a:p>
             <a:fld id="{69910590-D6D2-4333-94C3-CCD900008DA4}" type="datetimeFigureOut">
               <a:rPr lang="en-GB" smtClean="0"/>
-              <a:t>07/11/2015</a:t>
+              <a:t>15/11/2015</a:t>
             </a:fld>
             <a:endParaRPr lang="en-GB"/>
           </a:p>
@@ -2523,7 +2531,7 @@
           <a:p>
             <a:fld id="{69910590-D6D2-4333-94C3-CCD900008DA4}" type="datetimeFigureOut">
               <a:rPr lang="en-GB" smtClean="0"/>
-              <a:t>07/11/2015</a:t>
+              <a:t>15/11/2015</a:t>
             </a:fld>
             <a:endParaRPr lang="en-GB"/>
           </a:p>
@@ -2736,7 +2744,7 @@
           <a:p>
             <a:fld id="{69910590-D6D2-4333-94C3-CCD900008DA4}" type="datetimeFigureOut">
               <a:rPr lang="en-GB" smtClean="0"/>
-              <a:t>07/11/2015</a:t>
+              <a:t>15/11/2015</a:t>
             </a:fld>
             <a:endParaRPr lang="en-GB"/>
           </a:p>
@@ -3111,32 +3119,9 @@
           <a:chExt cx="0" cy="0"/>
         </a:xfrm>
       </p:grpSpPr>
-      <p:sp>
-        <p:nvSpPr>
-          <p:cNvPr id="2" name="Title 1"/>
-          <p:cNvSpPr>
-            <a:spLocks noGrp="1"/>
-          </p:cNvSpPr>
-          <p:nvPr>
-            <p:ph type="title"/>
-          </p:nvPr>
-        </p:nvSpPr>
-        <p:spPr/>
-        <p:txBody>
-          <a:bodyPr/>
-          <a:lstStyle/>
-          <a:p>
-            <a:r>
-              <a:rPr lang="en-GB" dirty="0" smtClean="0"/>
-              <a:t>Select Area and Layers</a:t>
-            </a:r>
-            <a:endParaRPr lang="en-GB" dirty="0"/>
-          </a:p>
-        </p:txBody>
-      </p:sp>
       <p:pic>
         <p:nvPicPr>
-          <p:cNvPr id="1026" name="Picture 2" descr="http://i.stack.imgur.com/pfebf.png"/>
+          <p:cNvPr id="4" name="Picture 6"/>
           <p:cNvPicPr>
             <a:picLocks noChangeAspect="1" noChangeArrowheads="1"/>
           </p:cNvPicPr>
@@ -3157,104 +3142,8 @@
         </p:blipFill>
         <p:spPr bwMode="auto">
           <a:xfrm>
-            <a:off x="724619" y="1371600"/>
-            <a:ext cx="3043237" cy="2938462"/>
-          </a:xfrm>
-          <a:prstGeom prst="rect">
-            <a:avLst/>
-          </a:prstGeom>
-          <a:noFill/>
-          <a:extLst>
-            <a:ext uri="{909E8E84-426E-40DD-AFC4-6F175D3DCCD1}">
-              <a14:hiddenFill xmlns:a14="http://schemas.microsoft.com/office/drawing/2010/main">
-                <a:solidFill>
-                  <a:srgbClr val="FFFFFF"/>
-                </a:solidFill>
-              </a14:hiddenFill>
-            </a:ext>
-          </a:extLst>
-        </p:spPr>
-      </p:pic>
-    </p:spTree>
-    <p:extLst>
-      <p:ext uri="{BB962C8B-B14F-4D97-AF65-F5344CB8AC3E}">
-        <p14:creationId xmlns:p14="http://schemas.microsoft.com/office/powerpoint/2010/main" val="2070452449"/>
-      </p:ext>
-    </p:extLst>
-  </p:cSld>
-  <p:clrMapOvr>
-    <a:masterClrMapping/>
-  </p:clrMapOvr>
-</p:sld>
-</file>
-
-<file path=ppt/slides/slide10.xml><?xml version="1.0" encoding="utf-8"?>
-<p:sld xmlns:a="http://schemas.openxmlformats.org/drawingml/2006/main" xmlns:r="http://schemas.openxmlformats.org/officeDocument/2006/relationships" xmlns:p="http://schemas.openxmlformats.org/presentationml/2006/main">
-  <p:cSld>
-    <p:spTree>
-      <p:nvGrpSpPr>
-        <p:cNvPr id="1" name=""/>
-        <p:cNvGrpSpPr/>
-        <p:nvPr/>
-      </p:nvGrpSpPr>
-      <p:grpSpPr>
-        <a:xfrm>
-          <a:off x="0" y="0"/>
-          <a:ext cx="0" cy="0"/>
-          <a:chOff x="0" y="0"/>
-          <a:chExt cx="0" cy="0"/>
-        </a:xfrm>
-      </p:grpSpPr>
-      <p:sp>
-        <p:nvSpPr>
-          <p:cNvPr id="2" name="Title 1"/>
-          <p:cNvSpPr>
-            <a:spLocks noGrp="1"/>
-          </p:cNvSpPr>
-          <p:nvPr>
-            <p:ph type="title"/>
-          </p:nvPr>
-        </p:nvSpPr>
-        <p:spPr/>
-        <p:txBody>
-          <a:bodyPr/>
-          <a:lstStyle/>
-          <a:p>
-            <a:r>
-              <a:rPr lang="en-GB" dirty="0" smtClean="0"/>
-              <a:t>Select Data</a:t>
-            </a:r>
-            <a:endParaRPr lang="en-GB" dirty="0"/>
-          </a:p>
-        </p:txBody>
-      </p:sp>
-      <p:pic>
-        <p:nvPicPr>
-          <p:cNvPr id="5123" name="Picture 3"/>
-          <p:cNvPicPr>
-            <a:picLocks noGrp="1" noChangeAspect="1" noChangeArrowheads="1"/>
-          </p:cNvPicPr>
-          <p:nvPr>
-            <p:ph idx="1"/>
-          </p:nvPr>
-        </p:nvPicPr>
-        <p:blipFill>
-          <a:blip r:embed="rId2">
-            <a:extLst>
-              <a:ext uri="{28A0092B-C50C-407E-A947-70E740481C1C}">
-                <a14:useLocalDpi xmlns:a14="http://schemas.microsoft.com/office/drawing/2010/main" val="0"/>
-              </a:ext>
-            </a:extLst>
-          </a:blip>
-          <a:srcRect/>
-          <a:stretch>
-            <a:fillRect/>
-          </a:stretch>
-        </p:blipFill>
-        <p:spPr bwMode="auto">
-          <a:xfrm>
-            <a:off x="1633106" y="1600200"/>
-            <a:ext cx="5877787" cy="4525963"/>
+            <a:off x="833437" y="4191000"/>
+            <a:ext cx="2143125" cy="2143125"/>
           </a:xfrm>
           <a:prstGeom prst="rect">
             <a:avLst/>
@@ -3284,633 +3173,255 @@
           </a:extLst>
         </p:spPr>
       </p:pic>
+      <p:pic>
+        <p:nvPicPr>
+          <p:cNvPr id="5122" name="Picture 2"/>
+          <p:cNvPicPr>
+            <a:picLocks noChangeAspect="1" noChangeArrowheads="1"/>
+          </p:cNvPicPr>
+          <p:nvPr/>
+        </p:nvPicPr>
+        <p:blipFill>
+          <a:blip r:embed="rId3" cstate="print">
+            <a:extLst>
+              <a:ext uri="{28A0092B-C50C-407E-A947-70E740481C1C}">
+                <a14:useLocalDpi xmlns:a14="http://schemas.microsoft.com/office/drawing/2010/main" val="0"/>
+              </a:ext>
+            </a:extLst>
+          </a:blip>
+          <a:srcRect/>
+          <a:stretch>
+            <a:fillRect/>
+          </a:stretch>
+        </p:blipFill>
+        <p:spPr bwMode="auto">
+          <a:xfrm>
+            <a:off x="436083" y="533400"/>
+            <a:ext cx="2514600" cy="2514600"/>
+          </a:xfrm>
+          <a:prstGeom prst="rect">
+            <a:avLst/>
+          </a:prstGeom>
+          <a:noFill/>
+          <a:ln>
+            <a:noFill/>
+          </a:ln>
+          <a:effectLst/>
+          <a:extLst>
+            <a:ext uri="{909E8E84-426E-40DD-AFC4-6F175D3DCCD1}">
+              <a14:hiddenFill xmlns:a14="http://schemas.microsoft.com/office/drawing/2010/main">
+                <a:solidFill>
+                  <a:schemeClr val="accent1"/>
+                </a:solidFill>
+              </a14:hiddenFill>
+            </a:ext>
+            <a:ext uri="{91240B29-F687-4F45-9708-019B960494DF}">
+              <a14:hiddenLine xmlns:a14="http://schemas.microsoft.com/office/drawing/2010/main" w="9525">
+                <a:solidFill>
+                  <a:schemeClr val="tx1"/>
+                </a:solidFill>
+                <a:miter lim="800000"/>
+                <a:headEnd/>
+                <a:tailEnd/>
+              </a14:hiddenLine>
+            </a:ext>
+            <a:ext uri="{AF507438-7753-43E0-B8FC-AC1667EBCBE1}">
+              <a14:hiddenEffects xmlns:a14="http://schemas.microsoft.com/office/drawing/2010/main">
+                <a:effectLst>
+                  <a:outerShdw dist="35921" dir="2700000" algn="ctr" rotWithShape="0">
+                    <a:schemeClr val="bg2"/>
+                  </a:outerShdw>
+                </a:effectLst>
+              </a14:hiddenEffects>
+            </a:ext>
+          </a:extLst>
+        </p:spPr>
+      </p:pic>
+      <p:sp>
+        <p:nvSpPr>
+          <p:cNvPr id="5" name="Plus 4"/>
+          <p:cNvSpPr/>
+          <p:nvPr/>
+        </p:nvSpPr>
+        <p:spPr>
+          <a:xfrm>
+            <a:off x="1295400" y="3048000"/>
+            <a:ext cx="838200" cy="838200"/>
+          </a:xfrm>
+          <a:prstGeom prst="mathPlus">
+            <a:avLst/>
+          </a:prstGeom>
+        </p:spPr>
+        <p:style>
+          <a:lnRef idx="2">
+            <a:schemeClr val="accent1">
+              <a:shade val="50000"/>
+            </a:schemeClr>
+          </a:lnRef>
+          <a:fillRef idx="1">
+            <a:schemeClr val="accent1"/>
+          </a:fillRef>
+          <a:effectRef idx="0">
+            <a:schemeClr val="accent1"/>
+          </a:effectRef>
+          <a:fontRef idx="minor">
+            <a:schemeClr val="lt1"/>
+          </a:fontRef>
+        </p:style>
+        <p:txBody>
+          <a:bodyPr rtlCol="0" anchor="ctr"/>
+          <a:lstStyle/>
+          <a:p>
+            <a:pPr algn="ctr"/>
+            <a:endParaRPr lang="en-GB"/>
+          </a:p>
+        </p:txBody>
+      </p:sp>
+      <p:sp>
+        <p:nvSpPr>
+          <p:cNvPr id="6" name="Right Arrow 5"/>
+          <p:cNvSpPr/>
+          <p:nvPr/>
+        </p:nvSpPr>
+        <p:spPr>
+          <a:xfrm>
+            <a:off x="3810000" y="2419196"/>
+            <a:ext cx="1752600" cy="1162204"/>
+          </a:xfrm>
+          <a:prstGeom prst="rightArrow">
+            <a:avLst/>
+          </a:prstGeom>
+        </p:spPr>
+        <p:style>
+          <a:lnRef idx="2">
+            <a:schemeClr val="accent1">
+              <a:shade val="50000"/>
+            </a:schemeClr>
+          </a:lnRef>
+          <a:fillRef idx="1">
+            <a:schemeClr val="accent1"/>
+          </a:fillRef>
+          <a:effectRef idx="0">
+            <a:schemeClr val="accent1"/>
+          </a:effectRef>
+          <a:fontRef idx="minor">
+            <a:schemeClr val="lt1"/>
+          </a:fontRef>
+        </p:style>
+        <p:txBody>
+          <a:bodyPr rtlCol="0" anchor="ctr"/>
+          <a:lstStyle/>
+          <a:p>
+            <a:pPr algn="ctr"/>
+            <a:endParaRPr lang="en-GB"/>
+          </a:p>
+        </p:txBody>
+      </p:sp>
+      <p:sp>
+        <p:nvSpPr>
+          <p:cNvPr id="8" name="TextBox 7"/>
+          <p:cNvSpPr txBox="1"/>
+          <p:nvPr/>
+        </p:nvSpPr>
+        <p:spPr>
+          <a:xfrm>
+            <a:off x="5963728" y="4268804"/>
+            <a:ext cx="2590800" cy="369332"/>
+          </a:xfrm>
+          <a:prstGeom prst="rect">
+            <a:avLst/>
+          </a:prstGeom>
+          <a:noFill/>
+        </p:spPr>
+        <p:txBody>
+          <a:bodyPr wrap="square" rtlCol="0">
+            <a:spAutoFit/>
+          </a:bodyPr>
+          <a:lstStyle/>
+          <a:p>
+            <a:r>
+              <a:rPr lang="en-GB" dirty="0" smtClean="0"/>
+              <a:t>Now with bigger buttons</a:t>
+            </a:r>
+            <a:endParaRPr lang="en-GB" dirty="0"/>
+          </a:p>
+        </p:txBody>
+      </p:sp>
+      <p:pic>
+        <p:nvPicPr>
+          <p:cNvPr id="5123" name="Picture 3"/>
+          <p:cNvPicPr>
+            <a:picLocks noChangeAspect="1" noChangeArrowheads="1"/>
+          </p:cNvPicPr>
+          <p:nvPr/>
+        </p:nvPicPr>
+        <p:blipFill>
+          <a:blip r:embed="rId4">
+            <a:extLst>
+              <a:ext uri="{28A0092B-C50C-407E-A947-70E740481C1C}">
+                <a14:useLocalDpi xmlns:a14="http://schemas.microsoft.com/office/drawing/2010/main" val="0"/>
+              </a:ext>
+            </a:extLst>
+          </a:blip>
+          <a:srcRect/>
+          <a:stretch>
+            <a:fillRect/>
+          </a:stretch>
+        </p:blipFill>
+        <p:spPr bwMode="auto">
+          <a:xfrm>
+            <a:off x="6019800" y="2133600"/>
+            <a:ext cx="2619375" cy="1743075"/>
+          </a:xfrm>
+          <a:prstGeom prst="rect">
+            <a:avLst/>
+          </a:prstGeom>
+          <a:noFill/>
+          <a:ln>
+            <a:noFill/>
+          </a:ln>
+          <a:extLst>
+            <a:ext uri="{909E8E84-426E-40DD-AFC4-6F175D3DCCD1}">
+              <a14:hiddenFill xmlns:a14="http://schemas.microsoft.com/office/drawing/2010/main">
+                <a:solidFill>
+                  <a:schemeClr val="accent1"/>
+                </a:solidFill>
+              </a14:hiddenFill>
+            </a:ext>
+            <a:ext uri="{91240B29-F687-4F45-9708-019B960494DF}">
+              <a14:hiddenLine xmlns:a14="http://schemas.microsoft.com/office/drawing/2010/main" w="9525">
+                <a:solidFill>
+                  <a:schemeClr val="tx1"/>
+                </a:solidFill>
+                <a:miter lim="800000"/>
+                <a:headEnd/>
+                <a:tailEnd/>
+              </a14:hiddenLine>
+            </a:ext>
+          </a:extLst>
+        </p:spPr>
+      </p:pic>
     </p:spTree>
     <p:extLst>
       <p:ext uri="{BB962C8B-B14F-4D97-AF65-F5344CB8AC3E}">
-        <p14:creationId xmlns:p14="http://schemas.microsoft.com/office/powerpoint/2010/main" val="377071585"/>
+        <p14:creationId xmlns:p14="http://schemas.microsoft.com/office/powerpoint/2010/main" val="1404519079"/>
       </p:ext>
     </p:extLst>
   </p:cSld>
   <p:clrMapOvr>
     <a:masterClrMapping/>
   </p:clrMapOvr>
+  <p:timing>
+    <p:tnLst>
+      <p:par>
+        <p:cTn id="1" dur="indefinite" restart="never" nodeType="tmRoot"/>
+      </p:par>
+    </p:tnLst>
+  </p:timing>
 </p:sld>
 </file>
 
-<file path=ppt/slides/slide11.xml><?xml version="1.0" encoding="utf-8"?>
-<p:sld xmlns:a="http://schemas.openxmlformats.org/drawingml/2006/main" xmlns:r="http://schemas.openxmlformats.org/officeDocument/2006/relationships" xmlns:p="http://schemas.openxmlformats.org/presentationml/2006/main">
-  <p:cSld>
-    <p:spTree>
-      <p:nvGrpSpPr>
-        <p:cNvPr id="1" name=""/>
-        <p:cNvGrpSpPr/>
-        <p:nvPr/>
-      </p:nvGrpSpPr>
-      <p:grpSpPr>
-        <a:xfrm>
-          <a:off x="0" y="0"/>
-          <a:ext cx="0" cy="0"/>
-          <a:chOff x="0" y="0"/>
-          <a:chExt cx="0" cy="0"/>
-        </a:xfrm>
-      </p:grpSpPr>
-      <p:sp>
-        <p:nvSpPr>
-          <p:cNvPr id="2" name="Title 1"/>
-          <p:cNvSpPr>
-            <a:spLocks noGrp="1"/>
-          </p:cNvSpPr>
-          <p:nvPr>
-            <p:ph type="title"/>
-          </p:nvPr>
-        </p:nvSpPr>
-        <p:spPr/>
-        <p:txBody>
-          <a:bodyPr/>
-          <a:lstStyle/>
-          <a:p>
-            <a:r>
-              <a:rPr lang="en-GB" dirty="0" smtClean="0"/>
-              <a:t>Links</a:t>
-            </a:r>
-            <a:endParaRPr lang="en-GB" dirty="0"/>
-          </a:p>
-        </p:txBody>
-      </p:sp>
-      <p:sp>
-        <p:nvSpPr>
-          <p:cNvPr id="3" name="Content Placeholder 2"/>
-          <p:cNvSpPr>
-            <a:spLocks noGrp="1"/>
-          </p:cNvSpPr>
-          <p:nvPr>
-            <p:ph idx="1"/>
-          </p:nvPr>
-        </p:nvSpPr>
-        <p:spPr/>
-        <p:txBody>
-          <a:bodyPr/>
-          <a:lstStyle/>
-          <a:p>
-            <a:r>
-              <a:rPr lang="en-GB" dirty="0" smtClean="0">
-                <a:hlinkClick r:id="rId2"/>
-              </a:rPr>
-              <a:t>http://www.gaia-gis.it/gaia-sins/spatialite-cookbook/index.html#common</a:t>
-            </a:r>
-            <a:endParaRPr lang="en-GB" dirty="0" smtClean="0"/>
-          </a:p>
-          <a:p>
-            <a:r>
-              <a:rPr lang="en-GB" dirty="0" smtClean="0">
-                <a:hlinkClick r:id="rId3"/>
-              </a:rPr>
-              <a:t>http://www.gaia-gis.it/gaia-sins/</a:t>
-            </a:r>
-            <a:endParaRPr lang="en-GB" dirty="0" smtClean="0"/>
-          </a:p>
-          <a:p>
-            <a:r>
-              <a:rPr lang="en-GB" dirty="0" smtClean="0">
-                <a:hlinkClick r:id="rId4"/>
-              </a:rPr>
-              <a:t>http://www.bostongis.com/PrinterFriendly.aspx?content_name=spatialite_tut01</a:t>
-            </a:r>
-            <a:endParaRPr lang="en-GB" dirty="0" smtClean="0"/>
-          </a:p>
-          <a:p>
-            <a:r>
-              <a:rPr lang="en-GB" dirty="0" smtClean="0">
-                <a:hlinkClick r:id="rId5"/>
-              </a:rPr>
-              <a:t>http://mapfishblog.blogspot.co.uk/2009/02/kiss-spatialite-in-</a:t>
-            </a:r>
-            <a:r>
-              <a:rPr lang="en-GB" dirty="0" smtClean="0"/>
-              <a:t>5-minutes.html</a:t>
-            </a:r>
-            <a:endParaRPr lang="en-GB" dirty="0"/>
-          </a:p>
-        </p:txBody>
-      </p:sp>
-    </p:spTree>
-    <p:extLst>
-      <p:ext uri="{BB962C8B-B14F-4D97-AF65-F5344CB8AC3E}">
-        <p14:creationId xmlns:p14="http://schemas.microsoft.com/office/powerpoint/2010/main" val="1232196025"/>
-      </p:ext>
-    </p:extLst>
-  </p:cSld>
-  <p:clrMapOvr>
-    <a:masterClrMapping/>
-  </p:clrMapOvr>
-</p:sld>
-</file>
-
-<file path=ppt/slides/slide12.xml><?xml version="1.0" encoding="utf-8"?>
-<p:sld xmlns:a="http://schemas.openxmlformats.org/drawingml/2006/main" xmlns:r="http://schemas.openxmlformats.org/officeDocument/2006/relationships" xmlns:p="http://schemas.openxmlformats.org/presentationml/2006/main">
-  <p:cSld>
-    <p:spTree>
-      <p:nvGrpSpPr>
-        <p:cNvPr id="1" name=""/>
-        <p:cNvGrpSpPr/>
-        <p:nvPr/>
-      </p:nvGrpSpPr>
-      <p:grpSpPr>
-        <a:xfrm>
-          <a:off x="0" y="0"/>
-          <a:ext cx="0" cy="0"/>
-          <a:chOff x="0" y="0"/>
-          <a:chExt cx="0" cy="0"/>
-        </a:xfrm>
-      </p:grpSpPr>
-      <p:sp>
-        <p:nvSpPr>
-          <p:cNvPr id="2" name="Title 1"/>
-          <p:cNvSpPr>
-            <a:spLocks noGrp="1"/>
-          </p:cNvSpPr>
-          <p:nvPr>
-            <p:ph type="ctrTitle"/>
-          </p:nvPr>
-        </p:nvSpPr>
-        <p:spPr/>
-        <p:txBody>
-          <a:bodyPr/>
-          <a:lstStyle/>
-          <a:p>
-            <a:r>
-              <a:rPr lang="en-GB" dirty="0" err="1" smtClean="0"/>
-              <a:t>SpatialLite</a:t>
-            </a:r>
-            <a:r>
-              <a:rPr lang="en-GB" dirty="0" smtClean="0"/>
-              <a:t> Android</a:t>
-            </a:r>
-            <a:endParaRPr lang="en-GB" dirty="0"/>
-          </a:p>
-        </p:txBody>
-      </p:sp>
-      <p:sp>
-        <p:nvSpPr>
-          <p:cNvPr id="3" name="Subtitle 2"/>
-          <p:cNvSpPr>
-            <a:spLocks noGrp="1"/>
-          </p:cNvSpPr>
-          <p:nvPr>
-            <p:ph type="subTitle" idx="1"/>
-          </p:nvPr>
-        </p:nvSpPr>
-        <p:spPr/>
-        <p:txBody>
-          <a:bodyPr/>
-          <a:lstStyle/>
-          <a:p>
-            <a:endParaRPr lang="en-GB"/>
-          </a:p>
-        </p:txBody>
-      </p:sp>
-    </p:spTree>
-    <p:extLst>
-      <p:ext uri="{BB962C8B-B14F-4D97-AF65-F5344CB8AC3E}">
-        <p14:creationId xmlns:p14="http://schemas.microsoft.com/office/powerpoint/2010/main" val="4196412464"/>
-      </p:ext>
-    </p:extLst>
-  </p:cSld>
-  <p:clrMapOvr>
-    <a:masterClrMapping/>
-  </p:clrMapOvr>
-</p:sld>
-</file>
-
-<file path=ppt/slides/slide13.xml><?xml version="1.0" encoding="utf-8"?>
-<p:sld xmlns:a="http://schemas.openxmlformats.org/drawingml/2006/main" xmlns:r="http://schemas.openxmlformats.org/officeDocument/2006/relationships" xmlns:p="http://schemas.openxmlformats.org/presentationml/2006/main">
-  <p:cSld>
-    <p:spTree>
-      <p:nvGrpSpPr>
-        <p:cNvPr id="1" name=""/>
-        <p:cNvGrpSpPr/>
-        <p:nvPr/>
-      </p:nvGrpSpPr>
-      <p:grpSpPr>
-        <a:xfrm>
-          <a:off x="0" y="0"/>
-          <a:ext cx="0" cy="0"/>
-          <a:chOff x="0" y="0"/>
-          <a:chExt cx="0" cy="0"/>
-        </a:xfrm>
-      </p:grpSpPr>
-      <p:sp>
-        <p:nvSpPr>
-          <p:cNvPr id="2" name="Title 1"/>
-          <p:cNvSpPr>
-            <a:spLocks noGrp="1"/>
-          </p:cNvSpPr>
-          <p:nvPr>
-            <p:ph type="title"/>
-          </p:nvPr>
-        </p:nvSpPr>
-        <p:spPr/>
-        <p:txBody>
-          <a:bodyPr/>
-          <a:lstStyle/>
-          <a:p>
-            <a:r>
-              <a:rPr lang="en-GB" dirty="0" smtClean="0"/>
-              <a:t>Install Eclipse Android Plugin</a:t>
-            </a:r>
-            <a:endParaRPr lang="en-GB" dirty="0"/>
-          </a:p>
-        </p:txBody>
-      </p:sp>
-      <p:sp>
-        <p:nvSpPr>
-          <p:cNvPr id="3" name="Content Placeholder 2"/>
-          <p:cNvSpPr>
-            <a:spLocks noGrp="1"/>
-          </p:cNvSpPr>
-          <p:nvPr>
-            <p:ph idx="1"/>
-          </p:nvPr>
-        </p:nvSpPr>
-        <p:spPr/>
-        <p:txBody>
-          <a:bodyPr/>
-          <a:lstStyle/>
-          <a:p>
-            <a:r>
-              <a:rPr lang="en-GB" dirty="0" smtClean="0"/>
-              <a:t>Install Android SDK</a:t>
-            </a:r>
-          </a:p>
-          <a:p>
-            <a:r>
-              <a:rPr lang="en-GB" dirty="0" smtClean="0"/>
-              <a:t>Install Eclipse</a:t>
-            </a:r>
-          </a:p>
-          <a:p>
-            <a:r>
-              <a:rPr lang="en-GB" dirty="0" smtClean="0"/>
-              <a:t>Install Android Developer Plugin</a:t>
-            </a:r>
-            <a:endParaRPr lang="en-GB" dirty="0"/>
-          </a:p>
-        </p:txBody>
-      </p:sp>
-    </p:spTree>
-    <p:extLst>
-      <p:ext uri="{BB962C8B-B14F-4D97-AF65-F5344CB8AC3E}">
-        <p14:creationId xmlns:p14="http://schemas.microsoft.com/office/powerpoint/2010/main" val="3190041263"/>
-      </p:ext>
-    </p:extLst>
-  </p:cSld>
-  <p:clrMapOvr>
-    <a:masterClrMapping/>
-  </p:clrMapOvr>
-</p:sld>
-</file>
-
-<file path=ppt/slides/slide14.xml><?xml version="1.0" encoding="utf-8"?>
-<p:sld xmlns:a="http://schemas.openxmlformats.org/drawingml/2006/main" xmlns:r="http://schemas.openxmlformats.org/officeDocument/2006/relationships" xmlns:p="http://schemas.openxmlformats.org/presentationml/2006/main">
-  <p:cSld>
-    <p:spTree>
-      <p:nvGrpSpPr>
-        <p:cNvPr id="1" name=""/>
-        <p:cNvGrpSpPr/>
-        <p:nvPr/>
-      </p:nvGrpSpPr>
-      <p:grpSpPr>
-        <a:xfrm>
-          <a:off x="0" y="0"/>
-          <a:ext cx="0" cy="0"/>
-          <a:chOff x="0" y="0"/>
-          <a:chExt cx="0" cy="0"/>
-        </a:xfrm>
-      </p:grpSpPr>
-      <p:sp>
-        <p:nvSpPr>
-          <p:cNvPr id="2" name="Title 1"/>
-          <p:cNvSpPr>
-            <a:spLocks noGrp="1"/>
-          </p:cNvSpPr>
-          <p:nvPr>
-            <p:ph type="title"/>
-          </p:nvPr>
-        </p:nvSpPr>
-        <p:spPr/>
-        <p:txBody>
-          <a:bodyPr/>
-          <a:lstStyle/>
-          <a:p>
-            <a:r>
-              <a:rPr lang="en-GB" dirty="0" smtClean="0"/>
-              <a:t>Create Android Project</a:t>
-            </a:r>
-            <a:endParaRPr lang="en-GB" dirty="0"/>
-          </a:p>
-        </p:txBody>
-      </p:sp>
-      <p:sp>
-        <p:nvSpPr>
-          <p:cNvPr id="3" name="Content Placeholder 2"/>
-          <p:cNvSpPr>
-            <a:spLocks noGrp="1"/>
-          </p:cNvSpPr>
-          <p:nvPr>
-            <p:ph idx="1"/>
-          </p:nvPr>
-        </p:nvSpPr>
-        <p:spPr/>
-        <p:txBody>
-          <a:bodyPr/>
-          <a:lstStyle/>
-          <a:p>
-            <a:endParaRPr lang="en-GB"/>
-          </a:p>
-        </p:txBody>
-      </p:sp>
-    </p:spTree>
-    <p:extLst>
-      <p:ext uri="{BB962C8B-B14F-4D97-AF65-F5344CB8AC3E}">
-        <p14:creationId xmlns:p14="http://schemas.microsoft.com/office/powerpoint/2010/main" val="461242641"/>
-      </p:ext>
-    </p:extLst>
-  </p:cSld>
-  <p:clrMapOvr>
-    <a:masterClrMapping/>
-  </p:clrMapOvr>
-</p:sld>
-</file>
-
-<file path=ppt/slides/slide15.xml><?xml version="1.0" encoding="utf-8"?>
-<p:sld xmlns:a="http://schemas.openxmlformats.org/drawingml/2006/main" xmlns:r="http://schemas.openxmlformats.org/officeDocument/2006/relationships" xmlns:p="http://schemas.openxmlformats.org/presentationml/2006/main">
-  <p:cSld>
-    <p:spTree>
-      <p:nvGrpSpPr>
-        <p:cNvPr id="1" name=""/>
-        <p:cNvGrpSpPr/>
-        <p:nvPr/>
-      </p:nvGrpSpPr>
-      <p:grpSpPr>
-        <a:xfrm>
-          <a:off x="0" y="0"/>
-          <a:ext cx="0" cy="0"/>
-          <a:chOff x="0" y="0"/>
-          <a:chExt cx="0" cy="0"/>
-        </a:xfrm>
-      </p:grpSpPr>
-      <p:sp>
-        <p:nvSpPr>
-          <p:cNvPr id="2" name="Title 1"/>
-          <p:cNvSpPr>
-            <a:spLocks noGrp="1"/>
-          </p:cNvSpPr>
-          <p:nvPr>
-            <p:ph type="title"/>
-          </p:nvPr>
-        </p:nvSpPr>
-        <p:spPr/>
-        <p:txBody>
-          <a:bodyPr/>
-          <a:lstStyle/>
-          <a:p>
-            <a:r>
-              <a:rPr lang="en-GB" dirty="0" smtClean="0"/>
-              <a:t>Copy In the </a:t>
-            </a:r>
-            <a:r>
-              <a:rPr lang="en-GB" dirty="0" err="1" smtClean="0"/>
-              <a:t>SpatiaLite</a:t>
-            </a:r>
-            <a:r>
-              <a:rPr lang="en-GB" dirty="0" smtClean="0"/>
-              <a:t> Library</a:t>
-            </a:r>
-            <a:endParaRPr lang="en-GB" dirty="0"/>
-          </a:p>
-        </p:txBody>
-      </p:sp>
-      <p:sp>
-        <p:nvSpPr>
-          <p:cNvPr id="3" name="Content Placeholder 2"/>
-          <p:cNvSpPr>
-            <a:spLocks noGrp="1"/>
-          </p:cNvSpPr>
-          <p:nvPr>
-            <p:ph idx="1"/>
-          </p:nvPr>
-        </p:nvSpPr>
-        <p:spPr/>
-        <p:txBody>
-          <a:bodyPr/>
-          <a:lstStyle/>
-          <a:p>
-            <a:r>
-              <a:rPr lang="en-GB" dirty="0" smtClean="0"/>
-              <a:t>To the libs folder</a:t>
-            </a:r>
-            <a:endParaRPr lang="en-GB" dirty="0"/>
-          </a:p>
-        </p:txBody>
-      </p:sp>
-    </p:spTree>
-    <p:extLst>
-      <p:ext uri="{BB962C8B-B14F-4D97-AF65-F5344CB8AC3E}">
-        <p14:creationId xmlns:p14="http://schemas.microsoft.com/office/powerpoint/2010/main" val="833365000"/>
-      </p:ext>
-    </p:extLst>
-  </p:cSld>
-  <p:clrMapOvr>
-    <a:masterClrMapping/>
-  </p:clrMapOvr>
-</p:sld>
-</file>
-
-<file path=ppt/slides/slide16.xml><?xml version="1.0" encoding="utf-8"?>
-<p:sld xmlns:a="http://schemas.openxmlformats.org/drawingml/2006/main" xmlns:r="http://schemas.openxmlformats.org/officeDocument/2006/relationships" xmlns:p="http://schemas.openxmlformats.org/presentationml/2006/main">
-  <p:cSld>
-    <p:spTree>
-      <p:nvGrpSpPr>
-        <p:cNvPr id="1" name=""/>
-        <p:cNvGrpSpPr/>
-        <p:nvPr/>
-      </p:nvGrpSpPr>
-      <p:grpSpPr>
-        <a:xfrm>
-          <a:off x="0" y="0"/>
-          <a:ext cx="0" cy="0"/>
-          <a:chOff x="0" y="0"/>
-          <a:chExt cx="0" cy="0"/>
-        </a:xfrm>
-      </p:grpSpPr>
-      <p:sp>
-        <p:nvSpPr>
-          <p:cNvPr id="2" name="Title 1"/>
-          <p:cNvSpPr>
-            <a:spLocks noGrp="1"/>
-          </p:cNvSpPr>
-          <p:nvPr>
-            <p:ph type="title"/>
-          </p:nvPr>
-        </p:nvSpPr>
-        <p:spPr/>
-        <p:txBody>
-          <a:bodyPr/>
-          <a:lstStyle/>
-          <a:p>
-            <a:r>
-              <a:rPr lang="en-GB" dirty="0" smtClean="0"/>
-              <a:t>Gain Inspiration</a:t>
-            </a:r>
-            <a:endParaRPr lang="en-GB" dirty="0"/>
-          </a:p>
-        </p:txBody>
-      </p:sp>
-      <p:sp>
-        <p:nvSpPr>
-          <p:cNvPr id="3" name="Content Placeholder 2"/>
-          <p:cNvSpPr>
-            <a:spLocks noGrp="1"/>
-          </p:cNvSpPr>
-          <p:nvPr>
-            <p:ph idx="1"/>
-          </p:nvPr>
-        </p:nvSpPr>
-        <p:spPr/>
-        <p:txBody>
-          <a:bodyPr/>
-          <a:lstStyle/>
-          <a:p>
-            <a:r>
-              <a:rPr lang="en-GB" dirty="0" smtClean="0"/>
-              <a:t>From Cookbook and US Army examples</a:t>
-            </a:r>
-            <a:endParaRPr lang="en-GB" dirty="0"/>
-          </a:p>
-        </p:txBody>
-      </p:sp>
-    </p:spTree>
-    <p:extLst>
-      <p:ext uri="{BB962C8B-B14F-4D97-AF65-F5344CB8AC3E}">
-        <p14:creationId xmlns:p14="http://schemas.microsoft.com/office/powerpoint/2010/main" val="2810254164"/>
-      </p:ext>
-    </p:extLst>
-  </p:cSld>
-  <p:clrMapOvr>
-    <a:masterClrMapping/>
-  </p:clrMapOvr>
-</p:sld>
-</file>
-
-<file path=ppt/slides/slide17.xml><?xml version="1.0" encoding="utf-8"?>
-<p:sld xmlns:a="http://schemas.openxmlformats.org/drawingml/2006/main" xmlns:r="http://schemas.openxmlformats.org/officeDocument/2006/relationships" xmlns:p="http://schemas.openxmlformats.org/presentationml/2006/main">
-  <p:cSld>
-    <p:spTree>
-      <p:nvGrpSpPr>
-        <p:cNvPr id="1" name=""/>
-        <p:cNvGrpSpPr/>
-        <p:nvPr/>
-      </p:nvGrpSpPr>
-      <p:grpSpPr>
-        <a:xfrm>
-          <a:off x="0" y="0"/>
-          <a:ext cx="0" cy="0"/>
-          <a:chOff x="0" y="0"/>
-          <a:chExt cx="0" cy="0"/>
-        </a:xfrm>
-      </p:grpSpPr>
-      <p:sp>
-        <p:nvSpPr>
-          <p:cNvPr id="2" name="Title 1"/>
-          <p:cNvSpPr>
-            <a:spLocks noGrp="1"/>
-          </p:cNvSpPr>
-          <p:nvPr>
-            <p:ph type="title"/>
-          </p:nvPr>
-        </p:nvSpPr>
-        <p:spPr/>
-        <p:txBody>
-          <a:bodyPr/>
-          <a:lstStyle/>
-          <a:p>
-            <a:r>
-              <a:rPr lang="en-GB" dirty="0" err="1" smtClean="0"/>
-              <a:t>SpatiaLite</a:t>
-            </a:r>
-            <a:r>
-              <a:rPr lang="en-GB" dirty="0" smtClean="0"/>
-              <a:t> Android</a:t>
-            </a:r>
-            <a:endParaRPr lang="en-GB" dirty="0"/>
-          </a:p>
-        </p:txBody>
-      </p:sp>
-      <p:sp>
-        <p:nvSpPr>
-          <p:cNvPr id="3" name="Content Placeholder 2"/>
-          <p:cNvSpPr>
-            <a:spLocks noGrp="1"/>
-          </p:cNvSpPr>
-          <p:nvPr>
-            <p:ph idx="1"/>
-          </p:nvPr>
-        </p:nvSpPr>
-        <p:spPr/>
-        <p:txBody>
-          <a:bodyPr>
-            <a:normAutofit/>
-          </a:bodyPr>
-          <a:lstStyle/>
-          <a:p>
-            <a:r>
-              <a:rPr lang="en-GB" dirty="0" smtClean="0"/>
-              <a:t>Download from:</a:t>
-            </a:r>
-          </a:p>
-          <a:p>
-            <a:r>
-              <a:rPr lang="en-GB" dirty="0" smtClean="0">
-                <a:hlinkClick r:id="rId2"/>
-              </a:rPr>
-              <a:t>https://bitbucket.org/moovida/spatialite-android-example/downloads</a:t>
-            </a:r>
-            <a:endParaRPr lang="en-GB" dirty="0" smtClean="0"/>
-          </a:p>
-          <a:p>
-            <a:r>
-              <a:rPr lang="en-GB" dirty="0" smtClean="0"/>
-              <a:t>Tutorial here:</a:t>
-            </a:r>
-          </a:p>
-          <a:p>
-            <a:r>
-              <a:rPr lang="en-GB" dirty="0" smtClean="0">
-                <a:hlinkClick r:id="rId3"/>
-              </a:rPr>
-              <a:t>https://www.gaia-gis.it/fossil/libspatialite/wiki?name=spatialite-android-tutorial</a:t>
-            </a:r>
-            <a:endParaRPr lang="en-GB" dirty="0" smtClean="0"/>
-          </a:p>
-          <a:p>
-            <a:endParaRPr lang="en-GB" dirty="0"/>
-          </a:p>
-        </p:txBody>
-      </p:sp>
-    </p:spTree>
-    <p:extLst>
-      <p:ext uri="{BB962C8B-B14F-4D97-AF65-F5344CB8AC3E}">
-        <p14:creationId xmlns:p14="http://schemas.microsoft.com/office/powerpoint/2010/main" val="3435425804"/>
-      </p:ext>
-    </p:extLst>
-  </p:cSld>
-  <p:clrMapOvr>
-    <a:masterClrMapping/>
-  </p:clrMapOvr>
-</p:sld>
-</file>
-
-<file path=ppt/slides/slide2.xml><?xml version="1.0" encoding="utf-8"?>
+<file path=ppt/slides/slide10.xml><?xml version="1.0" encoding="utf-8"?>
 <p:sld xmlns:a="http://schemas.openxmlformats.org/drawingml/2006/main" xmlns:r="http://schemas.openxmlformats.org/officeDocument/2006/relationships" xmlns:p="http://schemas.openxmlformats.org/presentationml/2006/main">
   <p:cSld>
     <p:spTree>
@@ -4460,11 +3971,15 @@
             </a:r>
             <a:r>
               <a:rPr lang="en-GB" dirty="0" err="1" smtClean="0"/>
-              <a:t>Spatialite</a:t>
+              <a:t>SpatiaLite</a:t>
             </a:r>
             <a:r>
               <a:rPr lang="en-GB" dirty="0" smtClean="0"/>
-              <a:t> (minimal code)</a:t>
+              <a:t> </a:t>
+            </a:r>
+            <a:r>
+              <a:rPr lang="en-GB" dirty="0" smtClean="0"/>
+              <a:t>(minimal code)</a:t>
             </a:r>
             <a:endParaRPr lang="en-GB" dirty="0"/>
           </a:p>
@@ -4474,6 +3989,2075 @@
     <p:extLst>
       <p:ext uri="{BB962C8B-B14F-4D97-AF65-F5344CB8AC3E}">
         <p14:creationId xmlns:p14="http://schemas.microsoft.com/office/powerpoint/2010/main" val="136026368"/>
+      </p:ext>
+    </p:extLst>
+  </p:cSld>
+  <p:clrMapOvr>
+    <a:masterClrMapping/>
+  </p:clrMapOvr>
+  <p:timing>
+    <p:tnLst>
+      <p:par>
+        <p:cTn id="1" dur="indefinite" restart="never" nodeType="tmRoot"/>
+      </p:par>
+    </p:tnLst>
+  </p:timing>
+</p:sld>
+</file>
+
+<file path=ppt/slides/slide11.xml><?xml version="1.0" encoding="utf-8"?>
+<p:sld xmlns:a="http://schemas.openxmlformats.org/drawingml/2006/main" xmlns:r="http://schemas.openxmlformats.org/officeDocument/2006/relationships" xmlns:p="http://schemas.openxmlformats.org/presentationml/2006/main">
+  <p:cSld>
+    <p:spTree>
+      <p:nvGrpSpPr>
+        <p:cNvPr id="1" name=""/>
+        <p:cNvGrpSpPr/>
+        <p:nvPr/>
+      </p:nvGrpSpPr>
+      <p:grpSpPr>
+        <a:xfrm>
+          <a:off x="0" y="0"/>
+          <a:ext cx="0" cy="0"/>
+          <a:chOff x="0" y="0"/>
+          <a:chExt cx="0" cy="0"/>
+        </a:xfrm>
+      </p:grpSpPr>
+      <p:sp>
+        <p:nvSpPr>
+          <p:cNvPr id="4" name="Flowchart: Magnetic Disk 3"/>
+          <p:cNvSpPr/>
+          <p:nvPr/>
+        </p:nvSpPr>
+        <p:spPr>
+          <a:xfrm>
+            <a:off x="609600" y="4883270"/>
+            <a:ext cx="2286000" cy="1295400"/>
+          </a:xfrm>
+          <a:prstGeom prst="flowChartMagneticDisk">
+            <a:avLst/>
+          </a:prstGeom>
+        </p:spPr>
+        <p:style>
+          <a:lnRef idx="2">
+            <a:schemeClr val="accent1">
+              <a:shade val="50000"/>
+            </a:schemeClr>
+          </a:lnRef>
+          <a:fillRef idx="1">
+            <a:schemeClr val="accent1"/>
+          </a:fillRef>
+          <a:effectRef idx="0">
+            <a:schemeClr val="accent1"/>
+          </a:effectRef>
+          <a:fontRef idx="minor">
+            <a:schemeClr val="lt1"/>
+          </a:fontRef>
+        </p:style>
+        <p:txBody>
+          <a:bodyPr rtlCol="0" anchor="ctr"/>
+          <a:lstStyle/>
+          <a:p>
+            <a:pPr algn="ctr"/>
+            <a:r>
+              <a:rPr lang="en-GB" dirty="0" err="1" smtClean="0"/>
+              <a:t>SpatiaLite</a:t>
+            </a:r>
+            <a:endParaRPr lang="en-GB" dirty="0"/>
+          </a:p>
+        </p:txBody>
+      </p:sp>
+      <p:sp>
+        <p:nvSpPr>
+          <p:cNvPr id="5" name="Title 1"/>
+          <p:cNvSpPr>
+            <a:spLocks noGrp="1"/>
+          </p:cNvSpPr>
+          <p:nvPr>
+            <p:ph type="title"/>
+          </p:nvPr>
+        </p:nvSpPr>
+        <p:spPr>
+          <a:xfrm>
+            <a:off x="457200" y="274638"/>
+            <a:ext cx="8229600" cy="1143000"/>
+          </a:xfrm>
+        </p:spPr>
+        <p:txBody>
+          <a:bodyPr/>
+          <a:lstStyle/>
+          <a:p>
+            <a:r>
+              <a:rPr lang="en-GB" dirty="0" smtClean="0"/>
+              <a:t>Move the </a:t>
+            </a:r>
+            <a:r>
+              <a:rPr lang="en-GB" dirty="0" err="1" smtClean="0"/>
+              <a:t>SpatialLite</a:t>
+            </a:r>
+            <a:r>
+              <a:rPr lang="en-GB" dirty="0" smtClean="0"/>
+              <a:t> DB to Android</a:t>
+            </a:r>
+            <a:endParaRPr lang="en-GB" dirty="0"/>
+          </a:p>
+        </p:txBody>
+      </p:sp>
+      <p:sp>
+        <p:nvSpPr>
+          <p:cNvPr id="6" name="TextBox 5"/>
+          <p:cNvSpPr txBox="1"/>
+          <p:nvPr/>
+        </p:nvSpPr>
+        <p:spPr>
+          <a:xfrm>
+            <a:off x="762000" y="1828800"/>
+            <a:ext cx="1407758" cy="369332"/>
+          </a:xfrm>
+          <a:prstGeom prst="rect">
+            <a:avLst/>
+          </a:prstGeom>
+          <a:noFill/>
+        </p:spPr>
+        <p:txBody>
+          <a:bodyPr wrap="none" rtlCol="0">
+            <a:spAutoFit/>
+          </a:bodyPr>
+          <a:lstStyle/>
+          <a:p>
+            <a:r>
+              <a:rPr lang="en-GB" dirty="0" smtClean="0"/>
+              <a:t>Single file DB</a:t>
+            </a:r>
+            <a:endParaRPr lang="en-GB" dirty="0"/>
+          </a:p>
+        </p:txBody>
+      </p:sp>
+      <p:sp>
+        <p:nvSpPr>
+          <p:cNvPr id="7" name="AutoShape 2" descr="Image result for android tablet"/>
+          <p:cNvSpPr>
+            <a:spLocks noChangeAspect="1" noChangeArrowheads="1"/>
+          </p:cNvSpPr>
+          <p:nvPr/>
+        </p:nvSpPr>
+        <p:spPr bwMode="auto">
+          <a:xfrm>
+            <a:off x="155575" y="-144463"/>
+            <a:ext cx="304800" cy="304801"/>
+          </a:xfrm>
+          <a:prstGeom prst="rect">
+            <a:avLst/>
+          </a:prstGeom>
+          <a:noFill/>
+          <a:extLst>
+            <a:ext uri="{909E8E84-426E-40DD-AFC4-6F175D3DCCD1}">
+              <a14:hiddenFill xmlns:a14="http://schemas.microsoft.com/office/drawing/2010/main">
+                <a:solidFill>
+                  <a:srgbClr val="FFFFFF"/>
+                </a:solidFill>
+              </a14:hiddenFill>
+            </a:ext>
+          </a:extLst>
+        </p:spPr>
+        <p:txBody>
+          <a:bodyPr vert="horz" wrap="square" lIns="91440" tIns="45720" rIns="91440" bIns="45720" numCol="1" anchor="t" anchorCtr="0" compatLnSpc="1">
+            <a:prstTxWarp prst="textNoShape">
+              <a:avLst/>
+            </a:prstTxWarp>
+          </a:bodyPr>
+          <a:lstStyle/>
+          <a:p>
+            <a:endParaRPr lang="en-GB"/>
+          </a:p>
+        </p:txBody>
+      </p:sp>
+      <p:sp>
+        <p:nvSpPr>
+          <p:cNvPr id="8" name="AutoShape 4" descr="Image result for android tablet"/>
+          <p:cNvSpPr>
+            <a:spLocks noChangeAspect="1" noChangeArrowheads="1"/>
+          </p:cNvSpPr>
+          <p:nvPr/>
+        </p:nvSpPr>
+        <p:spPr bwMode="auto">
+          <a:xfrm>
+            <a:off x="307975" y="7937"/>
+            <a:ext cx="304800" cy="304801"/>
+          </a:xfrm>
+          <a:prstGeom prst="rect">
+            <a:avLst/>
+          </a:prstGeom>
+          <a:noFill/>
+          <a:extLst>
+            <a:ext uri="{909E8E84-426E-40DD-AFC4-6F175D3DCCD1}">
+              <a14:hiddenFill xmlns:a14="http://schemas.microsoft.com/office/drawing/2010/main">
+                <a:solidFill>
+                  <a:srgbClr val="FFFFFF"/>
+                </a:solidFill>
+              </a14:hiddenFill>
+            </a:ext>
+          </a:extLst>
+        </p:spPr>
+        <p:txBody>
+          <a:bodyPr vert="horz" wrap="square" lIns="91440" tIns="45720" rIns="91440" bIns="45720" numCol="1" anchor="t" anchorCtr="0" compatLnSpc="1">
+            <a:prstTxWarp prst="textNoShape">
+              <a:avLst/>
+            </a:prstTxWarp>
+          </a:bodyPr>
+          <a:lstStyle/>
+          <a:p>
+            <a:endParaRPr lang="en-GB"/>
+          </a:p>
+        </p:txBody>
+      </p:sp>
+      <p:pic>
+        <p:nvPicPr>
+          <p:cNvPr id="2053" name="Picture 5"/>
+          <p:cNvPicPr>
+            <a:picLocks noChangeAspect="1" noChangeArrowheads="1"/>
+          </p:cNvPicPr>
+          <p:nvPr/>
+        </p:nvPicPr>
+        <p:blipFill>
+          <a:blip r:embed="rId2">
+            <a:extLst>
+              <a:ext uri="{28A0092B-C50C-407E-A947-70E740481C1C}">
+                <a14:useLocalDpi xmlns:a14="http://schemas.microsoft.com/office/drawing/2010/main" val="0"/>
+              </a:ext>
+            </a:extLst>
+          </a:blip>
+          <a:srcRect/>
+          <a:stretch>
+            <a:fillRect/>
+          </a:stretch>
+        </p:blipFill>
+        <p:spPr bwMode="auto">
+          <a:xfrm>
+            <a:off x="5029200" y="2133600"/>
+            <a:ext cx="2552700" cy="1790700"/>
+          </a:xfrm>
+          <a:prstGeom prst="rect">
+            <a:avLst/>
+          </a:prstGeom>
+          <a:noFill/>
+          <a:ln>
+            <a:noFill/>
+          </a:ln>
+          <a:extLst>
+            <a:ext uri="{909E8E84-426E-40DD-AFC4-6F175D3DCCD1}">
+              <a14:hiddenFill xmlns:a14="http://schemas.microsoft.com/office/drawing/2010/main">
+                <a:solidFill>
+                  <a:schemeClr val="accent1"/>
+                </a:solidFill>
+              </a14:hiddenFill>
+            </a:ext>
+            <a:ext uri="{91240B29-F687-4F45-9708-019B960494DF}">
+              <a14:hiddenLine xmlns:a14="http://schemas.microsoft.com/office/drawing/2010/main" w="9525">
+                <a:solidFill>
+                  <a:schemeClr val="tx1"/>
+                </a:solidFill>
+                <a:miter lim="800000"/>
+                <a:headEnd/>
+                <a:tailEnd/>
+              </a14:hiddenLine>
+            </a:ext>
+          </a:extLst>
+        </p:spPr>
+      </p:pic>
+      <p:cxnSp>
+        <p:nvCxnSpPr>
+          <p:cNvPr id="10" name="Straight Arrow Connector 9"/>
+          <p:cNvCxnSpPr>
+            <a:stCxn id="4" idx="1"/>
+          </p:cNvCxnSpPr>
+          <p:nvPr/>
+        </p:nvCxnSpPr>
+        <p:spPr>
+          <a:xfrm flipV="1">
+            <a:off x="1752600" y="3581400"/>
+            <a:ext cx="3429000" cy="1301870"/>
+          </a:xfrm>
+          <a:prstGeom prst="straightConnector1">
+            <a:avLst/>
+          </a:prstGeom>
+          <a:ln>
+            <a:tailEnd type="arrow"/>
+          </a:ln>
+        </p:spPr>
+        <p:style>
+          <a:lnRef idx="1">
+            <a:schemeClr val="accent1"/>
+          </a:lnRef>
+          <a:fillRef idx="0">
+            <a:schemeClr val="accent1"/>
+          </a:fillRef>
+          <a:effectRef idx="0">
+            <a:schemeClr val="accent1"/>
+          </a:effectRef>
+          <a:fontRef idx="minor">
+            <a:schemeClr val="tx1"/>
+          </a:fontRef>
+        </p:style>
+      </p:cxnSp>
+      <p:sp>
+        <p:nvSpPr>
+          <p:cNvPr id="11" name="TextBox 10"/>
+          <p:cNvSpPr txBox="1"/>
+          <p:nvPr/>
+        </p:nvSpPr>
+        <p:spPr>
+          <a:xfrm>
+            <a:off x="2971800" y="3924300"/>
+            <a:ext cx="562975" cy="369332"/>
+          </a:xfrm>
+          <a:prstGeom prst="rect">
+            <a:avLst/>
+          </a:prstGeom>
+          <a:noFill/>
+        </p:spPr>
+        <p:txBody>
+          <a:bodyPr wrap="none" rtlCol="0">
+            <a:spAutoFit/>
+          </a:bodyPr>
+          <a:lstStyle/>
+          <a:p>
+            <a:r>
+              <a:rPr lang="en-GB" dirty="0" smtClean="0"/>
+              <a:t>USB</a:t>
+            </a:r>
+            <a:endParaRPr lang="en-GB" dirty="0"/>
+          </a:p>
+        </p:txBody>
+      </p:sp>
+    </p:spTree>
+    <p:extLst>
+      <p:ext uri="{BB962C8B-B14F-4D97-AF65-F5344CB8AC3E}">
+        <p14:creationId xmlns:p14="http://schemas.microsoft.com/office/powerpoint/2010/main" val="3822035023"/>
+      </p:ext>
+    </p:extLst>
+  </p:cSld>
+  <p:clrMapOvr>
+    <a:masterClrMapping/>
+  </p:clrMapOvr>
+  <p:timing>
+    <p:tnLst>
+      <p:par>
+        <p:cTn id="1" dur="indefinite" restart="never" nodeType="tmRoot"/>
+      </p:par>
+    </p:tnLst>
+  </p:timing>
+</p:sld>
+</file>
+
+<file path=ppt/slides/slide12.xml><?xml version="1.0" encoding="utf-8"?>
+<p:sld xmlns:a="http://schemas.openxmlformats.org/drawingml/2006/main" xmlns:r="http://schemas.openxmlformats.org/officeDocument/2006/relationships" xmlns:p="http://schemas.openxmlformats.org/presentationml/2006/main">
+  <p:cSld>
+    <p:spTree>
+      <p:nvGrpSpPr>
+        <p:cNvPr id="1" name=""/>
+        <p:cNvGrpSpPr/>
+        <p:nvPr/>
+      </p:nvGrpSpPr>
+      <p:grpSpPr>
+        <a:xfrm>
+          <a:off x="0" y="0"/>
+          <a:ext cx="0" cy="0"/>
+          <a:chOff x="0" y="0"/>
+          <a:chExt cx="0" cy="0"/>
+        </a:xfrm>
+      </p:grpSpPr>
+      <p:sp>
+        <p:nvSpPr>
+          <p:cNvPr id="2" name="Title 1"/>
+          <p:cNvSpPr>
+            <a:spLocks noGrp="1"/>
+          </p:cNvSpPr>
+          <p:nvPr>
+            <p:ph type="ctrTitle"/>
+          </p:nvPr>
+        </p:nvSpPr>
+        <p:spPr/>
+        <p:txBody>
+          <a:bodyPr/>
+          <a:lstStyle/>
+          <a:p>
+            <a:r>
+              <a:rPr lang="en-GB" dirty="0" smtClean="0"/>
+              <a:t>Create a </a:t>
+            </a:r>
+            <a:r>
+              <a:rPr lang="en-GB" dirty="0" err="1" smtClean="0"/>
+              <a:t>SpatialLite</a:t>
+            </a:r>
+            <a:r>
+              <a:rPr lang="en-GB" dirty="0" smtClean="0"/>
+              <a:t> DB</a:t>
+            </a:r>
+            <a:endParaRPr lang="en-GB" dirty="0"/>
+          </a:p>
+        </p:txBody>
+      </p:sp>
+      <p:sp>
+        <p:nvSpPr>
+          <p:cNvPr id="3" name="Subtitle 2"/>
+          <p:cNvSpPr>
+            <a:spLocks noGrp="1"/>
+          </p:cNvSpPr>
+          <p:nvPr>
+            <p:ph type="subTitle" idx="1"/>
+          </p:nvPr>
+        </p:nvSpPr>
+        <p:spPr/>
+        <p:txBody>
+          <a:bodyPr/>
+          <a:lstStyle/>
+          <a:p>
+            <a:endParaRPr lang="en-GB"/>
+          </a:p>
+        </p:txBody>
+      </p:sp>
+    </p:spTree>
+    <p:extLst>
+      <p:ext uri="{BB962C8B-B14F-4D97-AF65-F5344CB8AC3E}">
+        <p14:creationId xmlns:p14="http://schemas.microsoft.com/office/powerpoint/2010/main" val="212433831"/>
+      </p:ext>
+    </p:extLst>
+  </p:cSld>
+  <p:clrMapOvr>
+    <a:masterClrMapping/>
+  </p:clrMapOvr>
+</p:sld>
+</file>
+
+<file path=ppt/slides/slide13.xml><?xml version="1.0" encoding="utf-8"?>
+<p:sld xmlns:a="http://schemas.openxmlformats.org/drawingml/2006/main" xmlns:r="http://schemas.openxmlformats.org/officeDocument/2006/relationships" xmlns:p="http://schemas.openxmlformats.org/presentationml/2006/main">
+  <p:cSld>
+    <p:spTree>
+      <p:nvGrpSpPr>
+        <p:cNvPr id="1" name=""/>
+        <p:cNvGrpSpPr/>
+        <p:nvPr/>
+      </p:nvGrpSpPr>
+      <p:grpSpPr>
+        <a:xfrm>
+          <a:off x="0" y="0"/>
+          <a:ext cx="0" cy="0"/>
+          <a:chOff x="0" y="0"/>
+          <a:chExt cx="0" cy="0"/>
+        </a:xfrm>
+      </p:grpSpPr>
+      <p:sp>
+        <p:nvSpPr>
+          <p:cNvPr id="2" name="Title 1"/>
+          <p:cNvSpPr>
+            <a:spLocks noGrp="1"/>
+          </p:cNvSpPr>
+          <p:nvPr>
+            <p:ph type="title"/>
+          </p:nvPr>
+        </p:nvSpPr>
+        <p:spPr/>
+        <p:txBody>
+          <a:bodyPr/>
+          <a:lstStyle/>
+          <a:p>
+            <a:r>
+              <a:rPr lang="en-GB" dirty="0" smtClean="0"/>
+              <a:t>Download The </a:t>
+            </a:r>
+            <a:r>
+              <a:rPr lang="en-GB" dirty="0" err="1" smtClean="0"/>
+              <a:t>SpatiaLite</a:t>
+            </a:r>
+            <a:r>
+              <a:rPr lang="en-GB" dirty="0" smtClean="0"/>
+              <a:t> GUI</a:t>
+            </a:r>
+            <a:endParaRPr lang="en-GB" dirty="0"/>
+          </a:p>
+        </p:txBody>
+      </p:sp>
+      <p:pic>
+        <p:nvPicPr>
+          <p:cNvPr id="6146" name="Picture 2"/>
+          <p:cNvPicPr>
+            <a:picLocks noGrp="1" noChangeAspect="1" noChangeArrowheads="1"/>
+          </p:cNvPicPr>
+          <p:nvPr>
+            <p:ph idx="1"/>
+          </p:nvPr>
+        </p:nvPicPr>
+        <p:blipFill>
+          <a:blip r:embed="rId2">
+            <a:extLst>
+              <a:ext uri="{28A0092B-C50C-407E-A947-70E740481C1C}">
+                <a14:useLocalDpi xmlns:a14="http://schemas.microsoft.com/office/drawing/2010/main" val="0"/>
+              </a:ext>
+            </a:extLst>
+          </a:blip>
+          <a:srcRect/>
+          <a:stretch>
+            <a:fillRect/>
+          </a:stretch>
+        </p:blipFill>
+        <p:spPr bwMode="auto">
+          <a:xfrm>
+            <a:off x="457200" y="1783023"/>
+            <a:ext cx="8229600" cy="4160317"/>
+          </a:xfrm>
+          <a:prstGeom prst="rect">
+            <a:avLst/>
+          </a:prstGeom>
+          <a:noFill/>
+          <a:ln>
+            <a:noFill/>
+          </a:ln>
+          <a:extLst>
+            <a:ext uri="{909E8E84-426E-40DD-AFC4-6F175D3DCCD1}">
+              <a14:hiddenFill xmlns:a14="http://schemas.microsoft.com/office/drawing/2010/main">
+                <a:solidFill>
+                  <a:schemeClr val="accent1"/>
+                </a:solidFill>
+              </a14:hiddenFill>
+            </a:ext>
+            <a:ext uri="{91240B29-F687-4F45-9708-019B960494DF}">
+              <a14:hiddenLine xmlns:a14="http://schemas.microsoft.com/office/drawing/2010/main" w="9525">
+                <a:solidFill>
+                  <a:schemeClr val="tx1"/>
+                </a:solidFill>
+                <a:miter lim="800000"/>
+                <a:headEnd/>
+                <a:tailEnd/>
+              </a14:hiddenLine>
+            </a:ext>
+          </a:extLst>
+        </p:spPr>
+      </p:pic>
+    </p:spTree>
+    <p:extLst>
+      <p:ext uri="{BB962C8B-B14F-4D97-AF65-F5344CB8AC3E}">
+        <p14:creationId xmlns:p14="http://schemas.microsoft.com/office/powerpoint/2010/main" val="2405700267"/>
+      </p:ext>
+    </p:extLst>
+  </p:cSld>
+  <p:clrMapOvr>
+    <a:masterClrMapping/>
+  </p:clrMapOvr>
+</p:sld>
+</file>
+
+<file path=ppt/slides/slide14.xml><?xml version="1.0" encoding="utf-8"?>
+<p:sld xmlns:a="http://schemas.openxmlformats.org/drawingml/2006/main" xmlns:r="http://schemas.openxmlformats.org/officeDocument/2006/relationships" xmlns:p="http://schemas.openxmlformats.org/presentationml/2006/main">
+  <p:cSld>
+    <p:spTree>
+      <p:nvGrpSpPr>
+        <p:cNvPr id="1" name=""/>
+        <p:cNvGrpSpPr/>
+        <p:nvPr/>
+      </p:nvGrpSpPr>
+      <p:grpSpPr>
+        <a:xfrm>
+          <a:off x="0" y="0"/>
+          <a:ext cx="0" cy="0"/>
+          <a:chOff x="0" y="0"/>
+          <a:chExt cx="0" cy="0"/>
+        </a:xfrm>
+      </p:grpSpPr>
+      <p:sp>
+        <p:nvSpPr>
+          <p:cNvPr id="2" name="Title 1"/>
+          <p:cNvSpPr>
+            <a:spLocks noGrp="1"/>
+          </p:cNvSpPr>
+          <p:nvPr>
+            <p:ph type="title"/>
+          </p:nvPr>
+        </p:nvSpPr>
+        <p:spPr>
+          <a:ln>
+            <a:solidFill>
+              <a:schemeClr val="accent1"/>
+            </a:solidFill>
+          </a:ln>
+        </p:spPr>
+        <p:txBody>
+          <a:bodyPr/>
+          <a:lstStyle/>
+          <a:p>
+            <a:r>
+              <a:rPr lang="en-GB" dirty="0" smtClean="0"/>
+              <a:t>Create the DB file</a:t>
+            </a:r>
+            <a:endParaRPr lang="en-GB" dirty="0"/>
+          </a:p>
+        </p:txBody>
+      </p:sp>
+      <p:pic>
+        <p:nvPicPr>
+          <p:cNvPr id="1026" name="Picture 2"/>
+          <p:cNvPicPr>
+            <a:picLocks noGrp="1" noChangeAspect="1" noChangeArrowheads="1"/>
+          </p:cNvPicPr>
+          <p:nvPr>
+            <p:ph idx="1"/>
+          </p:nvPr>
+        </p:nvPicPr>
+        <p:blipFill>
+          <a:blip r:embed="rId2">
+            <a:extLst>
+              <a:ext uri="{28A0092B-C50C-407E-A947-70E740481C1C}">
+                <a14:useLocalDpi xmlns:a14="http://schemas.microsoft.com/office/drawing/2010/main" val="0"/>
+              </a:ext>
+            </a:extLst>
+          </a:blip>
+          <a:srcRect/>
+          <a:stretch>
+            <a:fillRect/>
+          </a:stretch>
+        </p:blipFill>
+        <p:spPr bwMode="auto">
+          <a:xfrm>
+            <a:off x="457200" y="1762509"/>
+            <a:ext cx="8229600" cy="4201344"/>
+          </a:xfrm>
+          <a:prstGeom prst="rect">
+            <a:avLst/>
+          </a:prstGeom>
+          <a:noFill/>
+          <a:ln>
+            <a:noFill/>
+          </a:ln>
+          <a:extLst>
+            <a:ext uri="{909E8E84-426E-40DD-AFC4-6F175D3DCCD1}">
+              <a14:hiddenFill xmlns:a14="http://schemas.microsoft.com/office/drawing/2010/main">
+                <a:solidFill>
+                  <a:schemeClr val="accent1"/>
+                </a:solidFill>
+              </a14:hiddenFill>
+            </a:ext>
+            <a:ext uri="{91240B29-F687-4F45-9708-019B960494DF}">
+              <a14:hiddenLine xmlns:a14="http://schemas.microsoft.com/office/drawing/2010/main" w="9525">
+                <a:solidFill>
+                  <a:schemeClr val="tx1"/>
+                </a:solidFill>
+                <a:miter lim="800000"/>
+                <a:headEnd/>
+                <a:tailEnd/>
+              </a14:hiddenLine>
+            </a:ext>
+          </a:extLst>
+        </p:spPr>
+      </p:pic>
+    </p:spTree>
+    <p:extLst>
+      <p:ext uri="{BB962C8B-B14F-4D97-AF65-F5344CB8AC3E}">
+        <p14:creationId xmlns:p14="http://schemas.microsoft.com/office/powerpoint/2010/main" val="1969356150"/>
+      </p:ext>
+    </p:extLst>
+  </p:cSld>
+  <p:clrMapOvr>
+    <a:masterClrMapping/>
+  </p:clrMapOvr>
+</p:sld>
+</file>
+
+<file path=ppt/slides/slide15.xml><?xml version="1.0" encoding="utf-8"?>
+<p:sld xmlns:a="http://schemas.openxmlformats.org/drawingml/2006/main" xmlns:r="http://schemas.openxmlformats.org/officeDocument/2006/relationships" xmlns:p="http://schemas.openxmlformats.org/presentationml/2006/main">
+  <p:cSld>
+    <p:spTree>
+      <p:nvGrpSpPr>
+        <p:cNvPr id="1" name=""/>
+        <p:cNvGrpSpPr/>
+        <p:nvPr/>
+      </p:nvGrpSpPr>
+      <p:grpSpPr>
+        <a:xfrm>
+          <a:off x="0" y="0"/>
+          <a:ext cx="0" cy="0"/>
+          <a:chOff x="0" y="0"/>
+          <a:chExt cx="0" cy="0"/>
+        </a:xfrm>
+      </p:grpSpPr>
+      <p:sp>
+        <p:nvSpPr>
+          <p:cNvPr id="2" name="Title 1"/>
+          <p:cNvSpPr>
+            <a:spLocks noGrp="1"/>
+          </p:cNvSpPr>
+          <p:nvPr>
+            <p:ph type="title"/>
+          </p:nvPr>
+        </p:nvSpPr>
+        <p:spPr/>
+        <p:txBody>
+          <a:bodyPr/>
+          <a:lstStyle/>
+          <a:p>
+            <a:r>
+              <a:rPr lang="en-GB" dirty="0" smtClean="0"/>
+              <a:t>Create a Table</a:t>
+            </a:r>
+            <a:endParaRPr lang="en-GB" dirty="0"/>
+          </a:p>
+        </p:txBody>
+      </p:sp>
+      <p:pic>
+        <p:nvPicPr>
+          <p:cNvPr id="2050" name="Picture 2"/>
+          <p:cNvPicPr>
+            <a:picLocks noGrp="1" noChangeAspect="1" noChangeArrowheads="1"/>
+          </p:cNvPicPr>
+          <p:nvPr>
+            <p:ph idx="1"/>
+          </p:nvPr>
+        </p:nvPicPr>
+        <p:blipFill>
+          <a:blip r:embed="rId2">
+            <a:extLst>
+              <a:ext uri="{28A0092B-C50C-407E-A947-70E740481C1C}">
+                <a14:useLocalDpi xmlns:a14="http://schemas.microsoft.com/office/drawing/2010/main" val="0"/>
+              </a:ext>
+            </a:extLst>
+          </a:blip>
+          <a:srcRect/>
+          <a:stretch>
+            <a:fillRect/>
+          </a:stretch>
+        </p:blipFill>
+        <p:spPr bwMode="auto">
+          <a:xfrm>
+            <a:off x="1060741" y="1600200"/>
+            <a:ext cx="7022517" cy="4525963"/>
+          </a:xfrm>
+          <a:prstGeom prst="rect">
+            <a:avLst/>
+          </a:prstGeom>
+          <a:noFill/>
+          <a:ln>
+            <a:noFill/>
+          </a:ln>
+          <a:extLst>
+            <a:ext uri="{909E8E84-426E-40DD-AFC4-6F175D3DCCD1}">
+              <a14:hiddenFill xmlns:a14="http://schemas.microsoft.com/office/drawing/2010/main">
+                <a:solidFill>
+                  <a:schemeClr val="accent1"/>
+                </a:solidFill>
+              </a14:hiddenFill>
+            </a:ext>
+            <a:ext uri="{91240B29-F687-4F45-9708-019B960494DF}">
+              <a14:hiddenLine xmlns:a14="http://schemas.microsoft.com/office/drawing/2010/main" w="9525">
+                <a:solidFill>
+                  <a:schemeClr val="tx1"/>
+                </a:solidFill>
+                <a:miter lim="800000"/>
+                <a:headEnd/>
+                <a:tailEnd/>
+              </a14:hiddenLine>
+            </a:ext>
+          </a:extLst>
+        </p:spPr>
+      </p:pic>
+    </p:spTree>
+    <p:extLst>
+      <p:ext uri="{BB962C8B-B14F-4D97-AF65-F5344CB8AC3E}">
+        <p14:creationId xmlns:p14="http://schemas.microsoft.com/office/powerpoint/2010/main" val="1777542247"/>
+      </p:ext>
+    </p:extLst>
+  </p:cSld>
+  <p:clrMapOvr>
+    <a:masterClrMapping/>
+  </p:clrMapOvr>
+</p:sld>
+</file>
+
+<file path=ppt/slides/slide16.xml><?xml version="1.0" encoding="utf-8"?>
+<p:sld xmlns:a="http://schemas.openxmlformats.org/drawingml/2006/main" xmlns:r="http://schemas.openxmlformats.org/officeDocument/2006/relationships" xmlns:p="http://schemas.openxmlformats.org/presentationml/2006/main">
+  <p:cSld>
+    <p:spTree>
+      <p:nvGrpSpPr>
+        <p:cNvPr id="1" name=""/>
+        <p:cNvGrpSpPr/>
+        <p:nvPr/>
+      </p:nvGrpSpPr>
+      <p:grpSpPr>
+        <a:xfrm>
+          <a:off x="0" y="0"/>
+          <a:ext cx="0" cy="0"/>
+          <a:chOff x="0" y="0"/>
+          <a:chExt cx="0" cy="0"/>
+        </a:xfrm>
+      </p:grpSpPr>
+      <p:sp>
+        <p:nvSpPr>
+          <p:cNvPr id="2" name="Title 1"/>
+          <p:cNvSpPr>
+            <a:spLocks noGrp="1"/>
+          </p:cNvSpPr>
+          <p:nvPr>
+            <p:ph type="title"/>
+          </p:nvPr>
+        </p:nvSpPr>
+        <p:spPr/>
+        <p:txBody>
+          <a:bodyPr/>
+          <a:lstStyle/>
+          <a:p>
+            <a:r>
+              <a:rPr lang="en-GB" dirty="0" smtClean="0"/>
+              <a:t>Add the Geometry Column</a:t>
+            </a:r>
+            <a:endParaRPr lang="en-GB" dirty="0"/>
+          </a:p>
+        </p:txBody>
+      </p:sp>
+      <p:pic>
+        <p:nvPicPr>
+          <p:cNvPr id="3074" name="Picture 2"/>
+          <p:cNvPicPr>
+            <a:picLocks noGrp="1" noChangeAspect="1" noChangeArrowheads="1"/>
+          </p:cNvPicPr>
+          <p:nvPr>
+            <p:ph idx="1"/>
+          </p:nvPr>
+        </p:nvPicPr>
+        <p:blipFill>
+          <a:blip r:embed="rId2">
+            <a:extLst>
+              <a:ext uri="{28A0092B-C50C-407E-A947-70E740481C1C}">
+                <a14:useLocalDpi xmlns:a14="http://schemas.microsoft.com/office/drawing/2010/main" val="0"/>
+              </a:ext>
+            </a:extLst>
+          </a:blip>
+          <a:srcRect/>
+          <a:stretch>
+            <a:fillRect/>
+          </a:stretch>
+        </p:blipFill>
+        <p:spPr bwMode="auto">
+          <a:xfrm>
+            <a:off x="596984" y="1600200"/>
+            <a:ext cx="7950031" cy="4525963"/>
+          </a:xfrm>
+          <a:prstGeom prst="rect">
+            <a:avLst/>
+          </a:prstGeom>
+          <a:noFill/>
+          <a:ln>
+            <a:noFill/>
+          </a:ln>
+          <a:extLst>
+            <a:ext uri="{909E8E84-426E-40DD-AFC4-6F175D3DCCD1}">
+              <a14:hiddenFill xmlns:a14="http://schemas.microsoft.com/office/drawing/2010/main">
+                <a:solidFill>
+                  <a:schemeClr val="accent1"/>
+                </a:solidFill>
+              </a14:hiddenFill>
+            </a:ext>
+            <a:ext uri="{91240B29-F687-4F45-9708-019B960494DF}">
+              <a14:hiddenLine xmlns:a14="http://schemas.microsoft.com/office/drawing/2010/main" w="9525">
+                <a:solidFill>
+                  <a:schemeClr val="tx1"/>
+                </a:solidFill>
+                <a:miter lim="800000"/>
+                <a:headEnd/>
+                <a:tailEnd/>
+              </a14:hiddenLine>
+            </a:ext>
+          </a:extLst>
+        </p:spPr>
+      </p:pic>
+    </p:spTree>
+    <p:extLst>
+      <p:ext uri="{BB962C8B-B14F-4D97-AF65-F5344CB8AC3E}">
+        <p14:creationId xmlns:p14="http://schemas.microsoft.com/office/powerpoint/2010/main" val="288755058"/>
+      </p:ext>
+    </p:extLst>
+  </p:cSld>
+  <p:clrMapOvr>
+    <a:masterClrMapping/>
+  </p:clrMapOvr>
+</p:sld>
+</file>
+
+<file path=ppt/slides/slide17.xml><?xml version="1.0" encoding="utf-8"?>
+<p:sld xmlns:a="http://schemas.openxmlformats.org/drawingml/2006/main" xmlns:r="http://schemas.openxmlformats.org/officeDocument/2006/relationships" xmlns:p="http://schemas.openxmlformats.org/presentationml/2006/main">
+  <p:cSld>
+    <p:spTree>
+      <p:nvGrpSpPr>
+        <p:cNvPr id="1" name=""/>
+        <p:cNvGrpSpPr/>
+        <p:nvPr/>
+      </p:nvGrpSpPr>
+      <p:grpSpPr>
+        <a:xfrm>
+          <a:off x="0" y="0"/>
+          <a:ext cx="0" cy="0"/>
+          <a:chOff x="0" y="0"/>
+          <a:chExt cx="0" cy="0"/>
+        </a:xfrm>
+      </p:grpSpPr>
+      <p:sp>
+        <p:nvSpPr>
+          <p:cNvPr id="2" name="Title 1"/>
+          <p:cNvSpPr>
+            <a:spLocks noGrp="1"/>
+          </p:cNvSpPr>
+          <p:nvPr>
+            <p:ph type="title"/>
+          </p:nvPr>
+        </p:nvSpPr>
+        <p:spPr/>
+        <p:txBody>
+          <a:bodyPr/>
+          <a:lstStyle/>
+          <a:p>
+            <a:r>
+              <a:rPr lang="en-GB" dirty="0" smtClean="0"/>
+              <a:t>Insert some data</a:t>
+            </a:r>
+            <a:endParaRPr lang="en-GB" dirty="0"/>
+          </a:p>
+        </p:txBody>
+      </p:sp>
+      <p:pic>
+        <p:nvPicPr>
+          <p:cNvPr id="4098" name="Picture 2"/>
+          <p:cNvPicPr>
+            <a:picLocks noGrp="1" noChangeAspect="1" noChangeArrowheads="1"/>
+          </p:cNvPicPr>
+          <p:nvPr>
+            <p:ph idx="1"/>
+          </p:nvPr>
+        </p:nvPicPr>
+        <p:blipFill>
+          <a:blip r:embed="rId2">
+            <a:extLst>
+              <a:ext uri="{28A0092B-C50C-407E-A947-70E740481C1C}">
+                <a14:useLocalDpi xmlns:a14="http://schemas.microsoft.com/office/drawing/2010/main" val="0"/>
+              </a:ext>
+            </a:extLst>
+          </a:blip>
+          <a:srcRect/>
+          <a:stretch>
+            <a:fillRect/>
+          </a:stretch>
+        </p:blipFill>
+        <p:spPr bwMode="auto">
+          <a:xfrm>
+            <a:off x="457200" y="1647520"/>
+            <a:ext cx="8229600" cy="4431323"/>
+          </a:xfrm>
+          <a:prstGeom prst="rect">
+            <a:avLst/>
+          </a:prstGeom>
+          <a:noFill/>
+          <a:ln>
+            <a:noFill/>
+          </a:ln>
+          <a:extLst>
+            <a:ext uri="{909E8E84-426E-40DD-AFC4-6F175D3DCCD1}">
+              <a14:hiddenFill xmlns:a14="http://schemas.microsoft.com/office/drawing/2010/main">
+                <a:solidFill>
+                  <a:schemeClr val="accent1"/>
+                </a:solidFill>
+              </a14:hiddenFill>
+            </a:ext>
+            <a:ext uri="{91240B29-F687-4F45-9708-019B960494DF}">
+              <a14:hiddenLine xmlns:a14="http://schemas.microsoft.com/office/drawing/2010/main" w="9525">
+                <a:solidFill>
+                  <a:schemeClr val="tx1"/>
+                </a:solidFill>
+                <a:miter lim="800000"/>
+                <a:headEnd/>
+                <a:tailEnd/>
+              </a14:hiddenLine>
+            </a:ext>
+          </a:extLst>
+        </p:spPr>
+      </p:pic>
+    </p:spTree>
+    <p:extLst>
+      <p:ext uri="{BB962C8B-B14F-4D97-AF65-F5344CB8AC3E}">
+        <p14:creationId xmlns:p14="http://schemas.microsoft.com/office/powerpoint/2010/main" val="4007186373"/>
+      </p:ext>
+    </p:extLst>
+  </p:cSld>
+  <p:clrMapOvr>
+    <a:masterClrMapping/>
+  </p:clrMapOvr>
+</p:sld>
+</file>
+
+<file path=ppt/slides/slide18.xml><?xml version="1.0" encoding="utf-8"?>
+<p:sld xmlns:a="http://schemas.openxmlformats.org/drawingml/2006/main" xmlns:r="http://schemas.openxmlformats.org/officeDocument/2006/relationships" xmlns:p="http://schemas.openxmlformats.org/presentationml/2006/main">
+  <p:cSld>
+    <p:spTree>
+      <p:nvGrpSpPr>
+        <p:cNvPr id="1" name=""/>
+        <p:cNvGrpSpPr/>
+        <p:nvPr/>
+      </p:nvGrpSpPr>
+      <p:grpSpPr>
+        <a:xfrm>
+          <a:off x="0" y="0"/>
+          <a:ext cx="0" cy="0"/>
+          <a:chOff x="0" y="0"/>
+          <a:chExt cx="0" cy="0"/>
+        </a:xfrm>
+      </p:grpSpPr>
+      <p:sp>
+        <p:nvSpPr>
+          <p:cNvPr id="2" name="Title 1"/>
+          <p:cNvSpPr>
+            <a:spLocks noGrp="1"/>
+          </p:cNvSpPr>
+          <p:nvPr>
+            <p:ph type="title"/>
+          </p:nvPr>
+        </p:nvSpPr>
+        <p:spPr/>
+        <p:txBody>
+          <a:bodyPr/>
+          <a:lstStyle/>
+          <a:p>
+            <a:r>
+              <a:rPr lang="en-GB" dirty="0" smtClean="0"/>
+              <a:t>Select Data</a:t>
+            </a:r>
+            <a:endParaRPr lang="en-GB" dirty="0"/>
+          </a:p>
+        </p:txBody>
+      </p:sp>
+      <p:pic>
+        <p:nvPicPr>
+          <p:cNvPr id="5123" name="Picture 3"/>
+          <p:cNvPicPr>
+            <a:picLocks noGrp="1" noChangeAspect="1" noChangeArrowheads="1"/>
+          </p:cNvPicPr>
+          <p:nvPr>
+            <p:ph idx="1"/>
+          </p:nvPr>
+        </p:nvPicPr>
+        <p:blipFill>
+          <a:blip r:embed="rId2">
+            <a:extLst>
+              <a:ext uri="{28A0092B-C50C-407E-A947-70E740481C1C}">
+                <a14:useLocalDpi xmlns:a14="http://schemas.microsoft.com/office/drawing/2010/main" val="0"/>
+              </a:ext>
+            </a:extLst>
+          </a:blip>
+          <a:srcRect/>
+          <a:stretch>
+            <a:fillRect/>
+          </a:stretch>
+        </p:blipFill>
+        <p:spPr bwMode="auto">
+          <a:xfrm>
+            <a:off x="1633106" y="1600200"/>
+            <a:ext cx="5877787" cy="4525963"/>
+          </a:xfrm>
+          <a:prstGeom prst="rect">
+            <a:avLst/>
+          </a:prstGeom>
+          <a:noFill/>
+          <a:ln>
+            <a:noFill/>
+          </a:ln>
+          <a:extLst>
+            <a:ext uri="{909E8E84-426E-40DD-AFC4-6F175D3DCCD1}">
+              <a14:hiddenFill xmlns:a14="http://schemas.microsoft.com/office/drawing/2010/main">
+                <a:solidFill>
+                  <a:schemeClr val="accent1"/>
+                </a:solidFill>
+              </a14:hiddenFill>
+            </a:ext>
+            <a:ext uri="{91240B29-F687-4F45-9708-019B960494DF}">
+              <a14:hiddenLine xmlns:a14="http://schemas.microsoft.com/office/drawing/2010/main" w="9525">
+                <a:solidFill>
+                  <a:schemeClr val="tx1"/>
+                </a:solidFill>
+                <a:miter lim="800000"/>
+                <a:headEnd/>
+                <a:tailEnd/>
+              </a14:hiddenLine>
+            </a:ext>
+          </a:extLst>
+        </p:spPr>
+      </p:pic>
+    </p:spTree>
+    <p:extLst>
+      <p:ext uri="{BB962C8B-B14F-4D97-AF65-F5344CB8AC3E}">
+        <p14:creationId xmlns:p14="http://schemas.microsoft.com/office/powerpoint/2010/main" val="377071585"/>
+      </p:ext>
+    </p:extLst>
+  </p:cSld>
+  <p:clrMapOvr>
+    <a:masterClrMapping/>
+  </p:clrMapOvr>
+</p:sld>
+</file>
+
+<file path=ppt/slides/slide19.xml><?xml version="1.0" encoding="utf-8"?>
+<p:sld xmlns:a="http://schemas.openxmlformats.org/drawingml/2006/main" xmlns:r="http://schemas.openxmlformats.org/officeDocument/2006/relationships" xmlns:p="http://schemas.openxmlformats.org/presentationml/2006/main">
+  <p:cSld>
+    <p:spTree>
+      <p:nvGrpSpPr>
+        <p:cNvPr id="1" name=""/>
+        <p:cNvGrpSpPr/>
+        <p:nvPr/>
+      </p:nvGrpSpPr>
+      <p:grpSpPr>
+        <a:xfrm>
+          <a:off x="0" y="0"/>
+          <a:ext cx="0" cy="0"/>
+          <a:chOff x="0" y="0"/>
+          <a:chExt cx="0" cy="0"/>
+        </a:xfrm>
+      </p:grpSpPr>
+      <p:sp>
+        <p:nvSpPr>
+          <p:cNvPr id="2" name="Title 1"/>
+          <p:cNvSpPr>
+            <a:spLocks noGrp="1"/>
+          </p:cNvSpPr>
+          <p:nvPr>
+            <p:ph type="title"/>
+          </p:nvPr>
+        </p:nvSpPr>
+        <p:spPr/>
+        <p:txBody>
+          <a:bodyPr/>
+          <a:lstStyle/>
+          <a:p>
+            <a:r>
+              <a:rPr lang="en-GB" dirty="0" smtClean="0"/>
+              <a:t>Links</a:t>
+            </a:r>
+            <a:endParaRPr lang="en-GB" dirty="0"/>
+          </a:p>
+        </p:txBody>
+      </p:sp>
+      <p:sp>
+        <p:nvSpPr>
+          <p:cNvPr id="3" name="Content Placeholder 2"/>
+          <p:cNvSpPr>
+            <a:spLocks noGrp="1"/>
+          </p:cNvSpPr>
+          <p:nvPr>
+            <p:ph idx="1"/>
+          </p:nvPr>
+        </p:nvSpPr>
+        <p:spPr/>
+        <p:txBody>
+          <a:bodyPr/>
+          <a:lstStyle/>
+          <a:p>
+            <a:r>
+              <a:rPr lang="en-GB" dirty="0" smtClean="0">
+                <a:hlinkClick r:id="rId2"/>
+              </a:rPr>
+              <a:t>http://www.gaia-gis.it/gaia-sins/spatialite-cookbook/index.html#common</a:t>
+            </a:r>
+            <a:endParaRPr lang="en-GB" dirty="0" smtClean="0"/>
+          </a:p>
+          <a:p>
+            <a:r>
+              <a:rPr lang="en-GB" dirty="0" smtClean="0">
+                <a:hlinkClick r:id="rId3"/>
+              </a:rPr>
+              <a:t>http://www.gaia-gis.it/gaia-sins/</a:t>
+            </a:r>
+            <a:endParaRPr lang="en-GB" dirty="0" smtClean="0"/>
+          </a:p>
+          <a:p>
+            <a:r>
+              <a:rPr lang="en-GB" dirty="0" smtClean="0">
+                <a:hlinkClick r:id="rId4"/>
+              </a:rPr>
+              <a:t>http://www.bostongis.com/PrinterFriendly.aspx?content_name=spatialite_tut01</a:t>
+            </a:r>
+            <a:endParaRPr lang="en-GB" dirty="0" smtClean="0"/>
+          </a:p>
+          <a:p>
+            <a:r>
+              <a:rPr lang="en-GB" dirty="0" smtClean="0">
+                <a:hlinkClick r:id="rId5"/>
+              </a:rPr>
+              <a:t>http://mapfishblog.blogspot.co.uk/2009/02/kiss-spatialite-in-</a:t>
+            </a:r>
+            <a:r>
+              <a:rPr lang="en-GB" dirty="0" smtClean="0"/>
+              <a:t>5-minutes.html</a:t>
+            </a:r>
+            <a:endParaRPr lang="en-GB" dirty="0"/>
+          </a:p>
+        </p:txBody>
+      </p:sp>
+    </p:spTree>
+    <p:extLst>
+      <p:ext uri="{BB962C8B-B14F-4D97-AF65-F5344CB8AC3E}">
+        <p14:creationId xmlns:p14="http://schemas.microsoft.com/office/powerpoint/2010/main" val="1232196025"/>
+      </p:ext>
+    </p:extLst>
+  </p:cSld>
+  <p:clrMapOvr>
+    <a:masterClrMapping/>
+  </p:clrMapOvr>
+</p:sld>
+</file>
+
+<file path=ppt/slides/slide2.xml><?xml version="1.0" encoding="utf-8"?>
+<p:sld xmlns:a="http://schemas.openxmlformats.org/drawingml/2006/main" xmlns:r="http://schemas.openxmlformats.org/officeDocument/2006/relationships" xmlns:p="http://schemas.openxmlformats.org/presentationml/2006/main">
+  <p:cSld>
+    <p:spTree>
+      <p:nvGrpSpPr>
+        <p:cNvPr id="1" name=""/>
+        <p:cNvGrpSpPr/>
+        <p:nvPr/>
+      </p:nvGrpSpPr>
+      <p:grpSpPr>
+        <a:xfrm>
+          <a:off x="0" y="0"/>
+          <a:ext cx="0" cy="0"/>
+          <a:chOff x="0" y="0"/>
+          <a:chExt cx="0" cy="0"/>
+        </a:xfrm>
+      </p:grpSpPr>
+      <p:pic>
+        <p:nvPicPr>
+          <p:cNvPr id="2050" name="Picture 2"/>
+          <p:cNvPicPr>
+            <a:picLocks noChangeAspect="1" noChangeArrowheads="1"/>
+          </p:cNvPicPr>
+          <p:nvPr/>
+        </p:nvPicPr>
+        <p:blipFill>
+          <a:blip r:embed="rId2">
+            <a:extLst>
+              <a:ext uri="{28A0092B-C50C-407E-A947-70E740481C1C}">
+                <a14:useLocalDpi xmlns:a14="http://schemas.microsoft.com/office/drawing/2010/main" val="0"/>
+              </a:ext>
+            </a:extLst>
+          </a:blip>
+          <a:srcRect/>
+          <a:stretch>
+            <a:fillRect/>
+          </a:stretch>
+        </p:blipFill>
+        <p:spPr bwMode="auto">
+          <a:xfrm>
+            <a:off x="831056" y="306079"/>
+            <a:ext cx="1792287" cy="1257608"/>
+          </a:xfrm>
+          <a:prstGeom prst="rect">
+            <a:avLst/>
+          </a:prstGeom>
+          <a:noFill/>
+          <a:ln>
+            <a:noFill/>
+          </a:ln>
+          <a:effectLst/>
+          <a:extLst>
+            <a:ext uri="{909E8E84-426E-40DD-AFC4-6F175D3DCCD1}">
+              <a14:hiddenFill xmlns:a14="http://schemas.microsoft.com/office/drawing/2010/main">
+                <a:solidFill>
+                  <a:schemeClr val="accent1"/>
+                </a:solidFill>
+              </a14:hiddenFill>
+            </a:ext>
+            <a:ext uri="{91240B29-F687-4F45-9708-019B960494DF}">
+              <a14:hiddenLine xmlns:a14="http://schemas.microsoft.com/office/drawing/2010/main" w="9525">
+                <a:solidFill>
+                  <a:schemeClr val="tx1"/>
+                </a:solidFill>
+                <a:miter lim="800000"/>
+                <a:headEnd/>
+                <a:tailEnd/>
+              </a14:hiddenLine>
+            </a:ext>
+            <a:ext uri="{AF507438-7753-43E0-B8FC-AC1667EBCBE1}">
+              <a14:hiddenEffects xmlns:a14="http://schemas.microsoft.com/office/drawing/2010/main">
+                <a:effectLst>
+                  <a:outerShdw dist="35921" dir="2700000" algn="ctr" rotWithShape="0">
+                    <a:schemeClr val="bg2"/>
+                  </a:outerShdw>
+                </a:effectLst>
+              </a14:hiddenEffects>
+            </a:ext>
+          </a:extLst>
+        </p:spPr>
+      </p:pic>
+      <p:pic>
+        <p:nvPicPr>
+          <p:cNvPr id="2051" name="Picture 3" descr="C:\Users\Miff\AppData\Local\Microsoft\Windows\INetCache\IE\HOYEI894\cloud[1].png"/>
+          <p:cNvPicPr>
+            <a:picLocks noChangeAspect="1" noChangeArrowheads="1"/>
+          </p:cNvPicPr>
+          <p:nvPr/>
+        </p:nvPicPr>
+        <p:blipFill>
+          <a:blip r:embed="rId3">
+            <a:extLst>
+              <a:ext uri="{28A0092B-C50C-407E-A947-70E740481C1C}">
+                <a14:useLocalDpi xmlns:a14="http://schemas.microsoft.com/office/drawing/2010/main" val="0"/>
+              </a:ext>
+            </a:extLst>
+          </a:blip>
+          <a:srcRect/>
+          <a:stretch>
+            <a:fillRect/>
+          </a:stretch>
+        </p:blipFill>
+        <p:spPr bwMode="auto">
+          <a:xfrm>
+            <a:off x="3505200" y="2667000"/>
+            <a:ext cx="2994602" cy="1467716"/>
+          </a:xfrm>
+          <a:prstGeom prst="rect">
+            <a:avLst/>
+          </a:prstGeom>
+          <a:noFill/>
+          <a:extLst>
+            <a:ext uri="{909E8E84-426E-40DD-AFC4-6F175D3DCCD1}">
+              <a14:hiddenFill xmlns:a14="http://schemas.microsoft.com/office/drawing/2010/main">
+                <a:solidFill>
+                  <a:srgbClr val="FFFFFF"/>
+                </a:solidFill>
+              </a14:hiddenFill>
+            </a:ext>
+          </a:extLst>
+        </p:spPr>
+      </p:pic>
+      <p:pic>
+        <p:nvPicPr>
+          <p:cNvPr id="2053" name="Picture 5"/>
+          <p:cNvPicPr>
+            <a:picLocks noChangeAspect="1" noChangeArrowheads="1"/>
+          </p:cNvPicPr>
+          <p:nvPr/>
+        </p:nvPicPr>
+        <p:blipFill>
+          <a:blip r:embed="rId4" cstate="print">
+            <a:extLst>
+              <a:ext uri="{28A0092B-C50C-407E-A947-70E740481C1C}">
+                <a14:useLocalDpi xmlns:a14="http://schemas.microsoft.com/office/drawing/2010/main" val="0"/>
+              </a:ext>
+            </a:extLst>
+          </a:blip>
+          <a:srcRect/>
+          <a:stretch>
+            <a:fillRect/>
+          </a:stretch>
+        </p:blipFill>
+        <p:spPr bwMode="auto">
+          <a:xfrm>
+            <a:off x="3040856" y="1563687"/>
+            <a:ext cx="1080831" cy="741825"/>
+          </a:xfrm>
+          <a:prstGeom prst="rect">
+            <a:avLst/>
+          </a:prstGeom>
+          <a:noFill/>
+          <a:ln>
+            <a:noFill/>
+          </a:ln>
+          <a:extLst>
+            <a:ext uri="{909E8E84-426E-40DD-AFC4-6F175D3DCCD1}">
+              <a14:hiddenFill xmlns:a14="http://schemas.microsoft.com/office/drawing/2010/main">
+                <a:solidFill>
+                  <a:schemeClr val="accent1"/>
+                </a:solidFill>
+              </a14:hiddenFill>
+            </a:ext>
+            <a:ext uri="{91240B29-F687-4F45-9708-019B960494DF}">
+              <a14:hiddenLine xmlns:a14="http://schemas.microsoft.com/office/drawing/2010/main" w="9525">
+                <a:solidFill>
+                  <a:schemeClr val="tx1"/>
+                </a:solidFill>
+                <a:miter lim="800000"/>
+                <a:headEnd/>
+                <a:tailEnd/>
+              </a14:hiddenLine>
+            </a:ext>
+          </a:extLst>
+        </p:spPr>
+      </p:pic>
+      <p:cxnSp>
+        <p:nvCxnSpPr>
+          <p:cNvPr id="5" name="Curved Connector 4"/>
+          <p:cNvCxnSpPr>
+            <a:stCxn id="2050" idx="3"/>
+            <a:endCxn id="2053" idx="0"/>
+          </p:cNvCxnSpPr>
+          <p:nvPr/>
+        </p:nvCxnSpPr>
+        <p:spPr>
+          <a:xfrm>
+            <a:off x="2623343" y="934883"/>
+            <a:ext cx="957929" cy="628804"/>
+          </a:xfrm>
+          <a:prstGeom prst="curvedConnector2">
+            <a:avLst/>
+          </a:prstGeom>
+          <a:ln>
+            <a:tailEnd type="arrow"/>
+          </a:ln>
+        </p:spPr>
+        <p:style>
+          <a:lnRef idx="1">
+            <a:schemeClr val="accent1"/>
+          </a:lnRef>
+          <a:fillRef idx="0">
+            <a:schemeClr val="accent1"/>
+          </a:fillRef>
+          <a:effectRef idx="0">
+            <a:schemeClr val="accent1"/>
+          </a:effectRef>
+          <a:fontRef idx="minor">
+            <a:schemeClr val="tx1"/>
+          </a:fontRef>
+        </p:style>
+      </p:cxnSp>
+      <p:cxnSp>
+        <p:nvCxnSpPr>
+          <p:cNvPr id="9" name="Curved Connector 8"/>
+          <p:cNvCxnSpPr>
+            <a:stCxn id="2053" idx="2"/>
+            <a:endCxn id="2051" idx="0"/>
+          </p:cNvCxnSpPr>
+          <p:nvPr/>
+        </p:nvCxnSpPr>
+        <p:spPr>
+          <a:xfrm rot="16200000" flipH="1">
+            <a:off x="4111142" y="1775641"/>
+            <a:ext cx="361488" cy="1421229"/>
+          </a:xfrm>
+          <a:prstGeom prst="curvedConnector3">
+            <a:avLst/>
+          </a:prstGeom>
+          <a:ln>
+            <a:tailEnd type="arrow"/>
+          </a:ln>
+        </p:spPr>
+        <p:style>
+          <a:lnRef idx="1">
+            <a:schemeClr val="accent1"/>
+          </a:lnRef>
+          <a:fillRef idx="0">
+            <a:schemeClr val="accent1"/>
+          </a:fillRef>
+          <a:effectRef idx="0">
+            <a:schemeClr val="accent1"/>
+          </a:effectRef>
+          <a:fontRef idx="minor">
+            <a:schemeClr val="tx1"/>
+          </a:fontRef>
+        </p:style>
+      </p:cxnSp>
+      <p:pic>
+        <p:nvPicPr>
+          <p:cNvPr id="2054" name="Picture 6"/>
+          <p:cNvPicPr>
+            <a:picLocks noChangeAspect="1" noChangeArrowheads="1"/>
+          </p:cNvPicPr>
+          <p:nvPr/>
+        </p:nvPicPr>
+        <p:blipFill>
+          <a:blip r:embed="rId5">
+            <a:extLst>
+              <a:ext uri="{28A0092B-C50C-407E-A947-70E740481C1C}">
+                <a14:useLocalDpi xmlns:a14="http://schemas.microsoft.com/office/drawing/2010/main" val="0"/>
+              </a:ext>
+            </a:extLst>
+          </a:blip>
+          <a:srcRect/>
+          <a:stretch>
+            <a:fillRect/>
+          </a:stretch>
+        </p:blipFill>
+        <p:spPr bwMode="auto">
+          <a:xfrm>
+            <a:off x="6705600" y="4534530"/>
+            <a:ext cx="2143125" cy="2143125"/>
+          </a:xfrm>
+          <a:prstGeom prst="rect">
+            <a:avLst/>
+          </a:prstGeom>
+          <a:noFill/>
+          <a:ln>
+            <a:noFill/>
+          </a:ln>
+          <a:extLst>
+            <a:ext uri="{909E8E84-426E-40DD-AFC4-6F175D3DCCD1}">
+              <a14:hiddenFill xmlns:a14="http://schemas.microsoft.com/office/drawing/2010/main">
+                <a:solidFill>
+                  <a:schemeClr val="accent1"/>
+                </a:solidFill>
+              </a14:hiddenFill>
+            </a:ext>
+            <a:ext uri="{91240B29-F687-4F45-9708-019B960494DF}">
+              <a14:hiddenLine xmlns:a14="http://schemas.microsoft.com/office/drawing/2010/main" w="9525">
+                <a:solidFill>
+                  <a:schemeClr val="tx1"/>
+                </a:solidFill>
+                <a:miter lim="800000"/>
+                <a:headEnd/>
+                <a:tailEnd/>
+              </a14:hiddenLine>
+            </a:ext>
+          </a:extLst>
+        </p:spPr>
+      </p:pic>
+      <p:cxnSp>
+        <p:nvCxnSpPr>
+          <p:cNvPr id="13" name="Curved Connector 12"/>
+          <p:cNvCxnSpPr>
+            <a:endCxn id="2054" idx="1"/>
+          </p:cNvCxnSpPr>
+          <p:nvPr/>
+        </p:nvCxnSpPr>
+        <p:spPr>
+          <a:xfrm rot="16200000" flipH="1">
+            <a:off x="4994104" y="3894596"/>
+            <a:ext cx="1719893" cy="1703099"/>
+          </a:xfrm>
+          <a:prstGeom prst="curvedConnector2">
+            <a:avLst/>
+          </a:prstGeom>
+          <a:ln>
+            <a:tailEnd type="arrow"/>
+          </a:ln>
+        </p:spPr>
+        <p:style>
+          <a:lnRef idx="1">
+            <a:schemeClr val="accent1"/>
+          </a:lnRef>
+          <a:fillRef idx="0">
+            <a:schemeClr val="accent1"/>
+          </a:fillRef>
+          <a:effectRef idx="0">
+            <a:schemeClr val="accent1"/>
+          </a:effectRef>
+          <a:fontRef idx="minor">
+            <a:schemeClr val="tx1"/>
+          </a:fontRef>
+        </p:style>
+      </p:cxnSp>
+    </p:spTree>
+    <p:extLst>
+      <p:ext uri="{BB962C8B-B14F-4D97-AF65-F5344CB8AC3E}">
+        <p14:creationId xmlns:p14="http://schemas.microsoft.com/office/powerpoint/2010/main" val="2626559053"/>
+      </p:ext>
+    </p:extLst>
+  </p:cSld>
+  <p:clrMapOvr>
+    <a:masterClrMapping/>
+  </p:clrMapOvr>
+  <p:timing>
+    <p:tnLst>
+      <p:par>
+        <p:cTn id="1" dur="indefinite" restart="never" nodeType="tmRoot"/>
+      </p:par>
+    </p:tnLst>
+  </p:timing>
+</p:sld>
+</file>
+
+<file path=ppt/slides/slide20.xml><?xml version="1.0" encoding="utf-8"?>
+<p:sld xmlns:a="http://schemas.openxmlformats.org/drawingml/2006/main" xmlns:r="http://schemas.openxmlformats.org/officeDocument/2006/relationships" xmlns:p="http://schemas.openxmlformats.org/presentationml/2006/main">
+  <p:cSld>
+    <p:spTree>
+      <p:nvGrpSpPr>
+        <p:cNvPr id="1" name=""/>
+        <p:cNvGrpSpPr/>
+        <p:nvPr/>
+      </p:nvGrpSpPr>
+      <p:grpSpPr>
+        <a:xfrm>
+          <a:off x="0" y="0"/>
+          <a:ext cx="0" cy="0"/>
+          <a:chOff x="0" y="0"/>
+          <a:chExt cx="0" cy="0"/>
+        </a:xfrm>
+      </p:grpSpPr>
+      <p:sp>
+        <p:nvSpPr>
+          <p:cNvPr id="2" name="Title 1"/>
+          <p:cNvSpPr>
+            <a:spLocks noGrp="1"/>
+          </p:cNvSpPr>
+          <p:nvPr>
+            <p:ph type="ctrTitle"/>
+          </p:nvPr>
+        </p:nvSpPr>
+        <p:spPr/>
+        <p:txBody>
+          <a:bodyPr/>
+          <a:lstStyle/>
+          <a:p>
+            <a:r>
+              <a:rPr lang="en-GB" dirty="0" err="1" smtClean="0"/>
+              <a:t>SpatialLite</a:t>
+            </a:r>
+            <a:r>
+              <a:rPr lang="en-GB" dirty="0" smtClean="0"/>
+              <a:t> Android</a:t>
+            </a:r>
+            <a:endParaRPr lang="en-GB" dirty="0"/>
+          </a:p>
+        </p:txBody>
+      </p:sp>
+      <p:sp>
+        <p:nvSpPr>
+          <p:cNvPr id="3" name="Subtitle 2"/>
+          <p:cNvSpPr>
+            <a:spLocks noGrp="1"/>
+          </p:cNvSpPr>
+          <p:nvPr>
+            <p:ph type="subTitle" idx="1"/>
+          </p:nvPr>
+        </p:nvSpPr>
+        <p:spPr/>
+        <p:txBody>
+          <a:bodyPr/>
+          <a:lstStyle/>
+          <a:p>
+            <a:endParaRPr lang="en-GB"/>
+          </a:p>
+        </p:txBody>
+      </p:sp>
+    </p:spTree>
+    <p:extLst>
+      <p:ext uri="{BB962C8B-B14F-4D97-AF65-F5344CB8AC3E}">
+        <p14:creationId xmlns:p14="http://schemas.microsoft.com/office/powerpoint/2010/main" val="4196412464"/>
+      </p:ext>
+    </p:extLst>
+  </p:cSld>
+  <p:clrMapOvr>
+    <a:masterClrMapping/>
+  </p:clrMapOvr>
+</p:sld>
+</file>
+
+<file path=ppt/slides/slide21.xml><?xml version="1.0" encoding="utf-8"?>
+<p:sld xmlns:a="http://schemas.openxmlformats.org/drawingml/2006/main" xmlns:r="http://schemas.openxmlformats.org/officeDocument/2006/relationships" xmlns:p="http://schemas.openxmlformats.org/presentationml/2006/main">
+  <p:cSld>
+    <p:spTree>
+      <p:nvGrpSpPr>
+        <p:cNvPr id="1" name=""/>
+        <p:cNvGrpSpPr/>
+        <p:nvPr/>
+      </p:nvGrpSpPr>
+      <p:grpSpPr>
+        <a:xfrm>
+          <a:off x="0" y="0"/>
+          <a:ext cx="0" cy="0"/>
+          <a:chOff x="0" y="0"/>
+          <a:chExt cx="0" cy="0"/>
+        </a:xfrm>
+      </p:grpSpPr>
+      <p:sp>
+        <p:nvSpPr>
+          <p:cNvPr id="2" name="Title 1"/>
+          <p:cNvSpPr>
+            <a:spLocks noGrp="1"/>
+          </p:cNvSpPr>
+          <p:nvPr>
+            <p:ph type="title"/>
+          </p:nvPr>
+        </p:nvSpPr>
+        <p:spPr/>
+        <p:txBody>
+          <a:bodyPr/>
+          <a:lstStyle/>
+          <a:p>
+            <a:r>
+              <a:rPr lang="en-GB" dirty="0" smtClean="0"/>
+              <a:t>Install Eclipse Android Plugin</a:t>
+            </a:r>
+            <a:endParaRPr lang="en-GB" dirty="0"/>
+          </a:p>
+        </p:txBody>
+      </p:sp>
+      <p:sp>
+        <p:nvSpPr>
+          <p:cNvPr id="3" name="Content Placeholder 2"/>
+          <p:cNvSpPr>
+            <a:spLocks noGrp="1"/>
+          </p:cNvSpPr>
+          <p:nvPr>
+            <p:ph idx="1"/>
+          </p:nvPr>
+        </p:nvSpPr>
+        <p:spPr/>
+        <p:txBody>
+          <a:bodyPr/>
+          <a:lstStyle/>
+          <a:p>
+            <a:r>
+              <a:rPr lang="en-GB" dirty="0" smtClean="0"/>
+              <a:t>Install Android SDK</a:t>
+            </a:r>
+          </a:p>
+          <a:p>
+            <a:r>
+              <a:rPr lang="en-GB" dirty="0" smtClean="0"/>
+              <a:t>Install Eclipse</a:t>
+            </a:r>
+          </a:p>
+          <a:p>
+            <a:r>
+              <a:rPr lang="en-GB" dirty="0" smtClean="0"/>
+              <a:t>Install Android Developer Plugin</a:t>
+            </a:r>
+            <a:endParaRPr lang="en-GB" dirty="0"/>
+          </a:p>
+        </p:txBody>
+      </p:sp>
+    </p:spTree>
+    <p:extLst>
+      <p:ext uri="{BB962C8B-B14F-4D97-AF65-F5344CB8AC3E}">
+        <p14:creationId xmlns:p14="http://schemas.microsoft.com/office/powerpoint/2010/main" val="3190041263"/>
+      </p:ext>
+    </p:extLst>
+  </p:cSld>
+  <p:clrMapOvr>
+    <a:masterClrMapping/>
+  </p:clrMapOvr>
+</p:sld>
+</file>
+
+<file path=ppt/slides/slide22.xml><?xml version="1.0" encoding="utf-8"?>
+<p:sld xmlns:a="http://schemas.openxmlformats.org/drawingml/2006/main" xmlns:r="http://schemas.openxmlformats.org/officeDocument/2006/relationships" xmlns:p="http://schemas.openxmlformats.org/presentationml/2006/main">
+  <p:cSld>
+    <p:spTree>
+      <p:nvGrpSpPr>
+        <p:cNvPr id="1" name=""/>
+        <p:cNvGrpSpPr/>
+        <p:nvPr/>
+      </p:nvGrpSpPr>
+      <p:grpSpPr>
+        <a:xfrm>
+          <a:off x="0" y="0"/>
+          <a:ext cx="0" cy="0"/>
+          <a:chOff x="0" y="0"/>
+          <a:chExt cx="0" cy="0"/>
+        </a:xfrm>
+      </p:grpSpPr>
+      <p:sp>
+        <p:nvSpPr>
+          <p:cNvPr id="2" name="Title 1"/>
+          <p:cNvSpPr>
+            <a:spLocks noGrp="1"/>
+          </p:cNvSpPr>
+          <p:nvPr>
+            <p:ph type="title"/>
+          </p:nvPr>
+        </p:nvSpPr>
+        <p:spPr/>
+        <p:txBody>
+          <a:bodyPr/>
+          <a:lstStyle/>
+          <a:p>
+            <a:r>
+              <a:rPr lang="en-GB" dirty="0" smtClean="0"/>
+              <a:t>Create Android Project</a:t>
+            </a:r>
+            <a:endParaRPr lang="en-GB" dirty="0"/>
+          </a:p>
+        </p:txBody>
+      </p:sp>
+      <p:sp>
+        <p:nvSpPr>
+          <p:cNvPr id="3" name="Content Placeholder 2"/>
+          <p:cNvSpPr>
+            <a:spLocks noGrp="1"/>
+          </p:cNvSpPr>
+          <p:nvPr>
+            <p:ph idx="1"/>
+          </p:nvPr>
+        </p:nvSpPr>
+        <p:spPr/>
+        <p:txBody>
+          <a:bodyPr/>
+          <a:lstStyle/>
+          <a:p>
+            <a:endParaRPr lang="en-GB"/>
+          </a:p>
+        </p:txBody>
+      </p:sp>
+    </p:spTree>
+    <p:extLst>
+      <p:ext uri="{BB962C8B-B14F-4D97-AF65-F5344CB8AC3E}">
+        <p14:creationId xmlns:p14="http://schemas.microsoft.com/office/powerpoint/2010/main" val="461242641"/>
+      </p:ext>
+    </p:extLst>
+  </p:cSld>
+  <p:clrMapOvr>
+    <a:masterClrMapping/>
+  </p:clrMapOvr>
+</p:sld>
+</file>
+
+<file path=ppt/slides/slide23.xml><?xml version="1.0" encoding="utf-8"?>
+<p:sld xmlns:a="http://schemas.openxmlformats.org/drawingml/2006/main" xmlns:r="http://schemas.openxmlformats.org/officeDocument/2006/relationships" xmlns:p="http://schemas.openxmlformats.org/presentationml/2006/main">
+  <p:cSld>
+    <p:spTree>
+      <p:nvGrpSpPr>
+        <p:cNvPr id="1" name=""/>
+        <p:cNvGrpSpPr/>
+        <p:nvPr/>
+      </p:nvGrpSpPr>
+      <p:grpSpPr>
+        <a:xfrm>
+          <a:off x="0" y="0"/>
+          <a:ext cx="0" cy="0"/>
+          <a:chOff x="0" y="0"/>
+          <a:chExt cx="0" cy="0"/>
+        </a:xfrm>
+      </p:grpSpPr>
+      <p:sp>
+        <p:nvSpPr>
+          <p:cNvPr id="2" name="Title 1"/>
+          <p:cNvSpPr>
+            <a:spLocks noGrp="1"/>
+          </p:cNvSpPr>
+          <p:nvPr>
+            <p:ph type="title"/>
+          </p:nvPr>
+        </p:nvSpPr>
+        <p:spPr/>
+        <p:txBody>
+          <a:bodyPr/>
+          <a:lstStyle/>
+          <a:p>
+            <a:r>
+              <a:rPr lang="en-GB" dirty="0" smtClean="0"/>
+              <a:t>Copy In the </a:t>
+            </a:r>
+            <a:r>
+              <a:rPr lang="en-GB" dirty="0" err="1" smtClean="0"/>
+              <a:t>SpatiaLite</a:t>
+            </a:r>
+            <a:r>
+              <a:rPr lang="en-GB" dirty="0" smtClean="0"/>
+              <a:t> Library</a:t>
+            </a:r>
+            <a:endParaRPr lang="en-GB" dirty="0"/>
+          </a:p>
+        </p:txBody>
+      </p:sp>
+      <p:sp>
+        <p:nvSpPr>
+          <p:cNvPr id="3" name="Content Placeholder 2"/>
+          <p:cNvSpPr>
+            <a:spLocks noGrp="1"/>
+          </p:cNvSpPr>
+          <p:nvPr>
+            <p:ph idx="1"/>
+          </p:nvPr>
+        </p:nvSpPr>
+        <p:spPr/>
+        <p:txBody>
+          <a:bodyPr/>
+          <a:lstStyle/>
+          <a:p>
+            <a:r>
+              <a:rPr lang="en-GB" dirty="0" smtClean="0"/>
+              <a:t>To the libs folder</a:t>
+            </a:r>
+            <a:endParaRPr lang="en-GB" dirty="0"/>
+          </a:p>
+        </p:txBody>
+      </p:sp>
+    </p:spTree>
+    <p:extLst>
+      <p:ext uri="{BB962C8B-B14F-4D97-AF65-F5344CB8AC3E}">
+        <p14:creationId xmlns:p14="http://schemas.microsoft.com/office/powerpoint/2010/main" val="833365000"/>
+      </p:ext>
+    </p:extLst>
+  </p:cSld>
+  <p:clrMapOvr>
+    <a:masterClrMapping/>
+  </p:clrMapOvr>
+</p:sld>
+</file>
+
+<file path=ppt/slides/slide24.xml><?xml version="1.0" encoding="utf-8"?>
+<p:sld xmlns:a="http://schemas.openxmlformats.org/drawingml/2006/main" xmlns:r="http://schemas.openxmlformats.org/officeDocument/2006/relationships" xmlns:p="http://schemas.openxmlformats.org/presentationml/2006/main">
+  <p:cSld>
+    <p:spTree>
+      <p:nvGrpSpPr>
+        <p:cNvPr id="1" name=""/>
+        <p:cNvGrpSpPr/>
+        <p:nvPr/>
+      </p:nvGrpSpPr>
+      <p:grpSpPr>
+        <a:xfrm>
+          <a:off x="0" y="0"/>
+          <a:ext cx="0" cy="0"/>
+          <a:chOff x="0" y="0"/>
+          <a:chExt cx="0" cy="0"/>
+        </a:xfrm>
+      </p:grpSpPr>
+      <p:sp>
+        <p:nvSpPr>
+          <p:cNvPr id="2" name="Title 1"/>
+          <p:cNvSpPr>
+            <a:spLocks noGrp="1"/>
+          </p:cNvSpPr>
+          <p:nvPr>
+            <p:ph type="title"/>
+          </p:nvPr>
+        </p:nvSpPr>
+        <p:spPr/>
+        <p:txBody>
+          <a:bodyPr/>
+          <a:lstStyle/>
+          <a:p>
+            <a:r>
+              <a:rPr lang="en-GB" dirty="0" smtClean="0"/>
+              <a:t>Gain Inspiration</a:t>
+            </a:r>
+            <a:endParaRPr lang="en-GB" dirty="0"/>
+          </a:p>
+        </p:txBody>
+      </p:sp>
+      <p:sp>
+        <p:nvSpPr>
+          <p:cNvPr id="3" name="Content Placeholder 2"/>
+          <p:cNvSpPr>
+            <a:spLocks noGrp="1"/>
+          </p:cNvSpPr>
+          <p:nvPr>
+            <p:ph idx="1"/>
+          </p:nvPr>
+        </p:nvSpPr>
+        <p:spPr/>
+        <p:txBody>
+          <a:bodyPr/>
+          <a:lstStyle/>
+          <a:p>
+            <a:r>
+              <a:rPr lang="en-GB" dirty="0" smtClean="0"/>
+              <a:t>From Cookbook and US Army examples</a:t>
+            </a:r>
+            <a:endParaRPr lang="en-GB" dirty="0"/>
+          </a:p>
+        </p:txBody>
+      </p:sp>
+    </p:spTree>
+    <p:extLst>
+      <p:ext uri="{BB962C8B-B14F-4D97-AF65-F5344CB8AC3E}">
+        <p14:creationId xmlns:p14="http://schemas.microsoft.com/office/powerpoint/2010/main" val="2810254164"/>
+      </p:ext>
+    </p:extLst>
+  </p:cSld>
+  <p:clrMapOvr>
+    <a:masterClrMapping/>
+  </p:clrMapOvr>
+</p:sld>
+</file>
+
+<file path=ppt/slides/slide25.xml><?xml version="1.0" encoding="utf-8"?>
+<p:sld xmlns:a="http://schemas.openxmlformats.org/drawingml/2006/main" xmlns:r="http://schemas.openxmlformats.org/officeDocument/2006/relationships" xmlns:p="http://schemas.openxmlformats.org/presentationml/2006/main">
+  <p:cSld>
+    <p:spTree>
+      <p:nvGrpSpPr>
+        <p:cNvPr id="1" name=""/>
+        <p:cNvGrpSpPr/>
+        <p:nvPr/>
+      </p:nvGrpSpPr>
+      <p:grpSpPr>
+        <a:xfrm>
+          <a:off x="0" y="0"/>
+          <a:ext cx="0" cy="0"/>
+          <a:chOff x="0" y="0"/>
+          <a:chExt cx="0" cy="0"/>
+        </a:xfrm>
+      </p:grpSpPr>
+      <p:sp>
+        <p:nvSpPr>
+          <p:cNvPr id="2" name="Title 1"/>
+          <p:cNvSpPr>
+            <a:spLocks noGrp="1"/>
+          </p:cNvSpPr>
+          <p:nvPr>
+            <p:ph type="title"/>
+          </p:nvPr>
+        </p:nvSpPr>
+        <p:spPr/>
+        <p:txBody>
+          <a:bodyPr/>
+          <a:lstStyle/>
+          <a:p>
+            <a:r>
+              <a:rPr lang="en-GB" dirty="0" err="1" smtClean="0"/>
+              <a:t>SpatiaLite</a:t>
+            </a:r>
+            <a:r>
+              <a:rPr lang="en-GB" dirty="0" smtClean="0"/>
+              <a:t> Android</a:t>
+            </a:r>
+            <a:endParaRPr lang="en-GB" dirty="0"/>
+          </a:p>
+        </p:txBody>
+      </p:sp>
+      <p:sp>
+        <p:nvSpPr>
+          <p:cNvPr id="3" name="Content Placeholder 2"/>
+          <p:cNvSpPr>
+            <a:spLocks noGrp="1"/>
+          </p:cNvSpPr>
+          <p:nvPr>
+            <p:ph idx="1"/>
+          </p:nvPr>
+        </p:nvSpPr>
+        <p:spPr/>
+        <p:txBody>
+          <a:bodyPr>
+            <a:normAutofit/>
+          </a:bodyPr>
+          <a:lstStyle/>
+          <a:p>
+            <a:r>
+              <a:rPr lang="en-GB" dirty="0" smtClean="0"/>
+              <a:t>Download from:</a:t>
+            </a:r>
+          </a:p>
+          <a:p>
+            <a:r>
+              <a:rPr lang="en-GB" dirty="0" smtClean="0">
+                <a:hlinkClick r:id="rId2"/>
+              </a:rPr>
+              <a:t>https://bitbucket.org/moovida/spatialite-android-example/downloads</a:t>
+            </a:r>
+            <a:endParaRPr lang="en-GB" dirty="0" smtClean="0"/>
+          </a:p>
+          <a:p>
+            <a:r>
+              <a:rPr lang="en-GB" dirty="0" smtClean="0"/>
+              <a:t>Tutorial here:</a:t>
+            </a:r>
+          </a:p>
+          <a:p>
+            <a:r>
+              <a:rPr lang="en-GB" dirty="0" smtClean="0">
+                <a:hlinkClick r:id="rId3"/>
+              </a:rPr>
+              <a:t>https://www.gaia-gis.it/fossil/libspatialite/wiki?name=spatialite-android-tutorial</a:t>
+            </a:r>
+            <a:endParaRPr lang="en-GB" dirty="0" smtClean="0"/>
+          </a:p>
+          <a:p>
+            <a:endParaRPr lang="en-GB" dirty="0"/>
+          </a:p>
+        </p:txBody>
+      </p:sp>
+    </p:spTree>
+    <p:extLst>
+      <p:ext uri="{BB962C8B-B14F-4D97-AF65-F5344CB8AC3E}">
+        <p14:creationId xmlns:p14="http://schemas.microsoft.com/office/powerpoint/2010/main" val="3435425804"/>
       </p:ext>
     </p:extLst>
   </p:cSld>
@@ -4500,197 +6084,9 @@
           <a:chExt cx="0" cy="0"/>
         </a:xfrm>
       </p:grpSpPr>
-      <p:sp>
-        <p:nvSpPr>
-          <p:cNvPr id="4" name="Flowchart: Magnetic Disk 3"/>
-          <p:cNvSpPr/>
-          <p:nvPr/>
-        </p:nvSpPr>
-        <p:spPr>
-          <a:xfrm>
-            <a:off x="609600" y="4883270"/>
-            <a:ext cx="2286000" cy="1295400"/>
-          </a:xfrm>
-          <a:prstGeom prst="flowChartMagneticDisk">
-            <a:avLst/>
-          </a:prstGeom>
-        </p:spPr>
-        <p:style>
-          <a:lnRef idx="2">
-            <a:schemeClr val="accent1">
-              <a:shade val="50000"/>
-            </a:schemeClr>
-          </a:lnRef>
-          <a:fillRef idx="1">
-            <a:schemeClr val="accent1"/>
-          </a:fillRef>
-          <a:effectRef idx="0">
-            <a:schemeClr val="accent1"/>
-          </a:effectRef>
-          <a:fontRef idx="minor">
-            <a:schemeClr val="lt1"/>
-          </a:fontRef>
-        </p:style>
-        <p:txBody>
-          <a:bodyPr rtlCol="0" anchor="ctr"/>
-          <a:lstStyle/>
-          <a:p>
-            <a:pPr algn="ctr"/>
-            <a:r>
-              <a:rPr lang="en-GB" dirty="0" err="1" smtClean="0"/>
-              <a:t>SpatiaLite</a:t>
-            </a:r>
-            <a:endParaRPr lang="en-GB" dirty="0"/>
-          </a:p>
-        </p:txBody>
-      </p:sp>
-      <p:sp>
-        <p:nvSpPr>
-          <p:cNvPr id="5" name="Title 1"/>
-          <p:cNvSpPr>
-            <a:spLocks noGrp="1"/>
-          </p:cNvSpPr>
-          <p:nvPr>
-            <p:ph type="title"/>
-          </p:nvPr>
-        </p:nvSpPr>
-        <p:spPr>
-          <a:xfrm>
-            <a:off x="457200" y="274638"/>
-            <a:ext cx="8229600" cy="1143000"/>
-          </a:xfrm>
-        </p:spPr>
-        <p:txBody>
-          <a:bodyPr/>
-          <a:lstStyle/>
-          <a:p>
-            <a:r>
-              <a:rPr lang="en-GB" dirty="0" smtClean="0"/>
-              <a:t>Move the </a:t>
-            </a:r>
-            <a:r>
-              <a:rPr lang="en-GB" dirty="0" err="1" smtClean="0"/>
-              <a:t>SpatialLite</a:t>
-            </a:r>
-            <a:r>
-              <a:rPr lang="en-GB" dirty="0" smtClean="0"/>
-              <a:t> DB to Android</a:t>
-            </a:r>
-            <a:endParaRPr lang="en-GB" dirty="0"/>
-          </a:p>
-        </p:txBody>
-      </p:sp>
-      <p:sp>
-        <p:nvSpPr>
-          <p:cNvPr id="6" name="TextBox 5"/>
-          <p:cNvSpPr txBox="1"/>
-          <p:nvPr/>
-        </p:nvSpPr>
-        <p:spPr>
-          <a:xfrm>
-            <a:off x="762000" y="1828800"/>
-            <a:ext cx="1407758" cy="369332"/>
-          </a:xfrm>
-          <a:prstGeom prst="rect">
-            <a:avLst/>
-          </a:prstGeom>
-          <a:noFill/>
-        </p:spPr>
-        <p:txBody>
-          <a:bodyPr wrap="none" rtlCol="0">
-            <a:spAutoFit/>
-          </a:bodyPr>
-          <a:lstStyle/>
-          <a:p>
-            <a:r>
-              <a:rPr lang="en-GB" dirty="0" smtClean="0"/>
-              <a:t>Single file DB</a:t>
-            </a:r>
-            <a:endParaRPr lang="en-GB" dirty="0"/>
-          </a:p>
-        </p:txBody>
-      </p:sp>
-      <p:sp>
-        <p:nvSpPr>
-          <p:cNvPr id="7" name="AutoShape 2" descr="Image result for android tablet"/>
-          <p:cNvSpPr>
-            <a:spLocks noChangeAspect="1" noChangeArrowheads="1"/>
-          </p:cNvSpPr>
-          <p:nvPr/>
-        </p:nvSpPr>
-        <p:spPr bwMode="auto">
-          <a:xfrm>
-            <a:off x="155575" y="-144463"/>
-            <a:ext cx="304800" cy="304801"/>
-          </a:xfrm>
-          <a:prstGeom prst="rect">
-            <a:avLst/>
-          </a:prstGeom>
-          <a:noFill/>
-          <a:extLst>
-            <a:ext uri="{909E8E84-426E-40DD-AFC4-6F175D3DCCD1}">
-              <a14:hiddenFill xmlns:a14="http://schemas.microsoft.com/office/drawing/2010/main">
-                <a:solidFill>
-                  <a:srgbClr val="FFFFFF"/>
-                </a:solidFill>
-              </a14:hiddenFill>
-            </a:ext>
-          </a:extLst>
-        </p:spPr>
-        <p:txBody>
-          <a:bodyPr vert="horz" wrap="square" lIns="91440" tIns="45720" rIns="91440" bIns="45720" numCol="1" anchor="t" anchorCtr="0" compatLnSpc="1">
-            <a:prstTxWarp prst="textNoShape">
-              <a:avLst/>
-            </a:prstTxWarp>
-          </a:bodyPr>
-          <a:lstStyle/>
-          <a:p>
-            <a:endParaRPr lang="en-GB"/>
-          </a:p>
-        </p:txBody>
-      </p:sp>
-      <p:sp>
-        <p:nvSpPr>
-          <p:cNvPr id="8" name="AutoShape 4" descr="Image result for android tablet"/>
-          <p:cNvSpPr>
-            <a:spLocks noChangeAspect="1" noChangeArrowheads="1"/>
-          </p:cNvSpPr>
-          <p:nvPr/>
-        </p:nvSpPr>
-        <p:spPr bwMode="auto">
-          <a:xfrm>
-            <a:off x="307975" y="7937"/>
-            <a:ext cx="304800" cy="304801"/>
-          </a:xfrm>
-          <a:prstGeom prst="rect">
-            <a:avLst/>
-          </a:prstGeom>
-          <a:noFill/>
-          <a:extLst>
-            <a:ext uri="{909E8E84-426E-40DD-AFC4-6F175D3DCCD1}">
-              <a14:hiddenFill xmlns:a14="http://schemas.microsoft.com/office/drawing/2010/main">
-                <a:solidFill>
-                  <a:srgbClr val="FFFFFF"/>
-                </a:solidFill>
-              </a14:hiddenFill>
-            </a:ext>
-          </a:extLst>
-        </p:spPr>
-        <p:txBody>
-          <a:bodyPr vert="horz" wrap="square" lIns="91440" tIns="45720" rIns="91440" bIns="45720" numCol="1" anchor="t" anchorCtr="0" compatLnSpc="1">
-            <a:prstTxWarp prst="textNoShape">
-              <a:avLst/>
-            </a:prstTxWarp>
-          </a:bodyPr>
-          <a:lstStyle/>
-          <a:p>
-            <a:endParaRPr lang="en-GB"/>
-          </a:p>
-        </p:txBody>
-      </p:sp>
       <p:pic>
         <p:nvPicPr>
-          <p:cNvPr id="2053" name="Picture 5"/>
+          <p:cNvPr id="2050" name="Picture 2"/>
           <p:cNvPicPr>
             <a:picLocks noChangeAspect="1" noChangeArrowheads="1"/>
           </p:cNvPicPr>
@@ -4711,8 +6107,113 @@
         </p:blipFill>
         <p:spPr bwMode="auto">
           <a:xfrm>
-            <a:off x="5029200" y="2133600"/>
-            <a:ext cx="2552700" cy="1790700"/>
+            <a:off x="831056" y="306079"/>
+            <a:ext cx="1792287" cy="1257608"/>
+          </a:xfrm>
+          <a:prstGeom prst="rect">
+            <a:avLst/>
+          </a:prstGeom>
+          <a:noFill/>
+          <a:ln>
+            <a:noFill/>
+          </a:ln>
+          <a:effectLst/>
+          <a:extLst>
+            <a:ext uri="{909E8E84-426E-40DD-AFC4-6F175D3DCCD1}">
+              <a14:hiddenFill xmlns:a14="http://schemas.microsoft.com/office/drawing/2010/main">
+                <a:solidFill>
+                  <a:schemeClr val="accent1"/>
+                </a:solidFill>
+              </a14:hiddenFill>
+            </a:ext>
+            <a:ext uri="{91240B29-F687-4F45-9708-019B960494DF}">
+              <a14:hiddenLine xmlns:a14="http://schemas.microsoft.com/office/drawing/2010/main" w="9525">
+                <a:solidFill>
+                  <a:schemeClr val="tx1"/>
+                </a:solidFill>
+                <a:miter lim="800000"/>
+                <a:headEnd/>
+                <a:tailEnd/>
+              </a14:hiddenLine>
+            </a:ext>
+            <a:ext uri="{AF507438-7753-43E0-B8FC-AC1667EBCBE1}">
+              <a14:hiddenEffects xmlns:a14="http://schemas.microsoft.com/office/drawing/2010/main">
+                <a:effectLst>
+                  <a:outerShdw dist="35921" dir="2700000" algn="ctr" rotWithShape="0">
+                    <a:schemeClr val="bg2"/>
+                  </a:outerShdw>
+                </a:effectLst>
+              </a14:hiddenEffects>
+            </a:ext>
+          </a:extLst>
+        </p:spPr>
+      </p:pic>
+      <p:pic>
+        <p:nvPicPr>
+          <p:cNvPr id="2051" name="Picture 3" descr="C:\Users\Miff\AppData\Local\Microsoft\Windows\INetCache\IE\HOYEI894\cloud[1].png"/>
+          <p:cNvPicPr>
+            <a:picLocks noChangeAspect="1" noChangeArrowheads="1"/>
+          </p:cNvPicPr>
+          <p:nvPr/>
+        </p:nvPicPr>
+        <p:blipFill>
+          <a:blip r:embed="rId3">
+            <a:extLst>
+              <a:ext uri="{28A0092B-C50C-407E-A947-70E740481C1C}">
+                <a14:useLocalDpi xmlns:a14="http://schemas.microsoft.com/office/drawing/2010/main" val="0"/>
+              </a:ext>
+            </a:extLst>
+          </a:blip>
+          <a:srcRect/>
+          <a:stretch>
+            <a:fillRect/>
+          </a:stretch>
+        </p:blipFill>
+        <p:spPr bwMode="auto">
+          <a:xfrm>
+            <a:off x="3505200" y="2667000"/>
+            <a:ext cx="2994602" cy="1467716"/>
+          </a:xfrm>
+          <a:prstGeom prst="rect">
+            <a:avLst/>
+          </a:prstGeom>
+          <a:noFill/>
+          <a:extLst>
+            <a:ext uri="{909E8E84-426E-40DD-AFC4-6F175D3DCCD1}">
+              <a14:hiddenFill xmlns:a14="http://schemas.microsoft.com/office/drawing/2010/main">
+                <a:solidFill>
+                  <a:srgbClr val="FFFFFF"/>
+                </a:solidFill>
+              </a14:hiddenFill>
+            </a:ext>
+          </a:extLst>
+        </p:spPr>
+      </p:pic>
+      <p:pic>
+        <p:nvPicPr>
+          <p:cNvPr id="2053" name="Picture 5"/>
+          <p:cNvPicPr>
+            <a:picLocks noChangeAspect="1" noChangeArrowheads="1"/>
+          </p:cNvPicPr>
+          <p:nvPr/>
+        </p:nvPicPr>
+        <p:blipFill>
+          <a:blip r:embed="rId4" cstate="print">
+            <a:extLst>
+              <a:ext uri="{28A0092B-C50C-407E-A947-70E740481C1C}">
+                <a14:useLocalDpi xmlns:a14="http://schemas.microsoft.com/office/drawing/2010/main" val="0"/>
+              </a:ext>
+            </a:extLst>
+          </a:blip>
+          <a:srcRect/>
+          <a:stretch>
+            <a:fillRect/>
+          </a:stretch>
+        </p:blipFill>
+        <p:spPr bwMode="auto">
+          <a:xfrm>
+            <a:off x="3040856" y="1598193"/>
+            <a:ext cx="1080831" cy="741825"/>
           </a:xfrm>
           <a:prstGeom prst="rect">
             <a:avLst/>
@@ -4744,18 +6245,19 @@
       </p:pic>
       <p:cxnSp>
         <p:nvCxnSpPr>
-          <p:cNvPr id="10" name="Straight Arrow Connector 9"/>
+          <p:cNvPr id="5" name="Curved Connector 4"/>
           <p:cNvCxnSpPr>
-            <a:stCxn id="4" idx="1"/>
+            <a:stCxn id="2050" idx="3"/>
+            <a:endCxn id="2053" idx="0"/>
           </p:cNvCxnSpPr>
           <p:nvPr/>
         </p:nvCxnSpPr>
         <p:spPr>
-          <a:xfrm flipV="1">
-            <a:off x="1752600" y="3581400"/>
-            <a:ext cx="3429000" cy="1301870"/>
-          </a:xfrm>
-          <a:prstGeom prst="straightConnector1">
+          <a:xfrm>
+            <a:off x="2623343" y="934883"/>
+            <a:ext cx="957929" cy="663310"/>
+          </a:xfrm>
+          <a:prstGeom prst="curvedConnector2">
             <a:avLst/>
           </a:prstGeom>
           <a:ln>
@@ -4777,189 +6279,52 @@
           </a:fontRef>
         </p:style>
       </p:cxnSp>
-      <p:sp>
-        <p:nvSpPr>
-          <p:cNvPr id="11" name="TextBox 10"/>
-          <p:cNvSpPr txBox="1"/>
+      <p:cxnSp>
+        <p:nvCxnSpPr>
+          <p:cNvPr id="9" name="Curved Connector 8"/>
+          <p:cNvCxnSpPr>
+            <a:stCxn id="2053" idx="2"/>
+            <a:endCxn id="2051" idx="0"/>
+          </p:cNvCxnSpPr>
           <p:nvPr/>
-        </p:nvSpPr>
+        </p:nvCxnSpPr>
         <p:spPr>
-          <a:xfrm>
-            <a:off x="2971800" y="3924300"/>
-            <a:ext cx="562975" cy="369332"/>
-          </a:xfrm>
-          <a:prstGeom prst="rect">
+          <a:xfrm rot="16200000" flipH="1">
+            <a:off x="4128395" y="1792894"/>
+            <a:ext cx="326982" cy="1421229"/>
+          </a:xfrm>
+          <a:prstGeom prst="curvedConnector3">
             <a:avLst/>
           </a:prstGeom>
-          <a:noFill/>
-        </p:spPr>
-        <p:txBody>
-          <a:bodyPr wrap="none" rtlCol="0">
-            <a:spAutoFit/>
-          </a:bodyPr>
-          <a:lstStyle/>
-          <a:p>
-            <a:r>
-              <a:rPr lang="en-GB" dirty="0" smtClean="0"/>
-              <a:t>USB</a:t>
-            </a:r>
-            <a:endParaRPr lang="en-GB" dirty="0"/>
-          </a:p>
-        </p:txBody>
-      </p:sp>
-    </p:spTree>
-    <p:extLst>
-      <p:ext uri="{BB962C8B-B14F-4D97-AF65-F5344CB8AC3E}">
-        <p14:creationId xmlns:p14="http://schemas.microsoft.com/office/powerpoint/2010/main" val="3822035023"/>
-      </p:ext>
-    </p:extLst>
-  </p:cSld>
-  <p:clrMapOvr>
-    <a:masterClrMapping/>
-  </p:clrMapOvr>
-</p:sld>
-</file>
-
-<file path=ppt/slides/slide4.xml><?xml version="1.0" encoding="utf-8"?>
-<p:sld xmlns:a="http://schemas.openxmlformats.org/drawingml/2006/main" xmlns:r="http://schemas.openxmlformats.org/officeDocument/2006/relationships" xmlns:p="http://schemas.openxmlformats.org/presentationml/2006/main">
-  <p:cSld>
-    <p:spTree>
-      <p:nvGrpSpPr>
-        <p:cNvPr id="1" name=""/>
-        <p:cNvGrpSpPr/>
-        <p:nvPr/>
-      </p:nvGrpSpPr>
-      <p:grpSpPr>
-        <a:xfrm>
-          <a:off x="0" y="0"/>
-          <a:ext cx="0" cy="0"/>
-          <a:chOff x="0" y="0"/>
-          <a:chExt cx="0" cy="0"/>
-        </a:xfrm>
-      </p:grpSpPr>
-      <p:sp>
-        <p:nvSpPr>
-          <p:cNvPr id="2" name="Title 1"/>
-          <p:cNvSpPr>
-            <a:spLocks noGrp="1"/>
-          </p:cNvSpPr>
-          <p:nvPr>
-            <p:ph type="ctrTitle"/>
-          </p:nvPr>
-        </p:nvSpPr>
-        <p:spPr/>
-        <p:txBody>
-          <a:bodyPr/>
-          <a:lstStyle/>
-          <a:p>
-            <a:r>
-              <a:rPr lang="en-GB" dirty="0" smtClean="0"/>
-              <a:t>Create a </a:t>
-            </a:r>
-            <a:r>
-              <a:rPr lang="en-GB" dirty="0" err="1" smtClean="0"/>
-              <a:t>SpatialLite</a:t>
-            </a:r>
-            <a:r>
-              <a:rPr lang="en-GB" dirty="0" smtClean="0"/>
-              <a:t> DB</a:t>
-            </a:r>
-            <a:endParaRPr lang="en-GB" dirty="0"/>
-          </a:p>
-        </p:txBody>
-      </p:sp>
-      <p:sp>
-        <p:nvSpPr>
-          <p:cNvPr id="3" name="Subtitle 2"/>
-          <p:cNvSpPr>
-            <a:spLocks noGrp="1"/>
-          </p:cNvSpPr>
-          <p:nvPr>
-            <p:ph type="subTitle" idx="1"/>
-          </p:nvPr>
-        </p:nvSpPr>
-        <p:spPr/>
-        <p:txBody>
-          <a:bodyPr/>
-          <a:lstStyle/>
-          <a:p>
-            <a:endParaRPr lang="en-GB"/>
-          </a:p>
-        </p:txBody>
-      </p:sp>
-    </p:spTree>
-    <p:extLst>
-      <p:ext uri="{BB962C8B-B14F-4D97-AF65-F5344CB8AC3E}">
-        <p14:creationId xmlns:p14="http://schemas.microsoft.com/office/powerpoint/2010/main" val="212433831"/>
-      </p:ext>
-    </p:extLst>
-  </p:cSld>
-  <p:clrMapOvr>
-    <a:masterClrMapping/>
-  </p:clrMapOvr>
-</p:sld>
-</file>
-
-<file path=ppt/slides/slide5.xml><?xml version="1.0" encoding="utf-8"?>
-<p:sld xmlns:a="http://schemas.openxmlformats.org/drawingml/2006/main" xmlns:r="http://schemas.openxmlformats.org/officeDocument/2006/relationships" xmlns:p="http://schemas.openxmlformats.org/presentationml/2006/main">
-  <p:cSld>
-    <p:spTree>
-      <p:nvGrpSpPr>
-        <p:cNvPr id="1" name=""/>
-        <p:cNvGrpSpPr/>
-        <p:nvPr/>
-      </p:nvGrpSpPr>
-      <p:grpSpPr>
-        <a:xfrm>
-          <a:off x="0" y="0"/>
-          <a:ext cx="0" cy="0"/>
-          <a:chOff x="0" y="0"/>
-          <a:chExt cx="0" cy="0"/>
-        </a:xfrm>
-      </p:grpSpPr>
-      <p:sp>
-        <p:nvSpPr>
-          <p:cNvPr id="2" name="Title 1"/>
-          <p:cNvSpPr>
-            <a:spLocks noGrp="1"/>
-          </p:cNvSpPr>
-          <p:nvPr>
-            <p:ph type="title"/>
-          </p:nvPr>
-        </p:nvSpPr>
-        <p:spPr/>
-        <p:txBody>
-          <a:bodyPr/>
-          <a:lstStyle/>
-          <a:p>
-            <a:r>
-              <a:rPr lang="en-GB" dirty="0" smtClean="0"/>
-              <a:t>Download The </a:t>
-            </a:r>
-            <a:r>
-              <a:rPr lang="en-GB" dirty="0" err="1" smtClean="0"/>
-              <a:t>SpatiaLite</a:t>
-            </a:r>
-            <a:r>
-              <a:rPr lang="en-GB" dirty="0" smtClean="0"/>
-              <a:t> GUI</a:t>
-            </a:r>
-            <a:endParaRPr lang="en-GB" dirty="0"/>
-          </a:p>
-        </p:txBody>
-      </p:sp>
+          <a:ln>
+            <a:tailEnd type="arrow"/>
+          </a:ln>
+        </p:spPr>
+        <p:style>
+          <a:lnRef idx="1">
+            <a:schemeClr val="accent1"/>
+          </a:lnRef>
+          <a:fillRef idx="0">
+            <a:schemeClr val="accent1"/>
+          </a:fillRef>
+          <a:effectRef idx="0">
+            <a:schemeClr val="accent1"/>
+          </a:effectRef>
+          <a:fontRef idx="minor">
+            <a:schemeClr val="tx1"/>
+          </a:fontRef>
+        </p:style>
+      </p:cxnSp>
       <p:pic>
         <p:nvPicPr>
-          <p:cNvPr id="6146" name="Picture 2"/>
+          <p:cNvPr id="2054" name="Picture 6"/>
           <p:cNvPicPr>
-            <a:picLocks noGrp="1" noChangeAspect="1" noChangeArrowheads="1"/>
+            <a:picLocks noChangeAspect="1" noChangeArrowheads="1"/>
           </p:cNvPicPr>
-          <p:nvPr>
-            <p:ph idx="1"/>
-          </p:nvPr>
+          <p:nvPr/>
         </p:nvPicPr>
         <p:blipFill>
-          <a:blip r:embed="rId2">
+          <a:blip r:embed="rId5">
             <a:extLst>
               <a:ext uri="{28A0092B-C50C-407E-A947-70E740481C1C}">
                 <a14:useLocalDpi xmlns:a14="http://schemas.microsoft.com/office/drawing/2010/main" val="0"/>
@@ -4973,8 +6338,8 @@
         </p:blipFill>
         <p:spPr bwMode="auto">
           <a:xfrm>
-            <a:off x="457200" y="1783023"/>
-            <a:ext cx="8229600" cy="4160317"/>
+            <a:off x="6705600" y="4534530"/>
+            <a:ext cx="2143125" cy="2143125"/>
           </a:xfrm>
           <a:prstGeom prst="rect">
             <a:avLst/>
@@ -5004,20 +6369,160 @@
           </a:extLst>
         </p:spPr>
       </p:pic>
+      <p:cxnSp>
+        <p:nvCxnSpPr>
+          <p:cNvPr id="13" name="Curved Connector 12"/>
+          <p:cNvCxnSpPr>
+            <a:endCxn id="2054" idx="1"/>
+          </p:cNvCxnSpPr>
+          <p:nvPr/>
+        </p:nvCxnSpPr>
+        <p:spPr>
+          <a:xfrm rot="16200000" flipH="1">
+            <a:off x="4994104" y="3894596"/>
+            <a:ext cx="1719893" cy="1703099"/>
+          </a:xfrm>
+          <a:prstGeom prst="curvedConnector2">
+            <a:avLst/>
+          </a:prstGeom>
+          <a:ln>
+            <a:tailEnd type="arrow"/>
+          </a:ln>
+        </p:spPr>
+        <p:style>
+          <a:lnRef idx="1">
+            <a:schemeClr val="accent1"/>
+          </a:lnRef>
+          <a:fillRef idx="0">
+            <a:schemeClr val="accent1"/>
+          </a:fillRef>
+          <a:effectRef idx="0">
+            <a:schemeClr val="accent1"/>
+          </a:effectRef>
+          <a:fontRef idx="minor">
+            <a:schemeClr val="tx1"/>
+          </a:fontRef>
+        </p:style>
+      </p:cxnSp>
+      <p:sp>
+        <p:nvSpPr>
+          <p:cNvPr id="3" name="Oval 2"/>
+          <p:cNvSpPr/>
+          <p:nvPr/>
+        </p:nvSpPr>
+        <p:spPr>
+          <a:xfrm>
+            <a:off x="2385520" y="1462842"/>
+            <a:ext cx="2186480" cy="975558"/>
+          </a:xfrm>
+          <a:prstGeom prst="ellipse">
+            <a:avLst/>
+          </a:prstGeom>
+          <a:noFill/>
+          <a:ln>
+            <a:solidFill>
+              <a:srgbClr val="FF0000"/>
+            </a:solidFill>
+          </a:ln>
+        </p:spPr>
+        <p:style>
+          <a:lnRef idx="2">
+            <a:schemeClr val="accent1">
+              <a:shade val="50000"/>
+            </a:schemeClr>
+          </a:lnRef>
+          <a:fillRef idx="1">
+            <a:schemeClr val="accent1"/>
+          </a:fillRef>
+          <a:effectRef idx="0">
+            <a:schemeClr val="accent1"/>
+          </a:effectRef>
+          <a:fontRef idx="minor">
+            <a:schemeClr val="lt1"/>
+          </a:fontRef>
+        </p:style>
+        <p:txBody>
+          <a:bodyPr rtlCol="0" anchor="ctr"/>
+          <a:lstStyle/>
+          <a:p>
+            <a:pPr algn="ctr"/>
+            <a:endParaRPr lang="en-GB"/>
+          </a:p>
+        </p:txBody>
+      </p:sp>
+      <p:sp>
+        <p:nvSpPr>
+          <p:cNvPr id="7" name="TextBox 6"/>
+          <p:cNvSpPr txBox="1"/>
+          <p:nvPr/>
+        </p:nvSpPr>
+        <p:spPr>
+          <a:xfrm>
+            <a:off x="4911290" y="838198"/>
+            <a:ext cx="3177024" cy="646331"/>
+          </a:xfrm>
+          <a:prstGeom prst="rect">
+            <a:avLst/>
+          </a:prstGeom>
+          <a:noFill/>
+        </p:spPr>
+        <p:txBody>
+          <a:bodyPr wrap="none" rtlCol="0">
+            <a:spAutoFit/>
+          </a:bodyPr>
+          <a:lstStyle/>
+          <a:p>
+            <a:r>
+              <a:rPr lang="en-GB" dirty="0" smtClean="0"/>
+              <a:t>No </a:t>
+            </a:r>
+            <a:r>
+              <a:rPr lang="en-GB" dirty="0" err="1" smtClean="0"/>
+              <a:t>WiFi</a:t>
+            </a:r>
+            <a:r>
+              <a:rPr lang="en-GB" dirty="0" smtClean="0"/>
+              <a:t> / 3G / </a:t>
+            </a:r>
+            <a:r>
+              <a:rPr lang="en-GB" dirty="0" err="1" smtClean="0"/>
+              <a:t>SatCom</a:t>
+            </a:r>
+            <a:r>
+              <a:rPr lang="en-GB" dirty="0" smtClean="0"/>
+              <a:t> available</a:t>
+            </a:r>
+          </a:p>
+          <a:p>
+            <a:r>
+              <a:rPr lang="en-GB" dirty="0" smtClean="0"/>
+              <a:t>Crypto issues</a:t>
+            </a:r>
+            <a:endParaRPr lang="en-GB" dirty="0"/>
+          </a:p>
+        </p:txBody>
+      </p:sp>
     </p:spTree>
     <p:extLst>
       <p:ext uri="{BB962C8B-B14F-4D97-AF65-F5344CB8AC3E}">
-        <p14:creationId xmlns:p14="http://schemas.microsoft.com/office/powerpoint/2010/main" val="2405700267"/>
+        <p14:creationId xmlns:p14="http://schemas.microsoft.com/office/powerpoint/2010/main" val="3903957157"/>
       </p:ext>
     </p:extLst>
   </p:cSld>
   <p:clrMapOvr>
     <a:masterClrMapping/>
   </p:clrMapOvr>
+  <p:timing>
+    <p:tnLst>
+      <p:par>
+        <p:cTn id="1" dur="indefinite" restart="never" nodeType="tmRoot"/>
+      </p:par>
+    </p:tnLst>
+  </p:timing>
 </p:sld>
 </file>
 
-<file path=ppt/slides/slide6.xml><?xml version="1.0" encoding="utf-8"?>
+<file path=ppt/slides/slide4.xml><?xml version="1.0" encoding="utf-8"?>
 <p:sld xmlns:a="http://schemas.openxmlformats.org/drawingml/2006/main" xmlns:r="http://schemas.openxmlformats.org/officeDocument/2006/relationships" xmlns:p="http://schemas.openxmlformats.org/presentationml/2006/main">
   <p:cSld>
     <p:spTree>
@@ -5034,44 +6539,13 @@
           <a:chExt cx="0" cy="0"/>
         </a:xfrm>
       </p:grpSpPr>
-      <p:sp>
-        <p:nvSpPr>
-          <p:cNvPr id="2" name="Title 1"/>
-          <p:cNvSpPr>
-            <a:spLocks noGrp="1"/>
-          </p:cNvSpPr>
-          <p:nvPr>
-            <p:ph type="title"/>
-          </p:nvPr>
-        </p:nvSpPr>
-        <p:spPr>
-          <a:ln>
-            <a:solidFill>
-              <a:schemeClr val="accent1"/>
-            </a:solidFill>
-          </a:ln>
-        </p:spPr>
-        <p:txBody>
-          <a:bodyPr/>
-          <a:lstStyle/>
-          <a:p>
-            <a:r>
-              <a:rPr lang="en-GB" dirty="0" smtClean="0"/>
-              <a:t>Create the DB file</a:t>
-            </a:r>
-            <a:endParaRPr lang="en-GB" dirty="0"/>
-          </a:p>
-        </p:txBody>
-      </p:sp>
       <p:pic>
         <p:nvPicPr>
-          <p:cNvPr id="1026" name="Picture 2"/>
+          <p:cNvPr id="2050" name="Picture 2"/>
           <p:cNvPicPr>
-            <a:picLocks noGrp="1" noChangeAspect="1" noChangeArrowheads="1"/>
+            <a:picLocks noChangeAspect="1" noChangeArrowheads="1"/>
           </p:cNvPicPr>
-          <p:nvPr>
-            <p:ph idx="1"/>
-          </p:nvPr>
+          <p:nvPr/>
         </p:nvPicPr>
         <p:blipFill>
           <a:blip r:embed="rId2">
@@ -5088,8 +6562,72 @@
         </p:blipFill>
         <p:spPr bwMode="auto">
           <a:xfrm>
-            <a:off x="457200" y="1762509"/>
-            <a:ext cx="8229600" cy="4201344"/>
+            <a:off x="831056" y="306079"/>
+            <a:ext cx="1792287" cy="1257608"/>
+          </a:xfrm>
+          <a:prstGeom prst="rect">
+            <a:avLst/>
+          </a:prstGeom>
+          <a:noFill/>
+          <a:ln>
+            <a:noFill/>
+          </a:ln>
+          <a:effectLst/>
+          <a:extLst>
+            <a:ext uri="{909E8E84-426E-40DD-AFC4-6F175D3DCCD1}">
+              <a14:hiddenFill xmlns:a14="http://schemas.microsoft.com/office/drawing/2010/main">
+                <a:solidFill>
+                  <a:schemeClr val="accent1"/>
+                </a:solidFill>
+              </a14:hiddenFill>
+            </a:ext>
+            <a:ext uri="{91240B29-F687-4F45-9708-019B960494DF}">
+              <a14:hiddenLine xmlns:a14="http://schemas.microsoft.com/office/drawing/2010/main" w="9525">
+                <a:solidFill>
+                  <a:schemeClr val="tx1"/>
+                </a:solidFill>
+                <a:miter lim="800000"/>
+                <a:headEnd/>
+                <a:tailEnd/>
+              </a14:hiddenLine>
+            </a:ext>
+            <a:ext uri="{AF507438-7753-43E0-B8FC-AC1667EBCBE1}">
+              <a14:hiddenEffects xmlns:a14="http://schemas.microsoft.com/office/drawing/2010/main">
+                <a:effectLst>
+                  <a:outerShdw dist="35921" dir="2700000" algn="ctr" rotWithShape="0">
+                    <a:schemeClr val="bg2"/>
+                  </a:outerShdw>
+                </a:effectLst>
+              </a14:hiddenEffects>
+            </a:ext>
+          </a:extLst>
+        </p:spPr>
+      </p:pic>
+      <p:pic>
+        <p:nvPicPr>
+          <p:cNvPr id="2054" name="Picture 6"/>
+          <p:cNvPicPr>
+            <a:picLocks noChangeAspect="1" noChangeArrowheads="1"/>
+          </p:cNvPicPr>
+          <p:nvPr/>
+        </p:nvPicPr>
+        <p:blipFill>
+          <a:blip r:embed="rId3">
+            <a:extLst>
+              <a:ext uri="{28A0092B-C50C-407E-A947-70E740481C1C}">
+                <a14:useLocalDpi xmlns:a14="http://schemas.microsoft.com/office/drawing/2010/main" val="0"/>
+              </a:ext>
+            </a:extLst>
+          </a:blip>
+          <a:srcRect/>
+          <a:stretch>
+            <a:fillRect/>
+          </a:stretch>
+        </p:blipFill>
+        <p:spPr bwMode="auto">
+          <a:xfrm>
+            <a:off x="6705600" y="4534530"/>
+            <a:ext cx="2143125" cy="2143125"/>
           </a:xfrm>
           <a:prstGeom prst="rect">
             <a:avLst/>
@@ -5119,20 +6657,99 @@
           </a:extLst>
         </p:spPr>
       </p:pic>
+      <p:cxnSp>
+        <p:nvCxnSpPr>
+          <p:cNvPr id="4" name="Curved Connector 3"/>
+          <p:cNvCxnSpPr>
+            <a:stCxn id="2050" idx="3"/>
+            <a:endCxn id="2054" idx="1"/>
+          </p:cNvCxnSpPr>
+          <p:nvPr/>
+        </p:nvCxnSpPr>
+        <p:spPr>
+          <a:xfrm>
+            <a:off x="2623343" y="934883"/>
+            <a:ext cx="4082257" cy="4671210"/>
+          </a:xfrm>
+          <a:prstGeom prst="curvedConnector3">
+            <a:avLst/>
+          </a:prstGeom>
+          <a:ln w="44450">
+            <a:solidFill>
+              <a:schemeClr val="bg1">
+                <a:lumMod val="65000"/>
+              </a:schemeClr>
+            </a:solidFill>
+            <a:headEnd type="diamond"/>
+            <a:tailEnd type="diamond"/>
+          </a:ln>
+        </p:spPr>
+        <p:style>
+          <a:lnRef idx="1">
+            <a:schemeClr val="accent1"/>
+          </a:lnRef>
+          <a:fillRef idx="0">
+            <a:schemeClr val="accent1"/>
+          </a:fillRef>
+          <a:effectRef idx="0">
+            <a:schemeClr val="accent1"/>
+          </a:effectRef>
+          <a:fontRef idx="minor">
+            <a:schemeClr val="tx1"/>
+          </a:fontRef>
+        </p:style>
+      </p:cxnSp>
+      <p:sp>
+        <p:nvSpPr>
+          <p:cNvPr id="6" name="TextBox 5"/>
+          <p:cNvSpPr txBox="1"/>
+          <p:nvPr/>
+        </p:nvSpPr>
+        <p:spPr>
+          <a:xfrm>
+            <a:off x="5029200" y="1828800"/>
+            <a:ext cx="3163495" cy="369332"/>
+          </a:xfrm>
+          <a:prstGeom prst="rect">
+            <a:avLst/>
+          </a:prstGeom>
+          <a:noFill/>
+        </p:spPr>
+        <p:txBody>
+          <a:bodyPr wrap="none" rtlCol="0">
+            <a:spAutoFit/>
+          </a:bodyPr>
+          <a:lstStyle/>
+          <a:p>
+            <a:r>
+              <a:rPr lang="en-GB" dirty="0" smtClean="0"/>
+              <a:t>Wired Tablet…not very practical</a:t>
+            </a:r>
+            <a:endParaRPr lang="en-GB" dirty="0"/>
+          </a:p>
+        </p:txBody>
+      </p:sp>
     </p:spTree>
     <p:extLst>
       <p:ext uri="{BB962C8B-B14F-4D97-AF65-F5344CB8AC3E}">
-        <p14:creationId xmlns:p14="http://schemas.microsoft.com/office/powerpoint/2010/main" val="1969356150"/>
+        <p14:creationId xmlns:p14="http://schemas.microsoft.com/office/powerpoint/2010/main" val="1550518712"/>
       </p:ext>
     </p:extLst>
   </p:cSld>
   <p:clrMapOvr>
     <a:masterClrMapping/>
   </p:clrMapOvr>
+  <p:timing>
+    <p:tnLst>
+      <p:par>
+        <p:cTn id="1" dur="indefinite" restart="never" nodeType="tmRoot"/>
+      </p:par>
+    </p:tnLst>
+  </p:timing>
 </p:sld>
 </file>
 
-<file path=ppt/slides/slide7.xml><?xml version="1.0" encoding="utf-8"?>
+<file path=ppt/slides/slide5.xml><?xml version="1.0" encoding="utf-8"?>
 <p:sld xmlns:a="http://schemas.openxmlformats.org/drawingml/2006/main" xmlns:r="http://schemas.openxmlformats.org/officeDocument/2006/relationships" xmlns:p="http://schemas.openxmlformats.org/presentationml/2006/main">
   <p:cSld>
     <p:spTree>
@@ -5149,38 +6766,13 @@
           <a:chExt cx="0" cy="0"/>
         </a:xfrm>
       </p:grpSpPr>
-      <p:sp>
-        <p:nvSpPr>
-          <p:cNvPr id="2" name="Title 1"/>
-          <p:cNvSpPr>
-            <a:spLocks noGrp="1"/>
-          </p:cNvSpPr>
-          <p:nvPr>
-            <p:ph type="title"/>
-          </p:nvPr>
-        </p:nvSpPr>
-        <p:spPr/>
-        <p:txBody>
-          <a:bodyPr/>
-          <a:lstStyle/>
-          <a:p>
-            <a:r>
-              <a:rPr lang="en-GB" dirty="0" smtClean="0"/>
-              <a:t>Create a Table</a:t>
-            </a:r>
-            <a:endParaRPr lang="en-GB" dirty="0"/>
-          </a:p>
-        </p:txBody>
-      </p:sp>
       <p:pic>
         <p:nvPicPr>
           <p:cNvPr id="2050" name="Picture 2"/>
           <p:cNvPicPr>
-            <a:picLocks noGrp="1" noChangeAspect="1" noChangeArrowheads="1"/>
+            <a:picLocks noChangeAspect="1" noChangeArrowheads="1"/>
           </p:cNvPicPr>
-          <p:nvPr>
-            <p:ph idx="1"/>
-          </p:nvPr>
+          <p:nvPr/>
         </p:nvPicPr>
         <p:blipFill>
           <a:blip r:embed="rId2">
@@ -5197,8 +6789,72 @@
         </p:blipFill>
         <p:spPr bwMode="auto">
           <a:xfrm>
-            <a:off x="1060741" y="1600200"/>
-            <a:ext cx="7022517" cy="4525963"/>
+            <a:off x="831056" y="306079"/>
+            <a:ext cx="1792287" cy="1257608"/>
+          </a:xfrm>
+          <a:prstGeom prst="rect">
+            <a:avLst/>
+          </a:prstGeom>
+          <a:noFill/>
+          <a:ln>
+            <a:noFill/>
+          </a:ln>
+          <a:effectLst/>
+          <a:extLst>
+            <a:ext uri="{909E8E84-426E-40DD-AFC4-6F175D3DCCD1}">
+              <a14:hiddenFill xmlns:a14="http://schemas.microsoft.com/office/drawing/2010/main">
+                <a:solidFill>
+                  <a:schemeClr val="accent1"/>
+                </a:solidFill>
+              </a14:hiddenFill>
+            </a:ext>
+            <a:ext uri="{91240B29-F687-4F45-9708-019B960494DF}">
+              <a14:hiddenLine xmlns:a14="http://schemas.microsoft.com/office/drawing/2010/main" w="9525">
+                <a:solidFill>
+                  <a:schemeClr val="tx1"/>
+                </a:solidFill>
+                <a:miter lim="800000"/>
+                <a:headEnd/>
+                <a:tailEnd/>
+              </a14:hiddenLine>
+            </a:ext>
+            <a:ext uri="{AF507438-7753-43E0-B8FC-AC1667EBCBE1}">
+              <a14:hiddenEffects xmlns:a14="http://schemas.microsoft.com/office/drawing/2010/main">
+                <a:effectLst>
+                  <a:outerShdw dist="35921" dir="2700000" algn="ctr" rotWithShape="0">
+                    <a:schemeClr val="bg2"/>
+                  </a:outerShdw>
+                </a:effectLst>
+              </a14:hiddenEffects>
+            </a:ext>
+          </a:extLst>
+        </p:spPr>
+      </p:pic>
+      <p:pic>
+        <p:nvPicPr>
+          <p:cNvPr id="2054" name="Picture 6"/>
+          <p:cNvPicPr>
+            <a:picLocks noChangeAspect="1" noChangeArrowheads="1"/>
+          </p:cNvPicPr>
+          <p:nvPr/>
+        </p:nvPicPr>
+        <p:blipFill>
+          <a:blip r:embed="rId3">
+            <a:extLst>
+              <a:ext uri="{28A0092B-C50C-407E-A947-70E740481C1C}">
+                <a14:useLocalDpi xmlns:a14="http://schemas.microsoft.com/office/drawing/2010/main" val="0"/>
+              </a:ext>
+            </a:extLst>
+          </a:blip>
+          <a:srcRect/>
+          <a:stretch>
+            <a:fillRect/>
+          </a:stretch>
+        </p:blipFill>
+        <p:spPr bwMode="auto">
+          <a:xfrm>
+            <a:off x="6705600" y="4534530"/>
+            <a:ext cx="2143125" cy="2143125"/>
           </a:xfrm>
           <a:prstGeom prst="rect">
             <a:avLst/>
@@ -5228,71 +6884,16 @@
           </a:extLst>
         </p:spPr>
       </p:pic>
-    </p:spTree>
-    <p:extLst>
-      <p:ext uri="{BB962C8B-B14F-4D97-AF65-F5344CB8AC3E}">
-        <p14:creationId xmlns:p14="http://schemas.microsoft.com/office/powerpoint/2010/main" val="1777542247"/>
-      </p:ext>
-    </p:extLst>
-  </p:cSld>
-  <p:clrMapOvr>
-    <a:masterClrMapping/>
-  </p:clrMapOvr>
-</p:sld>
-</file>
-
-<file path=ppt/slides/slide8.xml><?xml version="1.0" encoding="utf-8"?>
-<p:sld xmlns:a="http://schemas.openxmlformats.org/drawingml/2006/main" xmlns:r="http://schemas.openxmlformats.org/officeDocument/2006/relationships" xmlns:p="http://schemas.openxmlformats.org/presentationml/2006/main">
-  <p:cSld>
-    <p:spTree>
-      <p:nvGrpSpPr>
-        <p:cNvPr id="1" name=""/>
-        <p:cNvGrpSpPr/>
-        <p:nvPr/>
-      </p:nvGrpSpPr>
-      <p:grpSpPr>
-        <a:xfrm>
-          <a:off x="0" y="0"/>
-          <a:ext cx="0" cy="0"/>
-          <a:chOff x="0" y="0"/>
-          <a:chExt cx="0" cy="0"/>
-        </a:xfrm>
-      </p:grpSpPr>
-      <p:sp>
-        <p:nvSpPr>
-          <p:cNvPr id="2" name="Title 1"/>
-          <p:cNvSpPr>
-            <a:spLocks noGrp="1"/>
-          </p:cNvSpPr>
-          <p:nvPr>
-            <p:ph type="title"/>
-          </p:nvPr>
-        </p:nvSpPr>
-        <p:spPr/>
-        <p:txBody>
-          <a:bodyPr/>
-          <a:lstStyle/>
-          <a:p>
-            <a:r>
-              <a:rPr lang="en-GB" dirty="0" smtClean="0"/>
-              <a:t>Add the Geometry Column</a:t>
-            </a:r>
-            <a:endParaRPr lang="en-GB" dirty="0"/>
-          </a:p>
-        </p:txBody>
-      </p:sp>
       <p:pic>
         <p:nvPicPr>
           <p:cNvPr id="3074" name="Picture 2"/>
           <p:cNvPicPr>
-            <a:picLocks noGrp="1" noChangeAspect="1" noChangeArrowheads="1"/>
+            <a:picLocks noChangeAspect="1" noChangeArrowheads="1"/>
           </p:cNvPicPr>
-          <p:nvPr>
-            <p:ph idx="1"/>
-          </p:nvPr>
+          <p:nvPr/>
         </p:nvPicPr>
         <p:blipFill>
-          <a:blip r:embed="rId2">
+          <a:blip r:embed="rId4">
             <a:extLst>
               <a:ext uri="{28A0092B-C50C-407E-A947-70E740481C1C}">
                 <a14:useLocalDpi xmlns:a14="http://schemas.microsoft.com/office/drawing/2010/main" val="0"/>
@@ -5306,8 +6907,8 @@
         </p:blipFill>
         <p:spPr bwMode="auto">
           <a:xfrm>
-            <a:off x="596984" y="1600200"/>
-            <a:ext cx="7950031" cy="4525963"/>
+            <a:off x="3733800" y="2667000"/>
+            <a:ext cx="1452562" cy="1452562"/>
           </a:xfrm>
           <a:prstGeom prst="rect">
             <a:avLst/>
@@ -5337,16 +6938,1177 @@
           </a:extLst>
         </p:spPr>
       </p:pic>
+      <p:cxnSp>
+        <p:nvCxnSpPr>
+          <p:cNvPr id="3" name="Curved Connector 2"/>
+          <p:cNvCxnSpPr>
+            <a:stCxn id="2054" idx="0"/>
+            <a:endCxn id="3074" idx="3"/>
+          </p:cNvCxnSpPr>
+          <p:nvPr/>
+        </p:nvCxnSpPr>
+        <p:spPr>
+          <a:xfrm rot="16200000" flipV="1">
+            <a:off x="5911139" y="2668505"/>
+            <a:ext cx="1141249" cy="2590801"/>
+          </a:xfrm>
+          <a:prstGeom prst="curvedConnector2">
+            <a:avLst/>
+          </a:prstGeom>
+          <a:ln>
+            <a:tailEnd type="arrow"/>
+          </a:ln>
+        </p:spPr>
+        <p:style>
+          <a:lnRef idx="1">
+            <a:schemeClr val="accent1"/>
+          </a:lnRef>
+          <a:fillRef idx="0">
+            <a:schemeClr val="accent1"/>
+          </a:fillRef>
+          <a:effectRef idx="0">
+            <a:schemeClr val="accent1"/>
+          </a:effectRef>
+          <a:fontRef idx="minor">
+            <a:schemeClr val="tx1"/>
+          </a:fontRef>
+        </p:style>
+      </p:cxnSp>
+      <p:cxnSp>
+        <p:nvCxnSpPr>
+          <p:cNvPr id="9" name="Curved Connector 8"/>
+          <p:cNvCxnSpPr>
+            <a:stCxn id="3074" idx="2"/>
+            <a:endCxn id="2054" idx="1"/>
+          </p:cNvCxnSpPr>
+          <p:nvPr/>
+        </p:nvCxnSpPr>
+        <p:spPr>
+          <a:xfrm rot="16200000" flipH="1">
+            <a:off x="4839575" y="3740067"/>
+            <a:ext cx="1486531" cy="2245519"/>
+          </a:xfrm>
+          <a:prstGeom prst="curvedConnector2">
+            <a:avLst/>
+          </a:prstGeom>
+          <a:ln>
+            <a:tailEnd type="arrow"/>
+          </a:ln>
+        </p:spPr>
+        <p:style>
+          <a:lnRef idx="1">
+            <a:schemeClr val="accent1"/>
+          </a:lnRef>
+          <a:fillRef idx="0">
+            <a:schemeClr val="accent1"/>
+          </a:fillRef>
+          <a:effectRef idx="0">
+            <a:schemeClr val="accent1"/>
+          </a:effectRef>
+          <a:fontRef idx="minor">
+            <a:schemeClr val="tx1"/>
+          </a:fontRef>
+        </p:style>
+      </p:cxnSp>
+      <p:cxnSp>
+        <p:nvCxnSpPr>
+          <p:cNvPr id="14" name="Curved Connector 13"/>
+          <p:cNvCxnSpPr>
+            <a:stCxn id="2050" idx="2"/>
+            <a:endCxn id="3074" idx="1"/>
+          </p:cNvCxnSpPr>
+          <p:nvPr/>
+        </p:nvCxnSpPr>
+        <p:spPr>
+          <a:xfrm rot="16200000" flipH="1">
+            <a:off x="1815703" y="1475184"/>
+            <a:ext cx="1829594" cy="2006600"/>
+          </a:xfrm>
+          <a:prstGeom prst="curvedConnector2">
+            <a:avLst/>
+          </a:prstGeom>
+          <a:ln>
+            <a:tailEnd type="arrow"/>
+          </a:ln>
+        </p:spPr>
+        <p:style>
+          <a:lnRef idx="1">
+            <a:schemeClr val="accent1"/>
+          </a:lnRef>
+          <a:fillRef idx="0">
+            <a:schemeClr val="accent1"/>
+          </a:fillRef>
+          <a:effectRef idx="0">
+            <a:schemeClr val="accent1"/>
+          </a:effectRef>
+          <a:fontRef idx="minor">
+            <a:schemeClr val="tx1"/>
+          </a:fontRef>
+        </p:style>
+      </p:cxnSp>
+      <p:cxnSp>
+        <p:nvCxnSpPr>
+          <p:cNvPr id="16" name="Curved Connector 15"/>
+          <p:cNvCxnSpPr>
+            <a:stCxn id="3074" idx="0"/>
+            <a:endCxn id="2050" idx="3"/>
+          </p:cNvCxnSpPr>
+          <p:nvPr/>
+        </p:nvCxnSpPr>
+        <p:spPr>
+          <a:xfrm rot="16200000" flipV="1">
+            <a:off x="2675654" y="882573"/>
+            <a:ext cx="1732117" cy="1836738"/>
+          </a:xfrm>
+          <a:prstGeom prst="curvedConnector2">
+            <a:avLst/>
+          </a:prstGeom>
+          <a:ln>
+            <a:tailEnd type="arrow"/>
+          </a:ln>
+        </p:spPr>
+        <p:style>
+          <a:lnRef idx="1">
+            <a:schemeClr val="accent1"/>
+          </a:lnRef>
+          <a:fillRef idx="0">
+            <a:schemeClr val="accent1"/>
+          </a:fillRef>
+          <a:effectRef idx="0">
+            <a:schemeClr val="accent1"/>
+          </a:effectRef>
+          <a:fontRef idx="minor">
+            <a:schemeClr val="tx1"/>
+          </a:fontRef>
+        </p:style>
+      </p:cxnSp>
+      <p:sp>
+        <p:nvSpPr>
+          <p:cNvPr id="17" name="TextBox 16"/>
+          <p:cNvSpPr txBox="1"/>
+          <p:nvPr/>
+        </p:nvSpPr>
+        <p:spPr>
+          <a:xfrm>
+            <a:off x="6097438" y="2958225"/>
+            <a:ext cx="1542730" cy="369332"/>
+          </a:xfrm>
+          <a:prstGeom prst="rect">
+            <a:avLst/>
+          </a:prstGeom>
+          <a:noFill/>
+        </p:spPr>
+        <p:txBody>
+          <a:bodyPr wrap="none" rtlCol="0">
+            <a:spAutoFit/>
+          </a:bodyPr>
+          <a:lstStyle/>
+          <a:p>
+            <a:r>
+              <a:rPr lang="en-GB" dirty="0" smtClean="0"/>
+              <a:t>Snapshot Data</a:t>
+            </a:r>
+            <a:endParaRPr lang="en-GB" dirty="0"/>
+          </a:p>
+        </p:txBody>
+      </p:sp>
+      <p:sp>
+        <p:nvSpPr>
+          <p:cNvPr id="21" name="TextBox 20"/>
+          <p:cNvSpPr txBox="1"/>
+          <p:nvPr/>
+        </p:nvSpPr>
+        <p:spPr>
+          <a:xfrm>
+            <a:off x="4040110" y="922746"/>
+            <a:ext cx="1137171" cy="369332"/>
+          </a:xfrm>
+          <a:prstGeom prst="rect">
+            <a:avLst/>
+          </a:prstGeom>
+          <a:noFill/>
+        </p:spPr>
+        <p:txBody>
+          <a:bodyPr wrap="none" rtlCol="0">
+            <a:spAutoFit/>
+          </a:bodyPr>
+          <a:lstStyle/>
+          <a:p>
+            <a:r>
+              <a:rPr lang="en-GB" dirty="0" smtClean="0"/>
+              <a:t>View Data</a:t>
+            </a:r>
+            <a:endParaRPr lang="en-GB" dirty="0"/>
+          </a:p>
+        </p:txBody>
+      </p:sp>
+      <p:sp>
+        <p:nvSpPr>
+          <p:cNvPr id="22" name="TextBox 21"/>
+          <p:cNvSpPr txBox="1"/>
+          <p:nvPr/>
+        </p:nvSpPr>
+        <p:spPr>
+          <a:xfrm>
+            <a:off x="990600" y="2761777"/>
+            <a:ext cx="1033937" cy="369332"/>
+          </a:xfrm>
+          <a:prstGeom prst="rect">
+            <a:avLst/>
+          </a:prstGeom>
+          <a:noFill/>
+        </p:spPr>
+        <p:txBody>
+          <a:bodyPr wrap="none" rtlCol="0">
+            <a:spAutoFit/>
+          </a:bodyPr>
+          <a:lstStyle/>
+          <a:p>
+            <a:r>
+              <a:rPr lang="en-GB" dirty="0" smtClean="0"/>
+              <a:t>Edit Data</a:t>
+            </a:r>
+            <a:endParaRPr lang="en-GB" dirty="0"/>
+          </a:p>
+        </p:txBody>
+      </p:sp>
+      <p:sp>
+        <p:nvSpPr>
+          <p:cNvPr id="23" name="TextBox 22"/>
+          <p:cNvSpPr txBox="1"/>
+          <p:nvPr/>
+        </p:nvSpPr>
+        <p:spPr>
+          <a:xfrm>
+            <a:off x="4091726" y="5421426"/>
+            <a:ext cx="1800236" cy="369332"/>
+          </a:xfrm>
+          <a:prstGeom prst="rect">
+            <a:avLst/>
+          </a:prstGeom>
+          <a:noFill/>
+        </p:spPr>
+        <p:txBody>
+          <a:bodyPr wrap="none" rtlCol="0">
+            <a:spAutoFit/>
+          </a:bodyPr>
+          <a:lstStyle/>
+          <a:p>
+            <a:r>
+              <a:rPr lang="en-GB" dirty="0" smtClean="0"/>
+              <a:t>Synchronise Data</a:t>
+            </a:r>
+            <a:endParaRPr lang="en-GB" dirty="0"/>
+          </a:p>
+        </p:txBody>
+      </p:sp>
     </p:spTree>
     <p:extLst>
       <p:ext uri="{BB962C8B-B14F-4D97-AF65-F5344CB8AC3E}">
-        <p14:creationId xmlns:p14="http://schemas.microsoft.com/office/powerpoint/2010/main" val="288755058"/>
+        <p14:creationId xmlns:p14="http://schemas.microsoft.com/office/powerpoint/2010/main" val="2623246037"/>
       </p:ext>
     </p:extLst>
   </p:cSld>
   <p:clrMapOvr>
     <a:masterClrMapping/>
   </p:clrMapOvr>
+  <p:timing>
+    <p:tnLst>
+      <p:par>
+        <p:cTn id="1" dur="indefinite" restart="never" nodeType="tmRoot"/>
+      </p:par>
+    </p:tnLst>
+  </p:timing>
+</p:sld>
+</file>
+
+<file path=ppt/slides/slide6.xml><?xml version="1.0" encoding="utf-8"?>
+<p:sld xmlns:a="http://schemas.openxmlformats.org/drawingml/2006/main" xmlns:r="http://schemas.openxmlformats.org/officeDocument/2006/relationships" xmlns:p="http://schemas.openxmlformats.org/presentationml/2006/main">
+  <p:cSld>
+    <p:spTree>
+      <p:nvGrpSpPr>
+        <p:cNvPr id="1" name=""/>
+        <p:cNvGrpSpPr/>
+        <p:nvPr/>
+      </p:nvGrpSpPr>
+      <p:grpSpPr>
+        <a:xfrm>
+          <a:off x="0" y="0"/>
+          <a:ext cx="0" cy="0"/>
+          <a:chOff x="0" y="0"/>
+          <a:chExt cx="0" cy="0"/>
+        </a:xfrm>
+      </p:grpSpPr>
+      <p:sp>
+        <p:nvSpPr>
+          <p:cNvPr id="2" name="Title 1"/>
+          <p:cNvSpPr>
+            <a:spLocks noGrp="1"/>
+          </p:cNvSpPr>
+          <p:nvPr>
+            <p:ph type="title"/>
+          </p:nvPr>
+        </p:nvSpPr>
+        <p:spPr/>
+        <p:txBody>
+          <a:bodyPr/>
+          <a:lstStyle/>
+          <a:p>
+            <a:r>
+              <a:rPr lang="en-GB" dirty="0" smtClean="0"/>
+              <a:t>Select </a:t>
+            </a:r>
+            <a:r>
+              <a:rPr lang="en-GB" dirty="0" smtClean="0"/>
+              <a:t>Raster </a:t>
+            </a:r>
+            <a:r>
+              <a:rPr lang="en-GB" dirty="0" smtClean="0"/>
+              <a:t>and </a:t>
+            </a:r>
+            <a:r>
+              <a:rPr lang="en-GB" dirty="0" smtClean="0"/>
+              <a:t> Vector Layers</a:t>
+            </a:r>
+            <a:endParaRPr lang="en-GB" dirty="0"/>
+          </a:p>
+        </p:txBody>
+      </p:sp>
+      <p:grpSp>
+        <p:nvGrpSpPr>
+          <p:cNvPr id="4" name="Group 3"/>
+          <p:cNvGrpSpPr/>
+          <p:nvPr/>
+        </p:nvGrpSpPr>
+        <p:grpSpPr>
+          <a:xfrm>
+            <a:off x="609600" y="1236453"/>
+            <a:ext cx="5334000" cy="5334000"/>
+            <a:chOff x="609600" y="1236453"/>
+            <a:chExt cx="5334000" cy="5334000"/>
+          </a:xfrm>
+        </p:grpSpPr>
+        <p:pic>
+          <p:nvPicPr>
+            <p:cNvPr id="4098" name="Picture 2"/>
+            <p:cNvPicPr>
+              <a:picLocks noChangeAspect="1" noChangeArrowheads="1"/>
+            </p:cNvPicPr>
+            <p:nvPr/>
+          </p:nvPicPr>
+          <p:blipFill>
+            <a:blip r:embed="rId2">
+              <a:extLst>
+                <a:ext uri="{28A0092B-C50C-407E-A947-70E740481C1C}">
+                  <a14:useLocalDpi xmlns:a14="http://schemas.microsoft.com/office/drawing/2010/main" val="0"/>
+                </a:ext>
+              </a:extLst>
+            </a:blip>
+            <a:srcRect/>
+            <a:stretch>
+              <a:fillRect/>
+            </a:stretch>
+          </p:blipFill>
+          <p:spPr bwMode="auto">
+            <a:xfrm>
+              <a:off x="609600" y="1236453"/>
+              <a:ext cx="5334000" cy="5334000"/>
+            </a:xfrm>
+            <a:prstGeom prst="rect">
+              <a:avLst/>
+            </a:prstGeom>
+            <a:noFill/>
+            <a:ln>
+              <a:noFill/>
+            </a:ln>
+            <a:extLst>
+              <a:ext uri="{909E8E84-426E-40DD-AFC4-6F175D3DCCD1}">
+                <a14:hiddenFill xmlns:a14="http://schemas.microsoft.com/office/drawing/2010/main">
+                  <a:solidFill>
+                    <a:schemeClr val="accent1"/>
+                  </a:solidFill>
+                </a14:hiddenFill>
+              </a:ext>
+              <a:ext uri="{91240B29-F687-4F45-9708-019B960494DF}">
+                <a14:hiddenLine xmlns:a14="http://schemas.microsoft.com/office/drawing/2010/main" w="9525">
+                  <a:solidFill>
+                    <a:schemeClr val="tx1"/>
+                  </a:solidFill>
+                  <a:miter lim="800000"/>
+                  <a:headEnd/>
+                  <a:tailEnd/>
+                </a14:hiddenLine>
+              </a:ext>
+            </a:extLst>
+          </p:spPr>
+        </p:pic>
+        <p:pic>
+          <p:nvPicPr>
+            <p:cNvPr id="1026" name="Picture 2" descr="http://i.stack.imgur.com/pfebf.png"/>
+            <p:cNvPicPr>
+              <a:picLocks noChangeAspect="1" noChangeArrowheads="1"/>
+            </p:cNvPicPr>
+            <p:nvPr/>
+          </p:nvPicPr>
+          <p:blipFill>
+            <a:blip r:embed="rId3">
+              <a:extLst>
+                <a:ext uri="{28A0092B-C50C-407E-A947-70E740481C1C}">
+                  <a14:useLocalDpi xmlns:a14="http://schemas.microsoft.com/office/drawing/2010/main" val="0"/>
+                </a:ext>
+              </a:extLst>
+            </a:blip>
+            <a:srcRect/>
+            <a:stretch>
+              <a:fillRect/>
+            </a:stretch>
+          </p:blipFill>
+          <p:spPr bwMode="auto">
+            <a:xfrm>
+              <a:off x="2209801" y="2286000"/>
+              <a:ext cx="3352800" cy="1905000"/>
+            </a:xfrm>
+            <a:prstGeom prst="rect">
+              <a:avLst/>
+            </a:prstGeom>
+            <a:noFill/>
+            <a:extLst>
+              <a:ext uri="{909E8E84-426E-40DD-AFC4-6F175D3DCCD1}">
+                <a14:hiddenFill xmlns:a14="http://schemas.microsoft.com/office/drawing/2010/main">
+                  <a:solidFill>
+                    <a:srgbClr val="FFFFFF"/>
+                  </a:solidFill>
+                </a14:hiddenFill>
+              </a:ext>
+            </a:extLst>
+          </p:spPr>
+        </p:pic>
+      </p:grpSp>
+      <p:pic>
+        <p:nvPicPr>
+          <p:cNvPr id="4099" name="Picture 3"/>
+          <p:cNvPicPr>
+            <a:picLocks noChangeAspect="1" noChangeArrowheads="1"/>
+          </p:cNvPicPr>
+          <p:nvPr/>
+        </p:nvPicPr>
+        <p:blipFill>
+          <a:blip r:embed="rId4">
+            <a:extLst>
+              <a:ext uri="{28A0092B-C50C-407E-A947-70E740481C1C}">
+                <a14:useLocalDpi xmlns:a14="http://schemas.microsoft.com/office/drawing/2010/main" val="0"/>
+              </a:ext>
+            </a:extLst>
+          </a:blip>
+          <a:srcRect/>
+          <a:stretch>
+            <a:fillRect/>
+          </a:stretch>
+        </p:blipFill>
+        <p:spPr bwMode="auto">
+          <a:xfrm>
+            <a:off x="7162800" y="2740025"/>
+            <a:ext cx="1450975" cy="1450975"/>
+          </a:xfrm>
+          <a:prstGeom prst="rect">
+            <a:avLst/>
+          </a:prstGeom>
+          <a:noFill/>
+          <a:ln>
+            <a:noFill/>
+          </a:ln>
+          <a:effectLst/>
+          <a:extLst>
+            <a:ext uri="{909E8E84-426E-40DD-AFC4-6F175D3DCCD1}">
+              <a14:hiddenFill xmlns:a14="http://schemas.microsoft.com/office/drawing/2010/main">
+                <a:solidFill>
+                  <a:schemeClr val="accent1"/>
+                </a:solidFill>
+              </a14:hiddenFill>
+            </a:ext>
+            <a:ext uri="{91240B29-F687-4F45-9708-019B960494DF}">
+              <a14:hiddenLine xmlns:a14="http://schemas.microsoft.com/office/drawing/2010/main" w="9525">
+                <a:solidFill>
+                  <a:schemeClr val="tx1"/>
+                </a:solidFill>
+                <a:miter lim="800000"/>
+                <a:headEnd/>
+                <a:tailEnd/>
+              </a14:hiddenLine>
+            </a:ext>
+            <a:ext uri="{AF507438-7753-43E0-B8FC-AC1667EBCBE1}">
+              <a14:hiddenEffects xmlns:a14="http://schemas.microsoft.com/office/drawing/2010/main">
+                <a:effectLst>
+                  <a:outerShdw dist="35921" dir="2700000" algn="ctr" rotWithShape="0">
+                    <a:schemeClr val="bg2"/>
+                  </a:outerShdw>
+                </a:effectLst>
+              </a14:hiddenEffects>
+            </a:ext>
+          </a:extLst>
+        </p:spPr>
+      </p:pic>
+      <p:sp>
+        <p:nvSpPr>
+          <p:cNvPr id="3" name="Right Arrow 2"/>
+          <p:cNvSpPr/>
+          <p:nvPr/>
+        </p:nvSpPr>
+        <p:spPr>
+          <a:xfrm>
+            <a:off x="6096000" y="3124200"/>
+            <a:ext cx="914400" cy="609600"/>
+          </a:xfrm>
+          <a:prstGeom prst="rightArrow">
+            <a:avLst/>
+          </a:prstGeom>
+        </p:spPr>
+        <p:style>
+          <a:lnRef idx="2">
+            <a:schemeClr val="accent1">
+              <a:shade val="50000"/>
+            </a:schemeClr>
+          </a:lnRef>
+          <a:fillRef idx="1">
+            <a:schemeClr val="accent1"/>
+          </a:fillRef>
+          <a:effectRef idx="0">
+            <a:schemeClr val="accent1"/>
+          </a:effectRef>
+          <a:fontRef idx="minor">
+            <a:schemeClr val="lt1"/>
+          </a:fontRef>
+        </p:style>
+        <p:txBody>
+          <a:bodyPr rtlCol="0" anchor="ctr"/>
+          <a:lstStyle/>
+          <a:p>
+            <a:pPr algn="ctr"/>
+            <a:endParaRPr lang="en-GB"/>
+          </a:p>
+        </p:txBody>
+      </p:sp>
+    </p:spTree>
+    <p:extLst>
+      <p:ext uri="{BB962C8B-B14F-4D97-AF65-F5344CB8AC3E}">
+        <p14:creationId xmlns:p14="http://schemas.microsoft.com/office/powerpoint/2010/main" val="2070452449"/>
+      </p:ext>
+    </p:extLst>
+  </p:cSld>
+  <p:clrMapOvr>
+    <a:masterClrMapping/>
+  </p:clrMapOvr>
+  <p:timing>
+    <p:tnLst>
+      <p:par>
+        <p:cTn id="1" dur="indefinite" restart="never" nodeType="tmRoot"/>
+      </p:par>
+    </p:tnLst>
+  </p:timing>
+</p:sld>
+</file>
+
+<file path=ppt/slides/slide7.xml><?xml version="1.0" encoding="utf-8"?>
+<p:sld xmlns:a="http://schemas.openxmlformats.org/drawingml/2006/main" xmlns:r="http://schemas.openxmlformats.org/officeDocument/2006/relationships" xmlns:p="http://schemas.openxmlformats.org/presentationml/2006/main">
+  <p:cSld>
+    <p:spTree>
+      <p:nvGrpSpPr>
+        <p:cNvPr id="1" name=""/>
+        <p:cNvGrpSpPr/>
+        <p:nvPr/>
+      </p:nvGrpSpPr>
+      <p:grpSpPr>
+        <a:xfrm>
+          <a:off x="0" y="0"/>
+          <a:ext cx="0" cy="0"/>
+          <a:chOff x="0" y="0"/>
+          <a:chExt cx="0" cy="0"/>
+        </a:xfrm>
+      </p:grpSpPr>
+      <p:sp>
+        <p:nvSpPr>
+          <p:cNvPr id="2" name="Title 1"/>
+          <p:cNvSpPr>
+            <a:spLocks noGrp="1"/>
+          </p:cNvSpPr>
+          <p:nvPr>
+            <p:ph type="title"/>
+          </p:nvPr>
+        </p:nvSpPr>
+        <p:spPr/>
+        <p:txBody>
+          <a:bodyPr/>
+          <a:lstStyle/>
+          <a:p>
+            <a:r>
+              <a:rPr lang="en-GB" dirty="0" smtClean="0"/>
+              <a:t>What is </a:t>
+            </a:r>
+            <a:r>
+              <a:rPr lang="en-GB" dirty="0" err="1" smtClean="0"/>
+              <a:t>SpatiaLite</a:t>
+            </a:r>
+            <a:r>
+              <a:rPr lang="en-GB" dirty="0" smtClean="0"/>
+              <a:t>?</a:t>
+            </a:r>
+            <a:endParaRPr lang="en-GB" dirty="0"/>
+          </a:p>
+        </p:txBody>
+      </p:sp>
+      <p:sp>
+        <p:nvSpPr>
+          <p:cNvPr id="3" name="Content Placeholder 2"/>
+          <p:cNvSpPr>
+            <a:spLocks noGrp="1"/>
+          </p:cNvSpPr>
+          <p:nvPr>
+            <p:ph idx="1"/>
+          </p:nvPr>
+        </p:nvSpPr>
+        <p:spPr/>
+        <p:txBody>
+          <a:bodyPr/>
+          <a:lstStyle/>
+          <a:p>
+            <a:r>
+              <a:rPr lang="en-GB" dirty="0" smtClean="0"/>
+              <a:t>Single file database</a:t>
+            </a:r>
+          </a:p>
+          <a:p>
+            <a:r>
+              <a:rPr lang="en-GB" dirty="0" smtClean="0"/>
+              <a:t>Cross platform Android/IOS/Windows</a:t>
+            </a:r>
+          </a:p>
+          <a:p>
+            <a:r>
+              <a:rPr lang="en-GB" dirty="0" smtClean="0"/>
+              <a:t>Spatial extension of SQLite</a:t>
+            </a:r>
+          </a:p>
+          <a:p>
+            <a:r>
+              <a:rPr lang="en-GB" dirty="0" smtClean="0"/>
+              <a:t>Support for Raster and Vector Data</a:t>
+            </a:r>
+          </a:p>
+          <a:p>
+            <a:endParaRPr lang="en-GB" dirty="0"/>
+          </a:p>
+        </p:txBody>
+      </p:sp>
+    </p:spTree>
+    <p:extLst>
+      <p:ext uri="{BB962C8B-B14F-4D97-AF65-F5344CB8AC3E}">
+        <p14:creationId xmlns:p14="http://schemas.microsoft.com/office/powerpoint/2010/main" val="1851312452"/>
+      </p:ext>
+    </p:extLst>
+  </p:cSld>
+  <p:clrMapOvr>
+    <a:masterClrMapping/>
+  </p:clrMapOvr>
+  <p:timing>
+    <p:tnLst>
+      <p:par>
+        <p:cTn id="1" dur="indefinite" restart="never" nodeType="tmRoot"/>
+      </p:par>
+    </p:tnLst>
+  </p:timing>
+</p:sld>
+</file>
+
+<file path=ppt/slides/slide8.xml><?xml version="1.0" encoding="utf-8"?>
+<p:sld xmlns:a="http://schemas.openxmlformats.org/drawingml/2006/main" xmlns:r="http://schemas.openxmlformats.org/officeDocument/2006/relationships" xmlns:p="http://schemas.openxmlformats.org/presentationml/2006/main">
+  <p:cSld>
+    <p:spTree>
+      <p:nvGrpSpPr>
+        <p:cNvPr id="1" name=""/>
+        <p:cNvGrpSpPr/>
+        <p:nvPr/>
+      </p:nvGrpSpPr>
+      <p:grpSpPr>
+        <a:xfrm>
+          <a:off x="0" y="0"/>
+          <a:ext cx="0" cy="0"/>
+          <a:chOff x="0" y="0"/>
+          <a:chExt cx="0" cy="0"/>
+        </a:xfrm>
+      </p:grpSpPr>
+      <p:sp>
+        <p:nvSpPr>
+          <p:cNvPr id="4" name="Rounded Rectangle 3"/>
+          <p:cNvSpPr/>
+          <p:nvPr/>
+        </p:nvSpPr>
+        <p:spPr>
+          <a:xfrm>
+            <a:off x="888521" y="381000"/>
+            <a:ext cx="2209800" cy="1130060"/>
+          </a:xfrm>
+          <a:prstGeom prst="roundRect">
+            <a:avLst/>
+          </a:prstGeom>
+        </p:spPr>
+        <p:style>
+          <a:lnRef idx="2">
+            <a:schemeClr val="accent1">
+              <a:shade val="50000"/>
+            </a:schemeClr>
+          </a:lnRef>
+          <a:fillRef idx="1">
+            <a:schemeClr val="accent1"/>
+          </a:fillRef>
+          <a:effectRef idx="0">
+            <a:schemeClr val="accent1"/>
+          </a:effectRef>
+          <a:fontRef idx="minor">
+            <a:schemeClr val="lt1"/>
+          </a:fontRef>
+        </p:style>
+        <p:txBody>
+          <a:bodyPr rtlCol="0" anchor="ctr"/>
+          <a:lstStyle/>
+          <a:p>
+            <a:pPr algn="ctr"/>
+            <a:r>
+              <a:rPr lang="en-GB" dirty="0" err="1" smtClean="0"/>
+              <a:t>SpatiaLite</a:t>
+            </a:r>
+            <a:endParaRPr lang="en-GB" dirty="0" smtClean="0"/>
+          </a:p>
+          <a:p>
+            <a:pPr algn="ctr"/>
+            <a:r>
+              <a:rPr lang="en-GB" dirty="0" smtClean="0"/>
+              <a:t>(SQLite + Spatial)</a:t>
+            </a:r>
+            <a:endParaRPr lang="en-GB" dirty="0"/>
+          </a:p>
+        </p:txBody>
+      </p:sp>
+      <p:sp>
+        <p:nvSpPr>
+          <p:cNvPr id="5" name="Rounded Rectangle 4"/>
+          <p:cNvSpPr/>
+          <p:nvPr/>
+        </p:nvSpPr>
+        <p:spPr>
+          <a:xfrm>
+            <a:off x="5791200" y="381000"/>
+            <a:ext cx="2209800" cy="1066800"/>
+          </a:xfrm>
+          <a:prstGeom prst="roundRect">
+            <a:avLst/>
+          </a:prstGeom>
+        </p:spPr>
+        <p:style>
+          <a:lnRef idx="2">
+            <a:schemeClr val="accent1">
+              <a:shade val="50000"/>
+            </a:schemeClr>
+          </a:lnRef>
+          <a:fillRef idx="1">
+            <a:schemeClr val="accent1"/>
+          </a:fillRef>
+          <a:effectRef idx="0">
+            <a:schemeClr val="accent1"/>
+          </a:effectRef>
+          <a:fontRef idx="minor">
+            <a:schemeClr val="lt1"/>
+          </a:fontRef>
+        </p:style>
+        <p:txBody>
+          <a:bodyPr rtlCol="0" anchor="ctr"/>
+          <a:lstStyle/>
+          <a:p>
+            <a:pPr algn="ctr"/>
+            <a:r>
+              <a:rPr lang="en-GB" dirty="0" err="1" smtClean="0"/>
+              <a:t>MBTiles</a:t>
+            </a:r>
+            <a:endParaRPr lang="en-GB" dirty="0" smtClean="0"/>
+          </a:p>
+          <a:p>
+            <a:pPr algn="ctr"/>
+            <a:r>
+              <a:rPr lang="en-GB" dirty="0" smtClean="0"/>
+              <a:t>(Mobile Tiles)</a:t>
+            </a:r>
+            <a:endParaRPr lang="en-GB" dirty="0"/>
+          </a:p>
+        </p:txBody>
+      </p:sp>
+      <p:sp>
+        <p:nvSpPr>
+          <p:cNvPr id="9" name="Rounded Rectangle 8"/>
+          <p:cNvSpPr/>
+          <p:nvPr/>
+        </p:nvSpPr>
+        <p:spPr>
+          <a:xfrm>
+            <a:off x="3302479" y="5155002"/>
+            <a:ext cx="2209800" cy="1068238"/>
+          </a:xfrm>
+          <a:prstGeom prst="roundRect">
+            <a:avLst/>
+          </a:prstGeom>
+        </p:spPr>
+        <p:style>
+          <a:lnRef idx="2">
+            <a:schemeClr val="accent1">
+              <a:shade val="50000"/>
+            </a:schemeClr>
+          </a:lnRef>
+          <a:fillRef idx="1">
+            <a:schemeClr val="accent1"/>
+          </a:fillRef>
+          <a:effectRef idx="0">
+            <a:schemeClr val="accent1"/>
+          </a:effectRef>
+          <a:fontRef idx="minor">
+            <a:schemeClr val="lt1"/>
+          </a:fontRef>
+        </p:style>
+        <p:txBody>
+          <a:bodyPr rtlCol="0" anchor="ctr"/>
+          <a:lstStyle/>
+          <a:p>
+            <a:pPr algn="ctr"/>
+            <a:r>
+              <a:rPr lang="en-GB" dirty="0" err="1" smtClean="0"/>
+              <a:t>SpatiaLite</a:t>
+            </a:r>
+            <a:r>
+              <a:rPr lang="en-GB" dirty="0" smtClean="0"/>
+              <a:t> v 4.2.0</a:t>
+            </a:r>
+          </a:p>
+          <a:p>
+            <a:pPr algn="ctr"/>
+            <a:r>
+              <a:rPr lang="en-GB" dirty="0" smtClean="0"/>
+              <a:t>(</a:t>
+            </a:r>
+            <a:r>
+              <a:rPr lang="en-GB" dirty="0" err="1" smtClean="0"/>
+              <a:t>GeoPackage</a:t>
+            </a:r>
+            <a:r>
+              <a:rPr lang="en-GB" dirty="0" smtClean="0"/>
+              <a:t> Reference Implementation)</a:t>
+            </a:r>
+            <a:endParaRPr lang="en-GB" dirty="0"/>
+          </a:p>
+        </p:txBody>
+      </p:sp>
+      <p:cxnSp>
+        <p:nvCxnSpPr>
+          <p:cNvPr id="12" name="Straight Arrow Connector 11"/>
+          <p:cNvCxnSpPr>
+            <a:stCxn id="4" idx="2"/>
+            <a:endCxn id="8" idx="0"/>
+          </p:cNvCxnSpPr>
+          <p:nvPr/>
+        </p:nvCxnSpPr>
+        <p:spPr>
+          <a:xfrm>
+            <a:off x="1993421" y="1511060"/>
+            <a:ext cx="2413958" cy="968853"/>
+          </a:xfrm>
+          <a:prstGeom prst="straightConnector1">
+            <a:avLst/>
+          </a:prstGeom>
+          <a:ln w="38100" cmpd="sng">
+            <a:tailEnd type="arrow"/>
+          </a:ln>
+        </p:spPr>
+        <p:style>
+          <a:lnRef idx="1">
+            <a:schemeClr val="accent1"/>
+          </a:lnRef>
+          <a:fillRef idx="0">
+            <a:schemeClr val="accent1"/>
+          </a:fillRef>
+          <a:effectRef idx="0">
+            <a:schemeClr val="accent1"/>
+          </a:effectRef>
+          <a:fontRef idx="minor">
+            <a:schemeClr val="tx1"/>
+          </a:fontRef>
+        </p:style>
+      </p:cxnSp>
+      <p:cxnSp>
+        <p:nvCxnSpPr>
+          <p:cNvPr id="14" name="Straight Arrow Connector 13"/>
+          <p:cNvCxnSpPr>
+            <a:stCxn id="5" idx="2"/>
+            <a:endCxn id="8" idx="0"/>
+          </p:cNvCxnSpPr>
+          <p:nvPr/>
+        </p:nvCxnSpPr>
+        <p:spPr>
+          <a:xfrm flipH="1">
+            <a:off x="4407379" y="1447800"/>
+            <a:ext cx="2488721" cy="1032113"/>
+          </a:xfrm>
+          <a:prstGeom prst="straightConnector1">
+            <a:avLst/>
+          </a:prstGeom>
+          <a:ln w="38100" cmpd="sng">
+            <a:tailEnd type="arrow"/>
+          </a:ln>
+        </p:spPr>
+        <p:style>
+          <a:lnRef idx="1">
+            <a:schemeClr val="accent1"/>
+          </a:lnRef>
+          <a:fillRef idx="0">
+            <a:schemeClr val="accent1"/>
+          </a:fillRef>
+          <a:effectRef idx="0">
+            <a:schemeClr val="accent1"/>
+          </a:effectRef>
+          <a:fontRef idx="minor">
+            <a:schemeClr val="tx1"/>
+          </a:fontRef>
+        </p:style>
+      </p:cxnSp>
+      <p:cxnSp>
+        <p:nvCxnSpPr>
+          <p:cNvPr id="16" name="Straight Arrow Connector 15"/>
+          <p:cNvCxnSpPr>
+            <a:stCxn id="8" idx="2"/>
+            <a:endCxn id="9" idx="0"/>
+          </p:cNvCxnSpPr>
+          <p:nvPr/>
+        </p:nvCxnSpPr>
+        <p:spPr>
+          <a:xfrm>
+            <a:off x="4407379" y="4593745"/>
+            <a:ext cx="0" cy="561257"/>
+          </a:xfrm>
+          <a:prstGeom prst="straightConnector1">
+            <a:avLst/>
+          </a:prstGeom>
+          <a:ln w="38100" cmpd="sng">
+            <a:tailEnd type="arrow"/>
+          </a:ln>
+        </p:spPr>
+        <p:style>
+          <a:lnRef idx="1">
+            <a:schemeClr val="accent1"/>
+          </a:lnRef>
+          <a:fillRef idx="0">
+            <a:schemeClr val="accent1"/>
+          </a:fillRef>
+          <a:effectRef idx="0">
+            <a:schemeClr val="accent1"/>
+          </a:effectRef>
+          <a:fontRef idx="minor">
+            <a:schemeClr val="tx1"/>
+          </a:fontRef>
+        </p:style>
+      </p:cxnSp>
+      <p:grpSp>
+        <p:nvGrpSpPr>
+          <p:cNvPr id="1025" name="Group 1024"/>
+          <p:cNvGrpSpPr/>
+          <p:nvPr/>
+        </p:nvGrpSpPr>
+        <p:grpSpPr>
+          <a:xfrm>
+            <a:off x="2921479" y="2479913"/>
+            <a:ext cx="2971800" cy="2113832"/>
+            <a:chOff x="2954547" y="1968259"/>
+            <a:chExt cx="2971800" cy="2113831"/>
+          </a:xfrm>
+        </p:grpSpPr>
+        <p:sp>
+          <p:nvSpPr>
+            <p:cNvPr id="8" name="Rounded Rectangle 7"/>
+            <p:cNvSpPr/>
+            <p:nvPr/>
+          </p:nvSpPr>
+          <p:spPr>
+            <a:xfrm>
+              <a:off x="2954547" y="1968259"/>
+              <a:ext cx="2971800" cy="2113831"/>
+            </a:xfrm>
+            <a:prstGeom prst="roundRect">
+              <a:avLst/>
+            </a:prstGeom>
+          </p:spPr>
+          <p:style>
+            <a:lnRef idx="2">
+              <a:schemeClr val="accent3">
+                <a:shade val="50000"/>
+              </a:schemeClr>
+            </a:lnRef>
+            <a:fillRef idx="1">
+              <a:schemeClr val="accent3"/>
+            </a:fillRef>
+            <a:effectRef idx="0">
+              <a:schemeClr val="accent3"/>
+            </a:effectRef>
+            <a:fontRef idx="minor">
+              <a:schemeClr val="lt1"/>
+            </a:fontRef>
+          </p:style>
+          <p:txBody>
+            <a:bodyPr rtlCol="0" anchor="t" anchorCtr="0"/>
+            <a:lstStyle/>
+            <a:p>
+              <a:pPr algn="ctr"/>
+              <a:r>
+                <a:rPr lang="en-GB" dirty="0" err="1" smtClean="0"/>
+                <a:t>GeoPackage</a:t>
+              </a:r>
+              <a:endParaRPr lang="en-GB" dirty="0" smtClean="0"/>
+            </a:p>
+            <a:p>
+              <a:pPr algn="ctr"/>
+              <a:r>
+                <a:rPr lang="en-GB" dirty="0" smtClean="0"/>
+                <a:t>OGC Standard 2014</a:t>
+              </a:r>
+              <a:endParaRPr lang="en-GB" dirty="0"/>
+            </a:p>
+          </p:txBody>
+        </p:sp>
+        <p:pic>
+          <p:nvPicPr>
+            <p:cNvPr id="1026" name="Picture 2"/>
+            <p:cNvPicPr>
+              <a:picLocks noChangeAspect="1" noChangeArrowheads="1"/>
+            </p:cNvPicPr>
+            <p:nvPr/>
+          </p:nvPicPr>
+          <p:blipFill>
+            <a:blip r:embed="rId2" cstate="print">
+              <a:extLst>
+                <a:ext uri="{28A0092B-C50C-407E-A947-70E740481C1C}">
+                  <a14:useLocalDpi xmlns:a14="http://schemas.microsoft.com/office/drawing/2010/main" val="0"/>
+                </a:ext>
+              </a:extLst>
+            </a:blip>
+            <a:srcRect/>
+            <a:stretch>
+              <a:fillRect/>
+            </a:stretch>
+          </p:blipFill>
+          <p:spPr bwMode="auto">
+            <a:xfrm>
+              <a:off x="3733800" y="2819400"/>
+              <a:ext cx="1274247" cy="952500"/>
+            </a:xfrm>
+            <a:prstGeom prst="rect">
+              <a:avLst/>
+            </a:prstGeom>
+            <a:noFill/>
+            <a:ln>
+              <a:noFill/>
+            </a:ln>
+            <a:extLst>
+              <a:ext uri="{909E8E84-426E-40DD-AFC4-6F175D3DCCD1}">
+                <a14:hiddenFill xmlns:a14="http://schemas.microsoft.com/office/drawing/2010/main">
+                  <a:solidFill>
+                    <a:schemeClr val="accent1"/>
+                  </a:solidFill>
+                </a14:hiddenFill>
+              </a:ext>
+              <a:ext uri="{91240B29-F687-4F45-9708-019B960494DF}">
+                <a14:hiddenLine xmlns:a14="http://schemas.microsoft.com/office/drawing/2010/main" w="9525">
+                  <a:solidFill>
+                    <a:schemeClr val="tx1"/>
+                  </a:solidFill>
+                  <a:miter lim="800000"/>
+                  <a:headEnd/>
+                  <a:tailEnd/>
+                </a14:hiddenLine>
+              </a:ext>
+            </a:extLst>
+          </p:spPr>
+        </p:pic>
+      </p:grpSp>
+      <p:sp>
+        <p:nvSpPr>
+          <p:cNvPr id="1029" name="TextBox 1028"/>
+          <p:cNvSpPr txBox="1"/>
+          <p:nvPr/>
+        </p:nvSpPr>
+        <p:spPr>
+          <a:xfrm>
+            <a:off x="2292306" y="1905000"/>
+            <a:ext cx="794513" cy="369332"/>
+          </a:xfrm>
+          <a:prstGeom prst="rect">
+            <a:avLst/>
+          </a:prstGeom>
+          <a:noFill/>
+        </p:spPr>
+        <p:txBody>
+          <a:bodyPr wrap="none" rtlCol="0">
+            <a:spAutoFit/>
+          </a:bodyPr>
+          <a:lstStyle/>
+          <a:p>
+            <a:r>
+              <a:rPr lang="en-GB" dirty="0" smtClean="0"/>
+              <a:t>Vector</a:t>
+            </a:r>
+            <a:endParaRPr lang="en-GB" dirty="0"/>
+          </a:p>
+        </p:txBody>
+      </p:sp>
+      <p:sp>
+        <p:nvSpPr>
+          <p:cNvPr id="38" name="TextBox 37"/>
+          <p:cNvSpPr txBox="1"/>
+          <p:nvPr/>
+        </p:nvSpPr>
+        <p:spPr>
+          <a:xfrm>
+            <a:off x="5943600" y="1905000"/>
+            <a:ext cx="777521" cy="369332"/>
+          </a:xfrm>
+          <a:prstGeom prst="rect">
+            <a:avLst/>
+          </a:prstGeom>
+          <a:noFill/>
+        </p:spPr>
+        <p:txBody>
+          <a:bodyPr wrap="none" rtlCol="0">
+            <a:spAutoFit/>
+          </a:bodyPr>
+          <a:lstStyle/>
+          <a:p>
+            <a:r>
+              <a:rPr lang="en-GB" dirty="0" smtClean="0"/>
+              <a:t>Raster</a:t>
+            </a:r>
+            <a:endParaRPr lang="en-GB" dirty="0"/>
+          </a:p>
+        </p:txBody>
+      </p:sp>
+    </p:spTree>
+    <p:extLst>
+      <p:ext uri="{BB962C8B-B14F-4D97-AF65-F5344CB8AC3E}">
+        <p14:creationId xmlns:p14="http://schemas.microsoft.com/office/powerpoint/2010/main" val="3622376434"/>
+      </p:ext>
+    </p:extLst>
+  </p:cSld>
+  <p:clrMapOvr>
+    <a:masterClrMapping/>
+  </p:clrMapOvr>
+  <p:timing>
+    <p:tnLst>
+      <p:par>
+        <p:cTn id="1" dur="indefinite" restart="never" nodeType="tmRoot"/>
+      </p:par>
+    </p:tnLst>
+  </p:timing>
 </p:sld>
 </file>
 
@@ -5384,78 +8146,29 @@
           <a:p>
             <a:r>
               <a:rPr lang="en-GB" dirty="0" smtClean="0"/>
-              <a:t>Insert some data</a:t>
+              <a:t>How do we integrate it?</a:t>
             </a:r>
             <a:endParaRPr lang="en-GB" dirty="0"/>
           </a:p>
         </p:txBody>
       </p:sp>
-      <p:pic>
-        <p:nvPicPr>
-          <p:cNvPr id="4098" name="Picture 2"/>
-          <p:cNvPicPr>
-            <a:picLocks noGrp="1" noChangeAspect="1" noChangeArrowheads="1"/>
-          </p:cNvPicPr>
-          <p:nvPr>
-            <p:ph idx="1"/>
-          </p:nvPr>
-        </p:nvPicPr>
-        <p:blipFill>
-          <a:blip r:embed="rId2">
-            <a:extLst>
-              <a:ext uri="{28A0092B-C50C-407E-A947-70E740481C1C}">
-                <a14:useLocalDpi xmlns:a14="http://schemas.microsoft.com/office/drawing/2010/main" val="0"/>
-              </a:ext>
-            </a:extLst>
-          </a:blip>
-          <a:srcRect/>
-          <a:stretch>
-            <a:fillRect/>
-          </a:stretch>
-        </p:blipFill>
-        <p:spPr bwMode="auto">
-          <a:xfrm>
-            <a:off x="457200" y="1647520"/>
-            <a:ext cx="8229600" cy="4431323"/>
-          </a:xfrm>
-          <a:prstGeom prst="rect">
-            <a:avLst/>
-          </a:prstGeom>
-          <a:noFill/>
-          <a:ln>
-            <a:noFill/>
-          </a:ln>
-          <a:extLst>
-            <a:ext uri="{909E8E84-426E-40DD-AFC4-6F175D3DCCD1}">
-              <a14:hiddenFill xmlns:a14="http://schemas.microsoft.com/office/drawing/2010/main">
-                <a:solidFill>
-                  <a:schemeClr val="accent1"/>
-                </a:solidFill>
-              </a14:hiddenFill>
-            </a:ext>
-            <a:ext uri="{91240B29-F687-4F45-9708-019B960494DF}">
-              <a14:hiddenLine xmlns:a14="http://schemas.microsoft.com/office/drawing/2010/main" w="9525">
-                <a:solidFill>
-                  <a:schemeClr val="tx1"/>
-                </a:solidFill>
-                <a:miter lim="800000"/>
-                <a:headEnd/>
-                <a:tailEnd/>
-              </a14:hiddenLine>
-            </a:ext>
-          </a:extLst>
-        </p:spPr>
-      </p:pic>
     </p:spTree>
     <p:extLst>
       <p:ext uri="{BB962C8B-B14F-4D97-AF65-F5344CB8AC3E}">
-        <p14:creationId xmlns:p14="http://schemas.microsoft.com/office/powerpoint/2010/main" val="4007186373"/>
+        <p14:creationId xmlns:p14="http://schemas.microsoft.com/office/powerpoint/2010/main" val="3208360463"/>
       </p:ext>
     </p:extLst>
   </p:cSld>
   <p:clrMapOvr>
     <a:masterClrMapping/>
   </p:clrMapOvr>
+  <p:timing>
+    <p:tnLst>
+      <p:par>
+        <p:cTn id="1" dur="indefinite" restart="never" nodeType="tmRoot"/>
+      </p:par>
+    </p:tnLst>
+  </p:timing>
 </p:sld>
 </file>
 

--- a/airpic.pptx
+++ b/airpic.pptx
@@ -24,12 +24,14 @@
     <p:sldId id="260" r:id="rId18"/>
     <p:sldId id="261" r:id="rId19"/>
     <p:sldId id="263" r:id="rId20"/>
-    <p:sldId id="265" r:id="rId21"/>
-    <p:sldId id="266" r:id="rId22"/>
-    <p:sldId id="267" r:id="rId23"/>
-    <p:sldId id="268" r:id="rId24"/>
-    <p:sldId id="269" r:id="rId25"/>
-    <p:sldId id="264" r:id="rId26"/>
+    <p:sldId id="267" r:id="rId21"/>
+    <p:sldId id="282" r:id="rId22"/>
+    <p:sldId id="265" r:id="rId23"/>
+    <p:sldId id="266" r:id="rId24"/>
+    <p:sldId id="281" r:id="rId25"/>
+    <p:sldId id="268" r:id="rId26"/>
+    <p:sldId id="269" r:id="rId27"/>
+    <p:sldId id="264" r:id="rId28"/>
   </p:sldIdLst>
   <p:sldSz cx="9144000" cy="6858000" type="screen4x3"/>
   <p:notesSz cx="6858000" cy="9144000"/>
@@ -312,7 +314,7 @@
           <a:p>
             <a:fld id="{69910590-D6D2-4333-94C3-CCD900008DA4}" type="datetimeFigureOut">
               <a:rPr lang="en-GB" smtClean="0"/>
-              <a:t>15/11/2015</a:t>
+              <a:t>04/12/2015</a:t>
             </a:fld>
             <a:endParaRPr lang="en-GB"/>
           </a:p>
@@ -482,7 +484,7 @@
           <a:p>
             <a:fld id="{69910590-D6D2-4333-94C3-CCD900008DA4}" type="datetimeFigureOut">
               <a:rPr lang="en-GB" smtClean="0"/>
-              <a:t>15/11/2015</a:t>
+              <a:t>04/12/2015</a:t>
             </a:fld>
             <a:endParaRPr lang="en-GB"/>
           </a:p>
@@ -662,7 +664,7 @@
           <a:p>
             <a:fld id="{69910590-D6D2-4333-94C3-CCD900008DA4}" type="datetimeFigureOut">
               <a:rPr lang="en-GB" smtClean="0"/>
-              <a:t>15/11/2015</a:t>
+              <a:t>04/12/2015</a:t>
             </a:fld>
             <a:endParaRPr lang="en-GB"/>
           </a:p>
@@ -832,7 +834,7 @@
           <a:p>
             <a:fld id="{69910590-D6D2-4333-94C3-CCD900008DA4}" type="datetimeFigureOut">
               <a:rPr lang="en-GB" smtClean="0"/>
-              <a:t>15/11/2015</a:t>
+              <a:t>04/12/2015</a:t>
             </a:fld>
             <a:endParaRPr lang="en-GB"/>
           </a:p>
@@ -1078,7 +1080,7 @@
           <a:p>
             <a:fld id="{69910590-D6D2-4333-94C3-CCD900008DA4}" type="datetimeFigureOut">
               <a:rPr lang="en-GB" smtClean="0"/>
-              <a:t>15/11/2015</a:t>
+              <a:t>04/12/2015</a:t>
             </a:fld>
             <a:endParaRPr lang="en-GB"/>
           </a:p>
@@ -1366,7 +1368,7 @@
           <a:p>
             <a:fld id="{69910590-D6D2-4333-94C3-CCD900008DA4}" type="datetimeFigureOut">
               <a:rPr lang="en-GB" smtClean="0"/>
-              <a:t>15/11/2015</a:t>
+              <a:t>04/12/2015</a:t>
             </a:fld>
             <a:endParaRPr lang="en-GB"/>
           </a:p>
@@ -1788,7 +1790,7 @@
           <a:p>
             <a:fld id="{69910590-D6D2-4333-94C3-CCD900008DA4}" type="datetimeFigureOut">
               <a:rPr lang="en-GB" smtClean="0"/>
-              <a:t>15/11/2015</a:t>
+              <a:t>04/12/2015</a:t>
             </a:fld>
             <a:endParaRPr lang="en-GB"/>
           </a:p>
@@ -1906,7 +1908,7 @@
           <a:p>
             <a:fld id="{69910590-D6D2-4333-94C3-CCD900008DA4}" type="datetimeFigureOut">
               <a:rPr lang="en-GB" smtClean="0"/>
-              <a:t>15/11/2015</a:t>
+              <a:t>04/12/2015</a:t>
             </a:fld>
             <a:endParaRPr lang="en-GB"/>
           </a:p>
@@ -2001,7 +2003,7 @@
           <a:p>
             <a:fld id="{69910590-D6D2-4333-94C3-CCD900008DA4}" type="datetimeFigureOut">
               <a:rPr lang="en-GB" smtClean="0"/>
-              <a:t>15/11/2015</a:t>
+              <a:t>04/12/2015</a:t>
             </a:fld>
             <a:endParaRPr lang="en-GB"/>
           </a:p>
@@ -2278,7 +2280,7 @@
           <a:p>
             <a:fld id="{69910590-D6D2-4333-94C3-CCD900008DA4}" type="datetimeFigureOut">
               <a:rPr lang="en-GB" smtClean="0"/>
-              <a:t>15/11/2015</a:t>
+              <a:t>04/12/2015</a:t>
             </a:fld>
             <a:endParaRPr lang="en-GB"/>
           </a:p>
@@ -2531,7 +2533,7 @@
           <a:p>
             <a:fld id="{69910590-D6D2-4333-94C3-CCD900008DA4}" type="datetimeFigureOut">
               <a:rPr lang="en-GB" smtClean="0"/>
-              <a:t>15/11/2015</a:t>
+              <a:t>04/12/2015</a:t>
             </a:fld>
             <a:endParaRPr lang="en-GB"/>
           </a:p>
@@ -2744,7 +2746,7 @@
           <a:p>
             <a:fld id="{69910590-D6D2-4333-94C3-CCD900008DA4}" type="datetimeFigureOut">
               <a:rPr lang="en-GB" smtClean="0"/>
-              <a:t>15/11/2015</a:t>
+              <a:t>04/12/2015</a:t>
             </a:fld>
             <a:endParaRPr lang="en-GB"/>
           </a:p>
@@ -3975,11 +3977,7 @@
             </a:r>
             <a:r>
               <a:rPr lang="en-GB" dirty="0" smtClean="0"/>
-              <a:t> </a:t>
-            </a:r>
-            <a:r>
-              <a:rPr lang="en-GB" dirty="0" smtClean="0"/>
-              <a:t>(minimal code)</a:t>
+              <a:t> (minimal code)</a:t>
             </a:r>
             <a:endParaRPr lang="en-GB" dirty="0"/>
           </a:p>
@@ -5587,49 +5585,104 @@
             <a:spLocks noGrp="1"/>
           </p:cNvSpPr>
           <p:nvPr>
-            <p:ph type="ctrTitle"/>
+            <p:ph type="title"/>
           </p:nvPr>
         </p:nvSpPr>
         <p:spPr/>
         <p:txBody>
-          <a:bodyPr/>
-          <a:lstStyle/>
-          <a:p>
+          <a:bodyPr>
+            <a:normAutofit fontScale="90000"/>
+          </a:bodyPr>
+          <a:lstStyle/>
+          <a:p>
+            <a:r>
+              <a:rPr lang="en-GB" dirty="0" smtClean="0"/>
+              <a:t>Teething Troubles – </a:t>
+            </a:r>
             <a:r>
               <a:rPr lang="en-GB" dirty="0" err="1" smtClean="0"/>
-              <a:t>SpatialLite</a:t>
+              <a:t>Luciad</a:t>
             </a:r>
             <a:r>
               <a:rPr lang="en-GB" dirty="0" smtClean="0"/>
-              <a:t> Android</a:t>
+              <a:t> GPKG in </a:t>
+            </a:r>
+            <a:r>
+              <a:rPr lang="en-GB" dirty="0" err="1" smtClean="0"/>
+              <a:t>OpenLayers</a:t>
+            </a:r>
+            <a:r>
+              <a:rPr lang="en-GB" dirty="0" smtClean="0"/>
+              <a:t>/</a:t>
+            </a:r>
+            <a:r>
+              <a:rPr lang="en-GB" dirty="0" err="1" smtClean="0"/>
+              <a:t>Geoserver</a:t>
             </a:r>
             <a:endParaRPr lang="en-GB" dirty="0"/>
           </a:p>
         </p:txBody>
       </p:sp>
-      <p:sp>
-        <p:nvSpPr>
-          <p:cNvPr id="3" name="Subtitle 2"/>
-          <p:cNvSpPr>
-            <a:spLocks noGrp="1"/>
-          </p:cNvSpPr>
-          <p:nvPr>
-            <p:ph type="subTitle" idx="1"/>
-          </p:nvPr>
-        </p:nvSpPr>
-        <p:spPr/>
-        <p:txBody>
-          <a:bodyPr/>
-          <a:lstStyle/>
-          <a:p>
-            <a:endParaRPr lang="en-GB"/>
-          </a:p>
-        </p:txBody>
-      </p:sp>
+      <p:pic>
+        <p:nvPicPr>
+          <p:cNvPr id="1026" name="Picture 2"/>
+          <p:cNvPicPr>
+            <a:picLocks noGrp="1" noChangeAspect="1" noChangeArrowheads="1"/>
+          </p:cNvPicPr>
+          <p:nvPr>
+            <p:ph idx="1"/>
+          </p:nvPr>
+        </p:nvPicPr>
+        <p:blipFill>
+          <a:blip r:embed="rId2">
+            <a:extLst>
+              <a:ext uri="{28A0092B-C50C-407E-A947-70E740481C1C}">
+                <a14:useLocalDpi xmlns:a14="http://schemas.microsoft.com/office/drawing/2010/main" val="0"/>
+              </a:ext>
+            </a:extLst>
+          </a:blip>
+          <a:srcRect/>
+          <a:stretch>
+            <a:fillRect/>
+          </a:stretch>
+        </p:blipFill>
+        <p:spPr bwMode="auto">
+          <a:xfrm>
+            <a:off x="535538" y="1600200"/>
+            <a:ext cx="8072923" cy="4525963"/>
+          </a:xfrm>
+          <a:prstGeom prst="rect">
+            <a:avLst/>
+          </a:prstGeom>
+          <a:noFill/>
+          <a:ln>
+            <a:noFill/>
+          </a:ln>
+          <a:extLst>
+            <a:ext uri="{909E8E84-426E-40DD-AFC4-6F175D3DCCD1}">
+              <a14:hiddenFill xmlns:a14="http://schemas.microsoft.com/office/drawing/2010/main">
+                <a:solidFill>
+                  <a:schemeClr val="accent1"/>
+                </a:solidFill>
+              </a14:hiddenFill>
+            </a:ext>
+            <a:ext uri="{91240B29-F687-4F45-9708-019B960494DF}">
+              <a14:hiddenLine xmlns:a14="http://schemas.microsoft.com/office/drawing/2010/main" w="9525">
+                <a:solidFill>
+                  <a:schemeClr val="tx1"/>
+                </a:solidFill>
+                <a:miter lim="800000"/>
+                <a:headEnd/>
+                <a:tailEnd/>
+              </a14:hiddenLine>
+            </a:ext>
+          </a:extLst>
+        </p:spPr>
+      </p:pic>
     </p:spTree>
     <p:extLst>
       <p:ext uri="{BB962C8B-B14F-4D97-AF65-F5344CB8AC3E}">
-        <p14:creationId xmlns:p14="http://schemas.microsoft.com/office/powerpoint/2010/main" val="4196412464"/>
+        <p14:creationId xmlns:p14="http://schemas.microsoft.com/office/powerpoint/2010/main" val="461242641"/>
       </p:ext>
     </p:extLst>
   </p:cSld>
@@ -5666,58 +5719,116 @@
             <p:ph type="title"/>
           </p:nvPr>
         </p:nvSpPr>
-        <p:spPr/>
-        <p:txBody>
-          <a:bodyPr/>
-          <a:lstStyle/>
-          <a:p>
-            <a:r>
-              <a:rPr lang="en-GB" dirty="0" smtClean="0"/>
-              <a:t>Install Eclipse Android Plugin</a:t>
-            </a:r>
-            <a:endParaRPr lang="en-GB" dirty="0"/>
-          </a:p>
-        </p:txBody>
-      </p:sp>
-      <p:sp>
-        <p:nvSpPr>
-          <p:cNvPr id="3" name="Content Placeholder 2"/>
-          <p:cNvSpPr>
-            <a:spLocks noGrp="1"/>
-          </p:cNvSpPr>
-          <p:nvPr>
-            <p:ph idx="1"/>
-          </p:nvPr>
-        </p:nvSpPr>
-        <p:spPr/>
-        <p:txBody>
-          <a:bodyPr/>
-          <a:lstStyle/>
-          <a:p>
-            <a:r>
-              <a:rPr lang="en-GB" dirty="0" smtClean="0"/>
-              <a:t>Install Android SDK</a:t>
-            </a:r>
-          </a:p>
-          <a:p>
-            <a:r>
-              <a:rPr lang="en-GB" dirty="0" smtClean="0"/>
-              <a:t>Install Eclipse</a:t>
-            </a:r>
-          </a:p>
-          <a:p>
-            <a:r>
-              <a:rPr lang="en-GB" dirty="0" smtClean="0"/>
-              <a:t>Install Android Developer Plugin</a:t>
-            </a:r>
-            <a:endParaRPr lang="en-GB" dirty="0"/>
-          </a:p>
-        </p:txBody>
-      </p:sp>
+        <p:spPr>
+          <a:xfrm>
+            <a:off x="381000" y="304800"/>
+            <a:ext cx="8229600" cy="1143000"/>
+          </a:xfrm>
+        </p:spPr>
+        <p:txBody>
+          <a:bodyPr>
+            <a:normAutofit/>
+          </a:bodyPr>
+          <a:lstStyle/>
+          <a:p>
+            <a:r>
+              <a:rPr lang="en-GB" sz="3200" dirty="0" smtClean="0"/>
+              <a:t>Teething Troubles – </a:t>
+            </a:r>
+            <a:r>
+              <a:rPr lang="en-GB" sz="3200" dirty="0" err="1" smtClean="0"/>
+              <a:t>Luciad</a:t>
+            </a:r>
+            <a:r>
+              <a:rPr lang="en-GB" sz="3200" dirty="0" smtClean="0"/>
+              <a:t> GPKG in </a:t>
+            </a:r>
+            <a:r>
+              <a:rPr lang="en-GB" sz="3200" dirty="0" err="1" smtClean="0"/>
+              <a:t>OpenLayers</a:t>
+            </a:r>
+            <a:r>
+              <a:rPr lang="en-GB" sz="3200" dirty="0" smtClean="0"/>
+              <a:t>/</a:t>
+            </a:r>
+            <a:r>
+              <a:rPr lang="en-GB" sz="3200" dirty="0" err="1" smtClean="0"/>
+              <a:t>Geoserver</a:t>
+            </a:r>
+            <a:r>
+              <a:rPr lang="en-GB" sz="3200" dirty="0" smtClean="0"/>
+              <a:t> – Antarctic </a:t>
+            </a:r>
+            <a:r>
+              <a:rPr lang="en-GB" sz="3200" dirty="0" err="1" smtClean="0"/>
+              <a:t>Notams</a:t>
+            </a:r>
+            <a:r>
+              <a:rPr lang="en-GB" sz="3200" dirty="0" smtClean="0"/>
+              <a:t>!</a:t>
+            </a:r>
+            <a:endParaRPr lang="en-GB" sz="3200" dirty="0"/>
+          </a:p>
+        </p:txBody>
+      </p:sp>
+      <p:pic>
+        <p:nvPicPr>
+          <p:cNvPr id="2051" name="Picture 3"/>
+          <p:cNvPicPr>
+            <a:picLocks noChangeAspect="1" noChangeArrowheads="1"/>
+          </p:cNvPicPr>
+          <p:nvPr/>
+        </p:nvPicPr>
+        <p:blipFill>
+          <a:blip r:embed="rId2">
+            <a:extLst>
+              <a:ext uri="{28A0092B-C50C-407E-A947-70E740481C1C}">
+                <a14:useLocalDpi xmlns:a14="http://schemas.microsoft.com/office/drawing/2010/main" val="0"/>
+              </a:ext>
+            </a:extLst>
+          </a:blip>
+          <a:srcRect/>
+          <a:stretch>
+            <a:fillRect/>
+          </a:stretch>
+        </p:blipFill>
+        <p:spPr bwMode="auto">
+          <a:xfrm>
+            <a:off x="1447800" y="1577444"/>
+            <a:ext cx="5715000" cy="4872852"/>
+          </a:xfrm>
+          <a:prstGeom prst="rect">
+            <a:avLst/>
+          </a:prstGeom>
+          <a:noFill/>
+          <a:ln>
+            <a:noFill/>
+          </a:ln>
+          <a:extLst>
+            <a:ext uri="{909E8E84-426E-40DD-AFC4-6F175D3DCCD1}">
+              <a14:hiddenFill xmlns:a14="http://schemas.microsoft.com/office/drawing/2010/main">
+                <a:solidFill>
+                  <a:schemeClr val="accent1"/>
+                </a:solidFill>
+              </a14:hiddenFill>
+            </a:ext>
+            <a:ext uri="{91240B29-F687-4F45-9708-019B960494DF}">
+              <a14:hiddenLine xmlns:a14="http://schemas.microsoft.com/office/drawing/2010/main" w="9525">
+                <a:solidFill>
+                  <a:schemeClr val="tx1"/>
+                </a:solidFill>
+                <a:miter lim="800000"/>
+                <a:headEnd/>
+                <a:tailEnd/>
+              </a14:hiddenLine>
+            </a:ext>
+          </a:extLst>
+        </p:spPr>
+      </p:pic>
     </p:spTree>
     <p:extLst>
       <p:ext uri="{BB962C8B-B14F-4D97-AF65-F5344CB8AC3E}">
-        <p14:creationId xmlns:p14="http://schemas.microsoft.com/office/powerpoint/2010/main" val="3190041263"/>
+        <p14:creationId xmlns:p14="http://schemas.microsoft.com/office/powerpoint/2010/main" val="1540293275"/>
       </p:ext>
     </p:extLst>
   </p:cSld>
@@ -5751,7 +5862,7 @@
             <a:spLocks noGrp="1"/>
           </p:cNvSpPr>
           <p:nvPr>
-            <p:ph type="title"/>
+            <p:ph type="ctrTitle"/>
           </p:nvPr>
         </p:nvSpPr>
         <p:spPr/>
@@ -5760,8 +5871,12 @@
           <a:lstStyle/>
           <a:p>
             <a:r>
+              <a:rPr lang="en-GB" dirty="0" err="1" smtClean="0"/>
+              <a:t>SpatialLite</a:t>
+            </a:r>
+            <a:r>
               <a:rPr lang="en-GB" dirty="0" smtClean="0"/>
-              <a:t>Create Android Project</a:t>
+              <a:t> Android</a:t>
             </a:r>
             <a:endParaRPr lang="en-GB" dirty="0"/>
           </a:p>
@@ -5769,12 +5884,12 @@
       </p:sp>
       <p:sp>
         <p:nvSpPr>
-          <p:cNvPr id="3" name="Content Placeholder 2"/>
-          <p:cNvSpPr>
-            <a:spLocks noGrp="1"/>
-          </p:cNvSpPr>
-          <p:nvPr>
-            <p:ph idx="1"/>
+          <p:cNvPr id="3" name="Subtitle 2"/>
+          <p:cNvSpPr>
+            <a:spLocks noGrp="1"/>
+          </p:cNvSpPr>
+          <p:nvPr>
+            <p:ph type="subTitle" idx="1"/>
           </p:nvPr>
         </p:nvSpPr>
         <p:spPr/>
@@ -5789,7 +5904,7 @@
     </p:spTree>
     <p:extLst>
       <p:ext uri="{BB962C8B-B14F-4D97-AF65-F5344CB8AC3E}">
-        <p14:creationId xmlns:p14="http://schemas.microsoft.com/office/powerpoint/2010/main" val="461242641"/>
+        <p14:creationId xmlns:p14="http://schemas.microsoft.com/office/powerpoint/2010/main" val="4196412464"/>
       </p:ext>
     </p:extLst>
   </p:cSld>
@@ -5833,38 +5948,42 @@
           <a:p>
             <a:r>
               <a:rPr lang="en-GB" dirty="0" smtClean="0"/>
-              <a:t>Copy In the </a:t>
-            </a:r>
-            <a:r>
-              <a:rPr lang="en-GB" dirty="0" err="1" smtClean="0"/>
-              <a:t>SpatiaLite</a:t>
-            </a:r>
+              <a:t>Install Eclipse Android Plugin</a:t>
+            </a:r>
+            <a:endParaRPr lang="en-GB" dirty="0"/>
+          </a:p>
+        </p:txBody>
+      </p:sp>
+      <p:sp>
+        <p:nvSpPr>
+          <p:cNvPr id="3" name="Content Placeholder 2"/>
+          <p:cNvSpPr>
+            <a:spLocks noGrp="1"/>
+          </p:cNvSpPr>
+          <p:nvPr>
+            <p:ph idx="1"/>
+          </p:nvPr>
+        </p:nvSpPr>
+        <p:spPr/>
+        <p:txBody>
+          <a:bodyPr/>
+          <a:lstStyle/>
+          <a:p>
             <a:r>
               <a:rPr lang="en-GB" dirty="0" smtClean="0"/>
-              <a:t> Library</a:t>
-            </a:r>
-            <a:endParaRPr lang="en-GB" dirty="0"/>
-          </a:p>
-        </p:txBody>
-      </p:sp>
-      <p:sp>
-        <p:nvSpPr>
-          <p:cNvPr id="3" name="Content Placeholder 2"/>
-          <p:cNvSpPr>
-            <a:spLocks noGrp="1"/>
-          </p:cNvSpPr>
-          <p:nvPr>
-            <p:ph idx="1"/>
-          </p:nvPr>
-        </p:nvSpPr>
-        <p:spPr/>
-        <p:txBody>
-          <a:bodyPr/>
-          <a:lstStyle/>
+              <a:t>Install Android SDK</a:t>
+            </a:r>
+          </a:p>
           <a:p>
             <a:r>
               <a:rPr lang="en-GB" dirty="0" smtClean="0"/>
-              <a:t>To the libs folder</a:t>
+              <a:t>Install Eclipse</a:t>
+            </a:r>
+          </a:p>
+          <a:p>
+            <a:r>
+              <a:rPr lang="en-GB" dirty="0" smtClean="0"/>
+              <a:t>Install Android Developer Plugin</a:t>
             </a:r>
             <a:endParaRPr lang="en-GB" dirty="0"/>
           </a:p>
@@ -5873,7 +5992,7 @@
     </p:spTree>
     <p:extLst>
       <p:ext uri="{BB962C8B-B14F-4D97-AF65-F5344CB8AC3E}">
-        <p14:creationId xmlns:p14="http://schemas.microsoft.com/office/powerpoint/2010/main" val="833365000"/>
+        <p14:creationId xmlns:p14="http://schemas.microsoft.com/office/powerpoint/2010/main" val="3190041263"/>
       </p:ext>
     </p:extLst>
   </p:cSld>
@@ -5917,6 +6036,162 @@
           <a:p>
             <a:r>
               <a:rPr lang="en-GB" dirty="0" smtClean="0"/>
+              <a:t>Create Android Project</a:t>
+            </a:r>
+            <a:endParaRPr lang="en-GB" dirty="0"/>
+          </a:p>
+        </p:txBody>
+      </p:sp>
+      <p:sp>
+        <p:nvSpPr>
+          <p:cNvPr id="3" name="Content Placeholder 2"/>
+          <p:cNvSpPr>
+            <a:spLocks noGrp="1"/>
+          </p:cNvSpPr>
+          <p:nvPr>
+            <p:ph idx="1"/>
+          </p:nvPr>
+        </p:nvSpPr>
+        <p:spPr/>
+        <p:txBody>
+          <a:bodyPr/>
+          <a:lstStyle/>
+          <a:p>
+            <a:endParaRPr lang="en-GB"/>
+          </a:p>
+        </p:txBody>
+      </p:sp>
+    </p:spTree>
+    <p:extLst>
+      <p:ext uri="{BB962C8B-B14F-4D97-AF65-F5344CB8AC3E}">
+        <p14:creationId xmlns:p14="http://schemas.microsoft.com/office/powerpoint/2010/main" val="2145127170"/>
+      </p:ext>
+    </p:extLst>
+  </p:cSld>
+  <p:clrMapOvr>
+    <a:masterClrMapping/>
+  </p:clrMapOvr>
+</p:sld>
+</file>
+
+<file path=ppt/slides/slide25.xml><?xml version="1.0" encoding="utf-8"?>
+<p:sld xmlns:a="http://schemas.openxmlformats.org/drawingml/2006/main" xmlns:r="http://schemas.openxmlformats.org/officeDocument/2006/relationships" xmlns:p="http://schemas.openxmlformats.org/presentationml/2006/main">
+  <p:cSld>
+    <p:spTree>
+      <p:nvGrpSpPr>
+        <p:cNvPr id="1" name=""/>
+        <p:cNvGrpSpPr/>
+        <p:nvPr/>
+      </p:nvGrpSpPr>
+      <p:grpSpPr>
+        <a:xfrm>
+          <a:off x="0" y="0"/>
+          <a:ext cx="0" cy="0"/>
+          <a:chOff x="0" y="0"/>
+          <a:chExt cx="0" cy="0"/>
+        </a:xfrm>
+      </p:grpSpPr>
+      <p:sp>
+        <p:nvSpPr>
+          <p:cNvPr id="2" name="Title 1"/>
+          <p:cNvSpPr>
+            <a:spLocks noGrp="1"/>
+          </p:cNvSpPr>
+          <p:nvPr>
+            <p:ph type="title"/>
+          </p:nvPr>
+        </p:nvSpPr>
+        <p:spPr/>
+        <p:txBody>
+          <a:bodyPr/>
+          <a:lstStyle/>
+          <a:p>
+            <a:r>
+              <a:rPr lang="en-GB" dirty="0" smtClean="0"/>
+              <a:t>Copy In the </a:t>
+            </a:r>
+            <a:r>
+              <a:rPr lang="en-GB" dirty="0" err="1" smtClean="0"/>
+              <a:t>SpatiaLite</a:t>
+            </a:r>
+            <a:r>
+              <a:rPr lang="en-GB" dirty="0" smtClean="0"/>
+              <a:t> Library</a:t>
+            </a:r>
+            <a:endParaRPr lang="en-GB" dirty="0"/>
+          </a:p>
+        </p:txBody>
+      </p:sp>
+      <p:sp>
+        <p:nvSpPr>
+          <p:cNvPr id="3" name="Content Placeholder 2"/>
+          <p:cNvSpPr>
+            <a:spLocks noGrp="1"/>
+          </p:cNvSpPr>
+          <p:nvPr>
+            <p:ph idx="1"/>
+          </p:nvPr>
+        </p:nvSpPr>
+        <p:spPr/>
+        <p:txBody>
+          <a:bodyPr/>
+          <a:lstStyle/>
+          <a:p>
+            <a:r>
+              <a:rPr lang="en-GB" dirty="0" smtClean="0"/>
+              <a:t>To the libs folder</a:t>
+            </a:r>
+            <a:endParaRPr lang="en-GB" dirty="0"/>
+          </a:p>
+        </p:txBody>
+      </p:sp>
+    </p:spTree>
+    <p:extLst>
+      <p:ext uri="{BB962C8B-B14F-4D97-AF65-F5344CB8AC3E}">
+        <p14:creationId xmlns:p14="http://schemas.microsoft.com/office/powerpoint/2010/main" val="833365000"/>
+      </p:ext>
+    </p:extLst>
+  </p:cSld>
+  <p:clrMapOvr>
+    <a:masterClrMapping/>
+  </p:clrMapOvr>
+</p:sld>
+</file>
+
+<file path=ppt/slides/slide26.xml><?xml version="1.0" encoding="utf-8"?>
+<p:sld xmlns:a="http://schemas.openxmlformats.org/drawingml/2006/main" xmlns:r="http://schemas.openxmlformats.org/officeDocument/2006/relationships" xmlns:p="http://schemas.openxmlformats.org/presentationml/2006/main">
+  <p:cSld>
+    <p:spTree>
+      <p:nvGrpSpPr>
+        <p:cNvPr id="1" name=""/>
+        <p:cNvGrpSpPr/>
+        <p:nvPr/>
+      </p:nvGrpSpPr>
+      <p:grpSpPr>
+        <a:xfrm>
+          <a:off x="0" y="0"/>
+          <a:ext cx="0" cy="0"/>
+          <a:chOff x="0" y="0"/>
+          <a:chExt cx="0" cy="0"/>
+        </a:xfrm>
+      </p:grpSpPr>
+      <p:sp>
+        <p:nvSpPr>
+          <p:cNvPr id="2" name="Title 1"/>
+          <p:cNvSpPr>
+            <a:spLocks noGrp="1"/>
+          </p:cNvSpPr>
+          <p:nvPr>
+            <p:ph type="title"/>
+          </p:nvPr>
+        </p:nvSpPr>
+        <p:spPr/>
+        <p:txBody>
+          <a:bodyPr/>
+          <a:lstStyle/>
+          <a:p>
+            <a:r>
+              <a:rPr lang="en-GB" dirty="0" smtClean="0"/>
               <a:t>Gain Inspiration</a:t>
             </a:r>
             <a:endParaRPr lang="en-GB" dirty="0"/>
@@ -5959,7 +6234,7 @@
 </p:sld>
 </file>
 
-<file path=ppt/slides/slide25.xml><?xml version="1.0" encoding="utf-8"?>
+<file path=ppt/slides/slide27.xml><?xml version="1.0" encoding="utf-8"?>
 <p:sld xmlns:a="http://schemas.openxmlformats.org/drawingml/2006/main" xmlns:r="http://schemas.openxmlformats.org/officeDocument/2006/relationships" xmlns:p="http://schemas.openxmlformats.org/presentationml/2006/main">
   <p:cSld>
     <p:spTree>
@@ -7256,19 +7531,7 @@
           <a:p>
             <a:r>
               <a:rPr lang="en-GB" dirty="0" smtClean="0"/>
-              <a:t>Select </a:t>
-            </a:r>
-            <a:r>
-              <a:rPr lang="en-GB" dirty="0" smtClean="0"/>
-              <a:t>Raster </a:t>
-            </a:r>
-            <a:r>
-              <a:rPr lang="en-GB" dirty="0" smtClean="0"/>
-              <a:t>and </a:t>
-            </a:r>
-            <a:r>
-              <a:rPr lang="en-GB" dirty="0" smtClean="0"/>
-              <a:t> Vector Layers</a:t>
+              <a:t>Select Raster and  Vector Layers</a:t>
             </a:r>
             <a:endParaRPr lang="en-GB" dirty="0"/>
           </a:p>
